--- a/Automatic Image Captioning_v3.pptx
+++ b/Automatic Image Captioning_v3.pptx
@@ -2,7 +2,7 @@
 <file path=ppt/presentation.xml><?xml version="1.0" encoding="utf-8"?>
 <p:presentation xmlns:a="http://schemas.openxmlformats.org/drawingml/2006/main" xmlns:r="http://schemas.openxmlformats.org/officeDocument/2006/relationships" xmlns:p="http://schemas.openxmlformats.org/presentationml/2006/main" saveSubsetFonts="1">
   <p:sldMasterIdLst>
-    <p:sldMasterId id="2147483719" r:id="rId1"/>
+    <p:sldMasterId id="2147483770" r:id="rId1"/>
   </p:sldMasterIdLst>
   <p:sldIdLst>
     <p:sldId id="290" r:id="rId2"/>
@@ -23,8 +23,9 @@
     <p:sldId id="288" r:id="rId17"/>
     <p:sldId id="308" r:id="rId18"/>
     <p:sldId id="261" r:id="rId19"/>
-    <p:sldId id="304" r:id="rId20"/>
-    <p:sldId id="291" r:id="rId21"/>
+    <p:sldId id="312" r:id="rId20"/>
+    <p:sldId id="304" r:id="rId21"/>
+    <p:sldId id="291" r:id="rId22"/>
   </p:sldIdLst>
   <p:sldSz cx="12192000" cy="6858000"/>
   <p:notesSz cx="6858000" cy="9144000"/>
@@ -132,7 +133,7 @@
 </file>
 
 <file path=ppt/charts/chart1.xml><?xml version="1.0" encoding="utf-8"?>
-<c:chartSpace xmlns:c="http://schemas.openxmlformats.org/drawingml/2006/chart" xmlns:a="http://schemas.openxmlformats.org/drawingml/2006/main" xmlns:r="http://schemas.openxmlformats.org/officeDocument/2006/relationships">
+<c:chartSpace xmlns:c="http://schemas.openxmlformats.org/drawingml/2006/chart" xmlns:a="http://schemas.openxmlformats.org/drawingml/2006/main" xmlns:r="http://schemas.openxmlformats.org/officeDocument/2006/relationships" xmlns:c16r2="http://schemas.microsoft.com/office/drawing/2015/06/chart">
   <c:date1904 val="0"/>
   <c:lang val="en-US"/>
   <c:roundedCorners val="0"/>
@@ -170,7 +171,6 @@
           </a:p>
         </c:rich>
       </c:tx>
-      <c:layout/>
       <c:overlay val="0"/>
       <c:spPr>
         <a:noFill/>
@@ -271,6 +271,11 @@
               </c:numCache>
             </c:numRef>
           </c:val>
+          <c:extLst>
+            <c:ext xmlns:c16="http://schemas.microsoft.com/office/drawing/2014/chart" uri="{C3380CC4-5D6E-409C-BE32-E72D297353CC}">
+              <c16:uniqueId val="{00000000-11D4-4B2C-A574-6180C0B99F08}"/>
+            </c:ext>
+          </c:extLst>
         </c:ser>
         <c:ser>
           <c:idx val="1"/>
@@ -337,6 +342,11 @@
               </c:numCache>
             </c:numRef>
           </c:val>
+          <c:extLst>
+            <c:ext xmlns:c16="http://schemas.microsoft.com/office/drawing/2014/chart" uri="{C3380CC4-5D6E-409C-BE32-E72D297353CC}">
+              <c16:uniqueId val="{00000001-11D4-4B2C-A574-6180C0B99F08}"/>
+            </c:ext>
+          </c:extLst>
         </c:ser>
         <c:ser>
           <c:idx val="2"/>
@@ -403,6 +413,11 @@
               </c:numCache>
             </c:numRef>
           </c:val>
+          <c:extLst>
+            <c:ext xmlns:c16="http://schemas.microsoft.com/office/drawing/2014/chart" uri="{C3380CC4-5D6E-409C-BE32-E72D297353CC}">
+              <c16:uniqueId val="{00000002-11D4-4B2C-A574-6180C0B99F08}"/>
+            </c:ext>
+          </c:extLst>
         </c:ser>
         <c:dLbls>
           <c:showLegendKey val="0"/>
@@ -531,7 +546,6 @@
     </c:plotArea>
     <c:legend>
       <c:legendPos val="b"/>
-      <c:layout/>
       <c:overlay val="0"/>
       <c:spPr>
         <a:noFill/>
@@ -597,7 +611,7 @@
 </file>
 
 <file path=ppt/charts/chart2.xml><?xml version="1.0" encoding="utf-8"?>
-<c:chartSpace xmlns:c="http://schemas.openxmlformats.org/drawingml/2006/chart" xmlns:a="http://schemas.openxmlformats.org/drawingml/2006/main" xmlns:r="http://schemas.openxmlformats.org/officeDocument/2006/relationships">
+<c:chartSpace xmlns:c="http://schemas.openxmlformats.org/drawingml/2006/chart" xmlns:a="http://schemas.openxmlformats.org/drawingml/2006/main" xmlns:r="http://schemas.openxmlformats.org/officeDocument/2006/relationships" xmlns:c16r2="http://schemas.microsoft.com/office/drawing/2015/06/chart">
   <c:date1904 val="0"/>
   <c:lang val="en-US"/>
   <c:roundedCorners val="0"/>
@@ -635,7 +649,6 @@
           </a:p>
         </c:rich>
       </c:tx>
-      <c:layout/>
       <c:overlay val="0"/>
       <c:spPr>
         <a:noFill/>
@@ -736,6 +749,11 @@
               </c:numCache>
             </c:numRef>
           </c:val>
+          <c:extLst>
+            <c:ext xmlns:c16="http://schemas.microsoft.com/office/drawing/2014/chart" uri="{C3380CC4-5D6E-409C-BE32-E72D297353CC}">
+              <c16:uniqueId val="{00000000-FC58-4DFA-ADBD-E4279458AAC5}"/>
+            </c:ext>
+          </c:extLst>
         </c:ser>
         <c:ser>
           <c:idx val="1"/>
@@ -802,6 +820,11 @@
               </c:numCache>
             </c:numRef>
           </c:val>
+          <c:extLst>
+            <c:ext xmlns:c16="http://schemas.microsoft.com/office/drawing/2014/chart" uri="{C3380CC4-5D6E-409C-BE32-E72D297353CC}">
+              <c16:uniqueId val="{00000001-FC58-4DFA-ADBD-E4279458AAC5}"/>
+            </c:ext>
+          </c:extLst>
         </c:ser>
         <c:ser>
           <c:idx val="2"/>
@@ -868,6 +891,11 @@
               </c:numCache>
             </c:numRef>
           </c:val>
+          <c:extLst>
+            <c:ext xmlns:c16="http://schemas.microsoft.com/office/drawing/2014/chart" uri="{C3380CC4-5D6E-409C-BE32-E72D297353CC}">
+              <c16:uniqueId val="{00000002-FC58-4DFA-ADBD-E4279458AAC5}"/>
+            </c:ext>
+          </c:extLst>
         </c:ser>
         <c:dLbls>
           <c:showLegendKey val="0"/>
@@ -996,7 +1024,6 @@
     </c:plotArea>
     <c:legend>
       <c:legendPos val="b"/>
-      <c:layout/>
       <c:overlay val="0"/>
       <c:spPr>
         <a:noFill/>
@@ -1062,7 +1089,7 @@
 </file>
 
 <file path=ppt/charts/chart3.xml><?xml version="1.0" encoding="utf-8"?>
-<c:chartSpace xmlns:c="http://schemas.openxmlformats.org/drawingml/2006/chart" xmlns:a="http://schemas.openxmlformats.org/drawingml/2006/main" xmlns:r="http://schemas.openxmlformats.org/officeDocument/2006/relationships">
+<c:chartSpace xmlns:c="http://schemas.openxmlformats.org/drawingml/2006/chart" xmlns:a="http://schemas.openxmlformats.org/drawingml/2006/main" xmlns:r="http://schemas.openxmlformats.org/officeDocument/2006/relationships" xmlns:c16r2="http://schemas.microsoft.com/office/drawing/2015/06/chart">
   <c:date1904 val="0"/>
   <c:lang val="en-US"/>
   <c:roundedCorners val="0"/>
@@ -1208,6 +1235,11 @@
               </c:numCache>
             </c:numRef>
           </c:val>
+          <c:extLst>
+            <c:ext xmlns:c16="http://schemas.microsoft.com/office/drawing/2014/chart" uri="{C3380CC4-5D6E-409C-BE32-E72D297353CC}">
+              <c16:uniqueId val="{00000000-EAA3-47F4-B17A-1D63B225CEFA}"/>
+            </c:ext>
+          </c:extLst>
         </c:ser>
         <c:ser>
           <c:idx val="1"/>
@@ -1274,6 +1306,11 @@
               </c:numCache>
             </c:numRef>
           </c:val>
+          <c:extLst>
+            <c:ext xmlns:c16="http://schemas.microsoft.com/office/drawing/2014/chart" uri="{C3380CC4-5D6E-409C-BE32-E72D297353CC}">
+              <c16:uniqueId val="{00000001-EAA3-47F4-B17A-1D63B225CEFA}"/>
+            </c:ext>
+          </c:extLst>
         </c:ser>
         <c:ser>
           <c:idx val="2"/>
@@ -1340,6 +1377,11 @@
               </c:numCache>
             </c:numRef>
           </c:val>
+          <c:extLst>
+            <c:ext xmlns:c16="http://schemas.microsoft.com/office/drawing/2014/chart" uri="{C3380CC4-5D6E-409C-BE32-E72D297353CC}">
+              <c16:uniqueId val="{00000002-EAA3-47F4-B17A-1D63B225CEFA}"/>
+            </c:ext>
+          </c:extLst>
         </c:ser>
         <c:dLbls>
           <c:showLegendKey val="0"/>
@@ -1468,7 +1510,6 @@
     </c:plotArea>
     <c:legend>
       <c:legendPos val="b"/>
-      <c:layout/>
       <c:overlay val="0"/>
       <c:spPr>
         <a:noFill/>
@@ -1534,7 +1575,7 @@
 </file>
 
 <file path=ppt/charts/chart4.xml><?xml version="1.0" encoding="utf-8"?>
-<c:chartSpace xmlns:c="http://schemas.openxmlformats.org/drawingml/2006/chart" xmlns:a="http://schemas.openxmlformats.org/drawingml/2006/main" xmlns:r="http://schemas.openxmlformats.org/officeDocument/2006/relationships">
+<c:chartSpace xmlns:c="http://schemas.openxmlformats.org/drawingml/2006/chart" xmlns:a="http://schemas.openxmlformats.org/drawingml/2006/main" xmlns:r="http://schemas.openxmlformats.org/officeDocument/2006/relationships" xmlns:c16r2="http://schemas.microsoft.com/office/drawing/2015/06/chart">
   <c:date1904 val="0"/>
   <c:lang val="en-US"/>
   <c:roundedCorners val="0"/>
@@ -1588,7 +1629,6 @@
           </a:p>
         </c:rich>
       </c:tx>
-      <c:layout/>
       <c:overlay val="0"/>
       <c:spPr>
         <a:noFill/>
@@ -1696,6 +1736,11 @@
               </c:numCache>
             </c:numRef>
           </c:val>
+          <c:extLst>
+            <c:ext xmlns:c16="http://schemas.microsoft.com/office/drawing/2014/chart" uri="{C3380CC4-5D6E-409C-BE32-E72D297353CC}">
+              <c16:uniqueId val="{00000000-2EBC-4B81-A084-73CD15C79965}"/>
+            </c:ext>
+          </c:extLst>
         </c:ser>
         <c:ser>
           <c:idx val="1"/>
@@ -1762,6 +1807,11 @@
               </c:numCache>
             </c:numRef>
           </c:val>
+          <c:extLst>
+            <c:ext xmlns:c16="http://schemas.microsoft.com/office/drawing/2014/chart" uri="{C3380CC4-5D6E-409C-BE32-E72D297353CC}">
+              <c16:uniqueId val="{00000001-2EBC-4B81-A084-73CD15C79965}"/>
+            </c:ext>
+          </c:extLst>
         </c:ser>
         <c:ser>
           <c:idx val="2"/>
@@ -1828,6 +1878,11 @@
               </c:numCache>
             </c:numRef>
           </c:val>
+          <c:extLst>
+            <c:ext xmlns:c16="http://schemas.microsoft.com/office/drawing/2014/chart" uri="{C3380CC4-5D6E-409C-BE32-E72D297353CC}">
+              <c16:uniqueId val="{00000002-2EBC-4B81-A084-73CD15C79965}"/>
+            </c:ext>
+          </c:extLst>
         </c:ser>
         <c:dLbls>
           <c:showLegendKey val="0"/>
@@ -1957,7 +2012,6 @@
     </c:plotArea>
     <c:legend>
       <c:legendPos val="b"/>
-      <c:layout/>
       <c:overlay val="0"/>
       <c:spPr>
         <a:noFill/>
@@ -4237,7 +4291,7 @@
           </a:lstStyle>
           <a:p>
             <a:r>
-              <a:rPr lang="en-US"/>
+              <a:rPr lang="en-US" smtClean="0"/>
               <a:t>Click to edit Master title style</a:t>
             </a:r>
             <a:endParaRPr lang="en-US" dirty="0"/>
@@ -4357,7 +4411,7 @@
           </a:lstStyle>
           <a:p>
             <a:r>
-              <a:rPr lang="en-US"/>
+              <a:rPr lang="en-US" smtClean="0"/>
               <a:t>Click to edit Master subtitle style</a:t>
             </a:r>
             <a:endParaRPr lang="en-US" dirty="0"/>
@@ -4381,7 +4435,7 @@
           <a:p>
             <a:fld id="{1DCE3E0D-9083-4453-96C5-59332BB4FE5F}" type="datetimeFigureOut">
               <a:rPr lang="en-IN" smtClean="0"/>
-              <a:t>28-09-2024</a:t>
+              <a:t>29-09-2024</a:t>
             </a:fld>
             <a:endParaRPr lang="en-IN"/>
           </a:p>
@@ -4519,7 +4573,7 @@
     </p:spTree>
     <p:extLst>
       <p:ext uri="{BB962C8B-B14F-4D97-AF65-F5344CB8AC3E}">
-        <p14:creationId xmlns:p14="http://schemas.microsoft.com/office/powerpoint/2010/main" val="3682372869"/>
+        <p14:creationId xmlns:p14="http://schemas.microsoft.com/office/powerpoint/2010/main" val="3180111512"/>
       </p:ext>
     </p:extLst>
   </p:cSld>
@@ -4573,7 +4627,7 @@
           </a:lstStyle>
           <a:p>
             <a:r>
-              <a:rPr lang="en-US"/>
+              <a:rPr lang="en-US" smtClean="0"/>
               <a:t>Click to edit Master title style</a:t>
             </a:r>
             <a:endParaRPr lang="en-US" dirty="0"/>
@@ -4696,7 +4750,7 @@
           <a:p>
             <a:pPr lvl="0"/>
             <a:r>
-              <a:rPr lang="en-US"/>
+              <a:rPr lang="en-US" smtClean="0"/>
               <a:t>Edit Master text styles</a:t>
             </a:r>
           </a:p>
@@ -4719,7 +4773,7 @@
           <a:p>
             <a:fld id="{1DCE3E0D-9083-4453-96C5-59332BB4FE5F}" type="datetimeFigureOut">
               <a:rPr lang="en-IN" smtClean="0"/>
-              <a:t>28-09-2024</a:t>
+              <a:t>29-09-2024</a:t>
             </a:fld>
             <a:endParaRPr lang="en-IN"/>
           </a:p>
@@ -4857,7 +4911,7 @@
     </p:spTree>
     <p:extLst>
       <p:ext uri="{BB962C8B-B14F-4D97-AF65-F5344CB8AC3E}">
-        <p14:creationId xmlns:p14="http://schemas.microsoft.com/office/powerpoint/2010/main" val="4082293165"/>
+        <p14:creationId xmlns:p14="http://schemas.microsoft.com/office/powerpoint/2010/main" val="1280872602"/>
       </p:ext>
     </p:extLst>
   </p:cSld>
@@ -4911,7 +4965,7 @@
           </a:lstStyle>
           <a:p>
             <a:r>
-              <a:rPr lang="en-US"/>
+              <a:rPr lang="en-US" smtClean="0"/>
               <a:t>Click to edit Master title style</a:t>
             </a:r>
             <a:endParaRPr lang="en-US" dirty="0"/>
@@ -4975,7 +5029,7 @@
           <a:p>
             <a:pPr lvl="0"/>
             <a:r>
-              <a:rPr lang="en-US"/>
+              <a:rPr lang="en-US" smtClean="0"/>
               <a:t>Edit Master text styles</a:t>
             </a:r>
           </a:p>
@@ -5097,7 +5151,7 @@
           <a:p>
             <a:pPr lvl="0"/>
             <a:r>
-              <a:rPr lang="en-US"/>
+              <a:rPr lang="en-US" smtClean="0"/>
               <a:t>Edit Master text styles</a:t>
             </a:r>
           </a:p>
@@ -5120,7 +5174,7 @@
           <a:p>
             <a:fld id="{1DCE3E0D-9083-4453-96C5-59332BB4FE5F}" type="datetimeFigureOut">
               <a:rPr lang="en-IN" smtClean="0"/>
-              <a:t>28-09-2024</a:t>
+              <a:t>29-09-2024</a:t>
             </a:fld>
             <a:endParaRPr lang="en-IN"/>
           </a:p>
@@ -5334,7 +5388,7 @@
     </p:spTree>
     <p:extLst>
       <p:ext uri="{BB962C8B-B14F-4D97-AF65-F5344CB8AC3E}">
-        <p14:creationId xmlns:p14="http://schemas.microsoft.com/office/powerpoint/2010/main" val="1958889438"/>
+        <p14:creationId xmlns:p14="http://schemas.microsoft.com/office/powerpoint/2010/main" val="2190802784"/>
       </p:ext>
     </p:extLst>
   </p:cSld>
@@ -5388,7 +5442,7 @@
           </a:lstStyle>
           <a:p>
             <a:r>
-              <a:rPr lang="en-US"/>
+              <a:rPr lang="en-US" smtClean="0"/>
               <a:t>Click to edit Master title style</a:t>
             </a:r>
             <a:endParaRPr lang="en-US" dirty="0"/>
@@ -5433,7 +5487,7 @@
               <a:buNone/>
             </a:pPr>
             <a:r>
-              <a:rPr lang="en-US"/>
+              <a:rPr lang="en-US" smtClean="0"/>
               <a:t>Edit Master text styles</a:t>
             </a:r>
           </a:p>
@@ -5456,7 +5510,7 @@
           <a:p>
             <a:fld id="{1DCE3E0D-9083-4453-96C5-59332BB4FE5F}" type="datetimeFigureOut">
               <a:rPr lang="en-IN" smtClean="0"/>
-              <a:t>28-09-2024</a:t>
+              <a:t>29-09-2024</a:t>
             </a:fld>
             <a:endParaRPr lang="en-IN"/>
           </a:p>
@@ -5594,7 +5648,7 @@
     </p:spTree>
     <p:extLst>
       <p:ext uri="{BB962C8B-B14F-4D97-AF65-F5344CB8AC3E}">
-        <p14:creationId xmlns:p14="http://schemas.microsoft.com/office/powerpoint/2010/main" val="844537468"/>
+        <p14:creationId xmlns:p14="http://schemas.microsoft.com/office/powerpoint/2010/main" val="1165196407"/>
       </p:ext>
     </p:extLst>
   </p:cSld>
@@ -5648,7 +5702,7 @@
           </a:lstStyle>
           <a:p>
             <a:r>
-              <a:rPr lang="en-US"/>
+              <a:rPr lang="en-US" smtClean="0"/>
               <a:t>Click to edit Master title style</a:t>
             </a:r>
             <a:endParaRPr lang="en-US" dirty="0"/>
@@ -5709,7 +5763,7 @@
           <a:p>
             <a:pPr lvl="0"/>
             <a:r>
-              <a:rPr lang="en-US"/>
+              <a:rPr lang="en-US" smtClean="0"/>
               <a:t>Edit Master text styles</a:t>
             </a:r>
           </a:p>
@@ -5753,7 +5807,7 @@
               <a:buNone/>
             </a:pPr>
             <a:r>
-              <a:rPr lang="en-US"/>
+              <a:rPr lang="en-US" smtClean="0"/>
               <a:t>Edit Master text styles</a:t>
             </a:r>
           </a:p>
@@ -5776,7 +5830,7 @@
           <a:p>
             <a:fld id="{1DCE3E0D-9083-4453-96C5-59332BB4FE5F}" type="datetimeFigureOut">
               <a:rPr lang="en-IN" smtClean="0"/>
-              <a:t>28-09-2024</a:t>
+              <a:t>29-09-2024</a:t>
             </a:fld>
             <a:endParaRPr lang="en-IN"/>
           </a:p>
@@ -5990,7 +6044,7 @@
     </p:spTree>
     <p:extLst>
       <p:ext uri="{BB962C8B-B14F-4D97-AF65-F5344CB8AC3E}">
-        <p14:creationId xmlns:p14="http://schemas.microsoft.com/office/powerpoint/2010/main" val="3957710200"/>
+        <p14:creationId xmlns:p14="http://schemas.microsoft.com/office/powerpoint/2010/main" val="3723305385"/>
       </p:ext>
     </p:extLst>
   </p:cSld>
@@ -6044,7 +6098,7 @@
           </a:lstStyle>
           <a:p>
             <a:r>
-              <a:rPr lang="en-US"/>
+              <a:rPr lang="en-US" smtClean="0"/>
               <a:t>Click to edit Master title style</a:t>
             </a:r>
             <a:endParaRPr lang="en-US" dirty="0"/>
@@ -6105,7 +6159,7 @@
           <a:p>
             <a:pPr lvl="0"/>
             <a:r>
-              <a:rPr lang="en-US"/>
+              <a:rPr lang="en-US" smtClean="0"/>
               <a:t>Edit Master text styles</a:t>
             </a:r>
           </a:p>
@@ -6149,7 +6203,7 @@
               <a:buNone/>
             </a:pPr>
             <a:r>
-              <a:rPr lang="en-US"/>
+              <a:rPr lang="en-US" smtClean="0"/>
               <a:t>Edit Master text styles</a:t>
             </a:r>
           </a:p>
@@ -6172,7 +6226,7 @@
           <a:p>
             <a:fld id="{1DCE3E0D-9083-4453-96C5-59332BB4FE5F}" type="datetimeFigureOut">
               <a:rPr lang="en-IN" smtClean="0"/>
-              <a:t>28-09-2024</a:t>
+              <a:t>29-09-2024</a:t>
             </a:fld>
             <a:endParaRPr lang="en-IN"/>
           </a:p>
@@ -6310,7 +6364,7 @@
     </p:spTree>
     <p:extLst>
       <p:ext uri="{BB962C8B-B14F-4D97-AF65-F5344CB8AC3E}">
-        <p14:creationId xmlns:p14="http://schemas.microsoft.com/office/powerpoint/2010/main" val="2234482512"/>
+        <p14:creationId xmlns:p14="http://schemas.microsoft.com/office/powerpoint/2010/main" val="351608852"/>
       </p:ext>
     </p:extLst>
   </p:cSld>
@@ -6353,7 +6407,7 @@
           <a:lstStyle/>
           <a:p>
             <a:r>
-              <a:rPr lang="en-US"/>
+              <a:rPr lang="en-US" smtClean="0"/>
               <a:t>Click to edit Master title style</a:t>
             </a:r>
             <a:endParaRPr lang="en-US" dirty="0"/>
@@ -6377,35 +6431,35 @@
           <a:p>
             <a:pPr lvl="0"/>
             <a:r>
-              <a:rPr lang="en-US"/>
+              <a:rPr lang="en-US" smtClean="0"/>
               <a:t>Edit Master text styles</a:t>
             </a:r>
           </a:p>
           <a:p>
             <a:pPr lvl="1"/>
             <a:r>
-              <a:rPr lang="en-US"/>
+              <a:rPr lang="en-US" smtClean="0"/>
               <a:t>Second level</a:t>
             </a:r>
           </a:p>
           <a:p>
             <a:pPr lvl="2"/>
             <a:r>
-              <a:rPr lang="en-US"/>
+              <a:rPr lang="en-US" smtClean="0"/>
               <a:t>Third level</a:t>
             </a:r>
           </a:p>
           <a:p>
             <a:pPr lvl="3"/>
             <a:r>
-              <a:rPr lang="en-US"/>
+              <a:rPr lang="en-US" smtClean="0"/>
               <a:t>Fourth level</a:t>
             </a:r>
           </a:p>
           <a:p>
             <a:pPr lvl="4"/>
             <a:r>
-              <a:rPr lang="en-US"/>
+              <a:rPr lang="en-US" smtClean="0"/>
               <a:t>Fifth level</a:t>
             </a:r>
             <a:endParaRPr lang="en-US" dirty="0"/>
@@ -6429,7 +6483,7 @@
           <a:p>
             <a:fld id="{1DCE3E0D-9083-4453-96C5-59332BB4FE5F}" type="datetimeFigureOut">
               <a:rPr lang="en-IN" smtClean="0"/>
-              <a:t>28-09-2024</a:t>
+              <a:t>29-09-2024</a:t>
             </a:fld>
             <a:endParaRPr lang="en-IN"/>
           </a:p>
@@ -6562,7 +6616,7 @@
     </p:spTree>
     <p:extLst>
       <p:ext uri="{BB962C8B-B14F-4D97-AF65-F5344CB8AC3E}">
-        <p14:creationId xmlns:p14="http://schemas.microsoft.com/office/powerpoint/2010/main" val="190438009"/>
+        <p14:creationId xmlns:p14="http://schemas.microsoft.com/office/powerpoint/2010/main" val="2387608118"/>
       </p:ext>
     </p:extLst>
   </p:cSld>
@@ -6610,7 +6664,7 @@
           <a:lstStyle/>
           <a:p>
             <a:r>
-              <a:rPr lang="en-US"/>
+              <a:rPr lang="en-US" smtClean="0"/>
               <a:t>Click to edit Master title style</a:t>
             </a:r>
             <a:endParaRPr lang="en-US" dirty="0"/>
@@ -6639,35 +6693,35 @@
           <a:p>
             <a:pPr lvl="0"/>
             <a:r>
-              <a:rPr lang="en-US"/>
+              <a:rPr lang="en-US" smtClean="0"/>
               <a:t>Edit Master text styles</a:t>
             </a:r>
           </a:p>
           <a:p>
             <a:pPr lvl="1"/>
             <a:r>
-              <a:rPr lang="en-US"/>
+              <a:rPr lang="en-US" smtClean="0"/>
               <a:t>Second level</a:t>
             </a:r>
           </a:p>
           <a:p>
             <a:pPr lvl="2"/>
             <a:r>
-              <a:rPr lang="en-US"/>
+              <a:rPr lang="en-US" smtClean="0"/>
               <a:t>Third level</a:t>
             </a:r>
           </a:p>
           <a:p>
             <a:pPr lvl="3"/>
             <a:r>
-              <a:rPr lang="en-US"/>
+              <a:rPr lang="en-US" smtClean="0"/>
               <a:t>Fourth level</a:t>
             </a:r>
           </a:p>
           <a:p>
             <a:pPr lvl="4"/>
             <a:r>
-              <a:rPr lang="en-US"/>
+              <a:rPr lang="en-US" smtClean="0"/>
               <a:t>Fifth level</a:t>
             </a:r>
             <a:endParaRPr lang="en-US" dirty="0"/>
@@ -6691,7 +6745,7 @@
           <a:p>
             <a:fld id="{1DCE3E0D-9083-4453-96C5-59332BB4FE5F}" type="datetimeFigureOut">
               <a:rPr lang="en-IN" smtClean="0"/>
-              <a:t>28-09-2024</a:t>
+              <a:t>29-09-2024</a:t>
             </a:fld>
             <a:endParaRPr lang="en-IN"/>
           </a:p>
@@ -6824,7 +6878,7 @@
     </p:spTree>
     <p:extLst>
       <p:ext uri="{BB962C8B-B14F-4D97-AF65-F5344CB8AC3E}">
-        <p14:creationId xmlns:p14="http://schemas.microsoft.com/office/powerpoint/2010/main" val="2716902640"/>
+        <p14:creationId xmlns:p14="http://schemas.microsoft.com/office/powerpoint/2010/main" val="3708517811"/>
       </p:ext>
     </p:extLst>
   </p:cSld>
@@ -6872,7 +6926,7 @@
           <a:lstStyle/>
           <a:p>
             <a:r>
-              <a:rPr lang="en-US"/>
+              <a:rPr lang="en-US" smtClean="0"/>
               <a:t>Click to edit Master title style</a:t>
             </a:r>
             <a:endParaRPr lang="en-US" dirty="0"/>
@@ -6901,35 +6955,35 @@
           <a:p>
             <a:pPr lvl="0"/>
             <a:r>
-              <a:rPr lang="en-US"/>
+              <a:rPr lang="en-US" smtClean="0"/>
               <a:t>Edit Master text styles</a:t>
             </a:r>
           </a:p>
           <a:p>
             <a:pPr lvl="1"/>
             <a:r>
-              <a:rPr lang="en-US"/>
+              <a:rPr lang="en-US" smtClean="0"/>
               <a:t>Second level</a:t>
             </a:r>
           </a:p>
           <a:p>
             <a:pPr lvl="2"/>
             <a:r>
-              <a:rPr lang="en-US"/>
+              <a:rPr lang="en-US" smtClean="0"/>
               <a:t>Third level</a:t>
             </a:r>
           </a:p>
           <a:p>
             <a:pPr lvl="3"/>
             <a:r>
-              <a:rPr lang="en-US"/>
+              <a:rPr lang="en-US" smtClean="0"/>
               <a:t>Fourth level</a:t>
             </a:r>
           </a:p>
           <a:p>
             <a:pPr lvl="4"/>
             <a:r>
-              <a:rPr lang="en-US"/>
+              <a:rPr lang="en-US" smtClean="0"/>
               <a:t>Fifth level</a:t>
             </a:r>
             <a:endParaRPr lang="en-US" dirty="0"/>
@@ -6953,7 +7007,7 @@
           <a:p>
             <a:fld id="{1DCE3E0D-9083-4453-96C5-59332BB4FE5F}" type="datetimeFigureOut">
               <a:rPr lang="en-IN" smtClean="0"/>
-              <a:t>28-09-2024</a:t>
+              <a:t>29-09-2024</a:t>
             </a:fld>
             <a:endParaRPr lang="en-IN"/>
           </a:p>
@@ -7086,7 +7140,7 @@
     </p:spTree>
     <p:extLst>
       <p:ext uri="{BB962C8B-B14F-4D97-AF65-F5344CB8AC3E}">
-        <p14:creationId xmlns:p14="http://schemas.microsoft.com/office/powerpoint/2010/main" val="1120616328"/>
+        <p14:creationId xmlns:p14="http://schemas.microsoft.com/office/powerpoint/2010/main" val="3667840710"/>
       </p:ext>
     </p:extLst>
   </p:cSld>
@@ -7138,7 +7192,7 @@
           </a:lstStyle>
           <a:p>
             <a:r>
-              <a:rPr lang="en-US"/>
+              <a:rPr lang="en-US" smtClean="0"/>
               <a:t>Click to edit Master title style</a:t>
             </a:r>
             <a:endParaRPr lang="en-US" dirty="0"/>
@@ -7259,7 +7313,7 @@
           <a:p>
             <a:pPr lvl="0"/>
             <a:r>
-              <a:rPr lang="en-US"/>
+              <a:rPr lang="en-US" smtClean="0"/>
               <a:t>Edit Master text styles</a:t>
             </a:r>
           </a:p>
@@ -7282,7 +7336,7 @@
           <a:p>
             <a:fld id="{1DCE3E0D-9083-4453-96C5-59332BB4FE5F}" type="datetimeFigureOut">
               <a:rPr lang="en-IN" smtClean="0"/>
-              <a:t>28-09-2024</a:t>
+              <a:t>29-09-2024</a:t>
             </a:fld>
             <a:endParaRPr lang="en-IN"/>
           </a:p>
@@ -7420,7 +7474,7 @@
     </p:spTree>
     <p:extLst>
       <p:ext uri="{BB962C8B-B14F-4D97-AF65-F5344CB8AC3E}">
-        <p14:creationId xmlns:p14="http://schemas.microsoft.com/office/powerpoint/2010/main" val="2099764559"/>
+        <p14:creationId xmlns:p14="http://schemas.microsoft.com/office/powerpoint/2010/main" val="3477736672"/>
       </p:ext>
     </p:extLst>
   </p:cSld>
@@ -7463,7 +7517,7 @@
           <a:lstStyle/>
           <a:p>
             <a:r>
-              <a:rPr lang="en-US"/>
+              <a:rPr lang="en-US" smtClean="0"/>
               <a:t>Click to edit Master title style</a:t>
             </a:r>
             <a:endParaRPr lang="en-US" dirty="0"/>
@@ -7494,35 +7548,35 @@
           <a:p>
             <a:pPr lvl="0"/>
             <a:r>
-              <a:rPr lang="en-US"/>
+              <a:rPr lang="en-US" smtClean="0"/>
               <a:t>Edit Master text styles</a:t>
             </a:r>
           </a:p>
           <a:p>
             <a:pPr lvl="1"/>
             <a:r>
-              <a:rPr lang="en-US"/>
+              <a:rPr lang="en-US" smtClean="0"/>
               <a:t>Second level</a:t>
             </a:r>
           </a:p>
           <a:p>
             <a:pPr lvl="2"/>
             <a:r>
-              <a:rPr lang="en-US"/>
+              <a:rPr lang="en-US" smtClean="0"/>
               <a:t>Third level</a:t>
             </a:r>
           </a:p>
           <a:p>
             <a:pPr lvl="3"/>
             <a:r>
-              <a:rPr lang="en-US"/>
+              <a:rPr lang="en-US" smtClean="0"/>
               <a:t>Fourth level</a:t>
             </a:r>
           </a:p>
           <a:p>
             <a:pPr lvl="4"/>
             <a:r>
-              <a:rPr lang="en-US"/>
+              <a:rPr lang="en-US" smtClean="0"/>
               <a:t>Fifth level</a:t>
             </a:r>
             <a:endParaRPr lang="en-US" dirty="0"/>
@@ -7553,35 +7607,35 @@
           <a:p>
             <a:pPr lvl="0"/>
             <a:r>
-              <a:rPr lang="en-US"/>
+              <a:rPr lang="en-US" smtClean="0"/>
               <a:t>Edit Master text styles</a:t>
             </a:r>
           </a:p>
           <a:p>
             <a:pPr lvl="1"/>
             <a:r>
-              <a:rPr lang="en-US"/>
+              <a:rPr lang="en-US" smtClean="0"/>
               <a:t>Second level</a:t>
             </a:r>
           </a:p>
           <a:p>
             <a:pPr lvl="2"/>
             <a:r>
-              <a:rPr lang="en-US"/>
+              <a:rPr lang="en-US" smtClean="0"/>
               <a:t>Third level</a:t>
             </a:r>
           </a:p>
           <a:p>
             <a:pPr lvl="3"/>
             <a:r>
-              <a:rPr lang="en-US"/>
+              <a:rPr lang="en-US" smtClean="0"/>
               <a:t>Fourth level</a:t>
             </a:r>
           </a:p>
           <a:p>
             <a:pPr lvl="4"/>
             <a:r>
-              <a:rPr lang="en-US"/>
+              <a:rPr lang="en-US" smtClean="0"/>
               <a:t>Fifth level</a:t>
             </a:r>
             <a:endParaRPr lang="en-US" dirty="0"/>
@@ -7605,7 +7659,7 @@
           <a:p>
             <a:fld id="{1DCE3E0D-9083-4453-96C5-59332BB4FE5F}" type="datetimeFigureOut">
               <a:rPr lang="en-IN" smtClean="0"/>
-              <a:t>28-09-2024</a:t>
+              <a:t>29-09-2024</a:t>
             </a:fld>
             <a:endParaRPr lang="en-IN"/>
           </a:p>
@@ -7743,7 +7797,7 @@
     </p:spTree>
     <p:extLst>
       <p:ext uri="{BB962C8B-B14F-4D97-AF65-F5344CB8AC3E}">
-        <p14:creationId xmlns:p14="http://schemas.microsoft.com/office/powerpoint/2010/main" val="1953095552"/>
+        <p14:creationId xmlns:p14="http://schemas.microsoft.com/office/powerpoint/2010/main" val="2671967415"/>
       </p:ext>
     </p:extLst>
   </p:cSld>
@@ -7786,7 +7840,7 @@
           <a:lstStyle/>
           <a:p>
             <a:r>
-              <a:rPr lang="en-US"/>
+              <a:rPr lang="en-US" smtClean="0"/>
               <a:t>Click to edit Master title style</a:t>
             </a:r>
             <a:endParaRPr lang="en-US" dirty="0"/>
@@ -7854,7 +7908,7 @@
           <a:p>
             <a:pPr lvl="0"/>
             <a:r>
-              <a:rPr lang="en-US"/>
+              <a:rPr lang="en-US" smtClean="0"/>
               <a:t>Edit Master text styles</a:t>
             </a:r>
           </a:p>
@@ -7884,35 +7938,35 @@
           <a:p>
             <a:pPr lvl="0"/>
             <a:r>
-              <a:rPr lang="en-US"/>
+              <a:rPr lang="en-US" smtClean="0"/>
               <a:t>Edit Master text styles</a:t>
             </a:r>
           </a:p>
           <a:p>
             <a:pPr lvl="1"/>
             <a:r>
-              <a:rPr lang="en-US"/>
+              <a:rPr lang="en-US" smtClean="0"/>
               <a:t>Second level</a:t>
             </a:r>
           </a:p>
           <a:p>
             <a:pPr lvl="2"/>
             <a:r>
-              <a:rPr lang="en-US"/>
+              <a:rPr lang="en-US" smtClean="0"/>
               <a:t>Third level</a:t>
             </a:r>
           </a:p>
           <a:p>
             <a:pPr lvl="3"/>
             <a:r>
-              <a:rPr lang="en-US"/>
+              <a:rPr lang="en-US" smtClean="0"/>
               <a:t>Fourth level</a:t>
             </a:r>
           </a:p>
           <a:p>
             <a:pPr lvl="4"/>
             <a:r>
-              <a:rPr lang="en-US"/>
+              <a:rPr lang="en-US" smtClean="0"/>
               <a:t>Fifth level</a:t>
             </a:r>
             <a:endParaRPr lang="en-US" dirty="0"/>
@@ -7980,7 +8034,7 @@
           <a:p>
             <a:pPr lvl="0"/>
             <a:r>
-              <a:rPr lang="en-US"/>
+              <a:rPr lang="en-US" smtClean="0"/>
               <a:t>Edit Master text styles</a:t>
             </a:r>
           </a:p>
@@ -8010,35 +8064,35 @@
           <a:p>
             <a:pPr lvl="0"/>
             <a:r>
-              <a:rPr lang="en-US"/>
+              <a:rPr lang="en-US" smtClean="0"/>
               <a:t>Edit Master text styles</a:t>
             </a:r>
           </a:p>
           <a:p>
             <a:pPr lvl="1"/>
             <a:r>
-              <a:rPr lang="en-US"/>
+              <a:rPr lang="en-US" smtClean="0"/>
               <a:t>Second level</a:t>
             </a:r>
           </a:p>
           <a:p>
             <a:pPr lvl="2"/>
             <a:r>
-              <a:rPr lang="en-US"/>
+              <a:rPr lang="en-US" smtClean="0"/>
               <a:t>Third level</a:t>
             </a:r>
           </a:p>
           <a:p>
             <a:pPr lvl="3"/>
             <a:r>
-              <a:rPr lang="en-US"/>
+              <a:rPr lang="en-US" smtClean="0"/>
               <a:t>Fourth level</a:t>
             </a:r>
           </a:p>
           <a:p>
             <a:pPr lvl="4"/>
             <a:r>
-              <a:rPr lang="en-US"/>
+              <a:rPr lang="en-US" smtClean="0"/>
               <a:t>Fifth level</a:t>
             </a:r>
             <a:endParaRPr lang="en-US" dirty="0"/>
@@ -8062,7 +8116,7 @@
           <a:p>
             <a:fld id="{1DCE3E0D-9083-4453-96C5-59332BB4FE5F}" type="datetimeFigureOut">
               <a:rPr lang="en-IN" smtClean="0"/>
-              <a:t>28-09-2024</a:t>
+              <a:t>29-09-2024</a:t>
             </a:fld>
             <a:endParaRPr lang="en-IN"/>
           </a:p>
@@ -8200,7 +8254,7 @@
     </p:spTree>
     <p:extLst>
       <p:ext uri="{BB962C8B-B14F-4D97-AF65-F5344CB8AC3E}">
-        <p14:creationId xmlns:p14="http://schemas.microsoft.com/office/powerpoint/2010/main" val="1068133217"/>
+        <p14:creationId xmlns:p14="http://schemas.microsoft.com/office/powerpoint/2010/main" val="3444135045"/>
       </p:ext>
     </p:extLst>
   </p:cSld>
@@ -8243,7 +8297,7 @@
           <a:lstStyle/>
           <a:p>
             <a:r>
-              <a:rPr lang="en-US"/>
+              <a:rPr lang="en-US" smtClean="0"/>
               <a:t>Click to edit Master title style</a:t>
             </a:r>
             <a:endParaRPr lang="en-US" dirty="0"/>
@@ -8267,7 +8321,7 @@
           <a:p>
             <a:fld id="{1DCE3E0D-9083-4453-96C5-59332BB4FE5F}" type="datetimeFigureOut">
               <a:rPr lang="en-IN" smtClean="0"/>
-              <a:t>28-09-2024</a:t>
+              <a:t>29-09-2024</a:t>
             </a:fld>
             <a:endParaRPr lang="en-IN"/>
           </a:p>
@@ -8400,7 +8454,7 @@
     </p:spTree>
     <p:extLst>
       <p:ext uri="{BB962C8B-B14F-4D97-AF65-F5344CB8AC3E}">
-        <p14:creationId xmlns:p14="http://schemas.microsoft.com/office/powerpoint/2010/main" val="3120563271"/>
+        <p14:creationId xmlns:p14="http://schemas.microsoft.com/office/powerpoint/2010/main" val="1491808047"/>
       </p:ext>
     </p:extLst>
   </p:cSld>
@@ -8444,7 +8498,7 @@
           <a:p>
             <a:fld id="{1DCE3E0D-9083-4453-96C5-59332BB4FE5F}" type="datetimeFigureOut">
               <a:rPr lang="en-IN" smtClean="0"/>
-              <a:t>28-09-2024</a:t>
+              <a:t>29-09-2024</a:t>
             </a:fld>
             <a:endParaRPr lang="en-IN"/>
           </a:p>
@@ -8577,7 +8631,7 @@
     </p:spTree>
     <p:extLst>
       <p:ext uri="{BB962C8B-B14F-4D97-AF65-F5344CB8AC3E}">
-        <p14:creationId xmlns:p14="http://schemas.microsoft.com/office/powerpoint/2010/main" val="2017447498"/>
+        <p14:creationId xmlns:p14="http://schemas.microsoft.com/office/powerpoint/2010/main" val="3018192034"/>
       </p:ext>
     </p:extLst>
   </p:cSld>
@@ -8629,7 +8683,7 @@
           </a:lstStyle>
           <a:p>
             <a:r>
-              <a:rPr lang="en-US"/>
+              <a:rPr lang="en-US" smtClean="0"/>
               <a:t>Click to edit Master title style</a:t>
             </a:r>
             <a:endParaRPr lang="en-US" dirty="0"/>
@@ -8660,35 +8714,35 @@
           <a:p>
             <a:pPr lvl="0"/>
             <a:r>
-              <a:rPr lang="en-US"/>
+              <a:rPr lang="en-US" smtClean="0"/>
               <a:t>Edit Master text styles</a:t>
             </a:r>
           </a:p>
           <a:p>
             <a:pPr lvl="1"/>
             <a:r>
-              <a:rPr lang="en-US"/>
+              <a:rPr lang="en-US" smtClean="0"/>
               <a:t>Second level</a:t>
             </a:r>
           </a:p>
           <a:p>
             <a:pPr lvl="2"/>
             <a:r>
-              <a:rPr lang="en-US"/>
+              <a:rPr lang="en-US" smtClean="0"/>
               <a:t>Third level</a:t>
             </a:r>
           </a:p>
           <a:p>
             <a:pPr lvl="3"/>
             <a:r>
-              <a:rPr lang="en-US"/>
+              <a:rPr lang="en-US" smtClean="0"/>
               <a:t>Fourth level</a:t>
             </a:r>
           </a:p>
           <a:p>
             <a:pPr lvl="4"/>
             <a:r>
-              <a:rPr lang="en-US"/>
+              <a:rPr lang="en-US" smtClean="0"/>
               <a:t>Fifth level</a:t>
             </a:r>
             <a:endParaRPr lang="en-US" dirty="0"/>
@@ -8754,7 +8808,7 @@
           <a:p>
             <a:pPr lvl="0"/>
             <a:r>
-              <a:rPr lang="en-US"/>
+              <a:rPr lang="en-US" smtClean="0"/>
               <a:t>Edit Master text styles</a:t>
             </a:r>
           </a:p>
@@ -8777,7 +8831,7 @@
           <a:p>
             <a:fld id="{1DCE3E0D-9083-4453-96C5-59332BB4FE5F}" type="datetimeFigureOut">
               <a:rPr lang="en-IN" smtClean="0"/>
-              <a:t>28-09-2024</a:t>
+              <a:t>29-09-2024</a:t>
             </a:fld>
             <a:endParaRPr lang="en-IN"/>
           </a:p>
@@ -8910,7 +8964,7 @@
     </p:spTree>
     <p:extLst>
       <p:ext uri="{BB962C8B-B14F-4D97-AF65-F5344CB8AC3E}">
-        <p14:creationId xmlns:p14="http://schemas.microsoft.com/office/powerpoint/2010/main" val="1756649723"/>
+        <p14:creationId xmlns:p14="http://schemas.microsoft.com/office/powerpoint/2010/main" val="4009033787"/>
       </p:ext>
     </p:extLst>
   </p:cSld>
@@ -8964,7 +9018,7 @@
           </a:lstStyle>
           <a:p>
             <a:r>
-              <a:rPr lang="en-US"/>
+              <a:rPr lang="en-US" smtClean="0"/>
               <a:t>Click to edit Master title style</a:t>
             </a:r>
             <a:endParaRPr lang="en-US" dirty="0"/>
@@ -9031,7 +9085,7 @@
           </a:lstStyle>
           <a:p>
             <a:r>
-              <a:rPr lang="en-US"/>
+              <a:rPr lang="en-US" smtClean="0"/>
               <a:t>Click icon to add picture</a:t>
             </a:r>
             <a:endParaRPr lang="en-US" dirty="0"/>
@@ -9099,7 +9153,7 @@
           <a:p>
             <a:pPr lvl="0"/>
             <a:r>
-              <a:rPr lang="en-US"/>
+              <a:rPr lang="en-US" smtClean="0"/>
               <a:t>Edit Master text styles</a:t>
             </a:r>
           </a:p>
@@ -9122,7 +9176,7 @@
           <a:p>
             <a:fld id="{1DCE3E0D-9083-4453-96C5-59332BB4FE5F}" type="datetimeFigureOut">
               <a:rPr lang="en-IN" smtClean="0"/>
-              <a:t>28-09-2024</a:t>
+              <a:t>29-09-2024</a:t>
             </a:fld>
             <a:endParaRPr lang="en-IN"/>
           </a:p>
@@ -9260,7 +9314,7 @@
     </p:spTree>
     <p:extLst>
       <p:ext uri="{BB962C8B-B14F-4D97-AF65-F5344CB8AC3E}">
-        <p14:creationId xmlns:p14="http://schemas.microsoft.com/office/powerpoint/2010/main" val="4073469021"/>
+        <p14:creationId xmlns:p14="http://schemas.microsoft.com/office/powerpoint/2010/main" val="1370980081"/>
       </p:ext>
     </p:extLst>
   </p:cSld>
@@ -11135,7 +11189,7 @@
           <a:lstStyle/>
           <a:p>
             <a:r>
-              <a:rPr lang="en-US"/>
+              <a:rPr lang="en-US" smtClean="0"/>
               <a:t>Click to edit Master title style</a:t>
             </a:r>
             <a:endParaRPr lang="en-US" dirty="0"/>
@@ -11169,35 +11223,35 @@
           <a:p>
             <a:pPr lvl="0"/>
             <a:r>
-              <a:rPr lang="en-US"/>
+              <a:rPr lang="en-US" smtClean="0"/>
               <a:t>Edit Master text styles</a:t>
             </a:r>
           </a:p>
           <a:p>
             <a:pPr lvl="1"/>
             <a:r>
-              <a:rPr lang="en-US"/>
+              <a:rPr lang="en-US" smtClean="0"/>
               <a:t>Second level</a:t>
             </a:r>
           </a:p>
           <a:p>
             <a:pPr lvl="2"/>
             <a:r>
-              <a:rPr lang="en-US"/>
+              <a:rPr lang="en-US" smtClean="0"/>
               <a:t>Third level</a:t>
             </a:r>
           </a:p>
           <a:p>
             <a:pPr lvl="3"/>
             <a:r>
-              <a:rPr lang="en-US"/>
+              <a:rPr lang="en-US" smtClean="0"/>
               <a:t>Fourth level</a:t>
             </a:r>
           </a:p>
           <a:p>
             <a:pPr lvl="4"/>
             <a:r>
-              <a:rPr lang="en-US"/>
+              <a:rPr lang="en-US" smtClean="0"/>
               <a:t>Fifth level</a:t>
             </a:r>
             <a:endParaRPr lang="en-US" dirty="0"/>
@@ -11239,7 +11293,7 @@
           <a:p>
             <a:fld id="{1DCE3E0D-9083-4453-96C5-59332BB4FE5F}" type="datetimeFigureOut">
               <a:rPr lang="en-IN" smtClean="0"/>
-              <a:t>28-09-2024</a:t>
+              <a:t>29-09-2024</a:t>
             </a:fld>
             <a:endParaRPr lang="en-IN"/>
           </a:p>
@@ -11324,28 +11378,28 @@
     </p:spTree>
     <p:extLst>
       <p:ext uri="{BB962C8B-B14F-4D97-AF65-F5344CB8AC3E}">
-        <p14:creationId xmlns:p14="http://schemas.microsoft.com/office/powerpoint/2010/main" val="3567744099"/>
+        <p14:creationId xmlns:p14="http://schemas.microsoft.com/office/powerpoint/2010/main" val="2454086510"/>
       </p:ext>
     </p:extLst>
   </p:cSld>
   <p:clrMap bg1="lt1" tx1="dk1" bg2="lt2" tx2="dk2" accent1="accent1" accent2="accent2" accent3="accent3" accent4="accent4" accent5="accent5" accent6="accent6" hlink="hlink" folHlink="folHlink"/>
   <p:sldLayoutIdLst>
-    <p:sldLayoutId id="2147483720" r:id="rId1"/>
-    <p:sldLayoutId id="2147483721" r:id="rId2"/>
-    <p:sldLayoutId id="2147483722" r:id="rId3"/>
-    <p:sldLayoutId id="2147483723" r:id="rId4"/>
-    <p:sldLayoutId id="2147483724" r:id="rId5"/>
-    <p:sldLayoutId id="2147483725" r:id="rId6"/>
-    <p:sldLayoutId id="2147483726" r:id="rId7"/>
-    <p:sldLayoutId id="2147483727" r:id="rId8"/>
-    <p:sldLayoutId id="2147483728" r:id="rId9"/>
-    <p:sldLayoutId id="2147483729" r:id="rId10"/>
-    <p:sldLayoutId id="2147483730" r:id="rId11"/>
-    <p:sldLayoutId id="2147483731" r:id="rId12"/>
-    <p:sldLayoutId id="2147483732" r:id="rId13"/>
-    <p:sldLayoutId id="2147483733" r:id="rId14"/>
-    <p:sldLayoutId id="2147483734" r:id="rId15"/>
-    <p:sldLayoutId id="2147483735" r:id="rId16"/>
+    <p:sldLayoutId id="2147483771" r:id="rId1"/>
+    <p:sldLayoutId id="2147483772" r:id="rId2"/>
+    <p:sldLayoutId id="2147483773" r:id="rId3"/>
+    <p:sldLayoutId id="2147483774" r:id="rId4"/>
+    <p:sldLayoutId id="2147483775" r:id="rId5"/>
+    <p:sldLayoutId id="2147483776" r:id="rId6"/>
+    <p:sldLayoutId id="2147483777" r:id="rId7"/>
+    <p:sldLayoutId id="2147483778" r:id="rId8"/>
+    <p:sldLayoutId id="2147483779" r:id="rId9"/>
+    <p:sldLayoutId id="2147483780" r:id="rId10"/>
+    <p:sldLayoutId id="2147483781" r:id="rId11"/>
+    <p:sldLayoutId id="2147483782" r:id="rId12"/>
+    <p:sldLayoutId id="2147483783" r:id="rId13"/>
+    <p:sldLayoutId id="2147483784" r:id="rId14"/>
+    <p:sldLayoutId id="2147483785" r:id="rId15"/>
+    <p:sldLayoutId id="2147483786" r:id="rId16"/>
   </p:sldLayoutIdLst>
   <p:txStyles>
     <p:titleStyle>
@@ -11777,7 +11831,7 @@
           <p:cNvPr id="2" name="Title 1">
             <a:extLst>
               <a:ext uri="{FF2B5EF4-FFF2-40B4-BE49-F238E27FC236}">
-                <a16:creationId xmlns="" xmlns:a16="http://schemas.microsoft.com/office/drawing/2014/main" id="{1E4DADB1-9473-823C-366F-860D53BE1D64}"/>
+                <a16:creationId xmlns:a16="http://schemas.microsoft.com/office/drawing/2014/main" id="{1E4DADB1-9473-823C-366F-860D53BE1D64}"/>
               </a:ext>
             </a:extLst>
           </p:cNvPr>
@@ -11848,7 +11902,7 @@
           <p:cNvPr id="3" name="Content Placeholder 2">
             <a:extLst>
               <a:ext uri="{FF2B5EF4-FFF2-40B4-BE49-F238E27FC236}">
-                <a16:creationId xmlns="" xmlns:a16="http://schemas.microsoft.com/office/drawing/2014/main" id="{8214A746-69E6-6923-5362-4FEF635E05C8}"/>
+                <a16:creationId xmlns:a16="http://schemas.microsoft.com/office/drawing/2014/main" id="{8214A746-69E6-6923-5362-4FEF635E05C8}"/>
               </a:ext>
             </a:extLst>
           </p:cNvPr>
@@ -12198,7 +12252,7 @@
           <p:cNvPr id="7" name="TextBox 6">
             <a:extLst>
               <a:ext uri="{FF2B5EF4-FFF2-40B4-BE49-F238E27FC236}">
-                <a16:creationId xmlns="" xmlns:a16="http://schemas.microsoft.com/office/drawing/2014/main" id="{D88F0BA7-7B30-0EEE-A379-03D27CD5CBB1}"/>
+                <a16:creationId xmlns:a16="http://schemas.microsoft.com/office/drawing/2014/main" id="{D88F0BA7-7B30-0EEE-A379-03D27CD5CBB1}"/>
               </a:ext>
             </a:extLst>
           </p:cNvPr>
@@ -12289,7 +12343,7 @@
           <p:cNvPr id="8" name="TextBox 7">
             <a:extLst>
               <a:ext uri="{FF2B5EF4-FFF2-40B4-BE49-F238E27FC236}">
-                <a16:creationId xmlns="" xmlns:a16="http://schemas.microsoft.com/office/drawing/2014/main" id="{D88F0BA7-7B30-0EEE-A379-03D27CD5CBB1}"/>
+                <a16:creationId xmlns:a16="http://schemas.microsoft.com/office/drawing/2014/main" id="{D88F0BA7-7B30-0EEE-A379-03D27CD5CBB1}"/>
               </a:ext>
             </a:extLst>
           </p:cNvPr>
@@ -12368,7 +12422,7 @@
           <p:cNvPr id="11" name="Picture 10">
             <a:extLst>
               <a:ext uri="{FF2B5EF4-FFF2-40B4-BE49-F238E27FC236}">
-                <a16:creationId xmlns="" xmlns:a16="http://schemas.microsoft.com/office/drawing/2014/main" id="{9F7E2828-65A4-1269-68E8-74240671ADB8}"/>
+                <a16:creationId xmlns:a16="http://schemas.microsoft.com/office/drawing/2014/main" id="{9F7E2828-65A4-1269-68E8-74240671ADB8}"/>
               </a:ext>
             </a:extLst>
           </p:cNvPr>
@@ -12411,7 +12465,7 @@
           <p:cNvPr id="13" name="Title 1">
             <a:extLst>
               <a:ext uri="{FF2B5EF4-FFF2-40B4-BE49-F238E27FC236}">
-                <a16:creationId xmlns="" xmlns:a16="http://schemas.microsoft.com/office/drawing/2014/main" id="{D4435A3B-E115-996E-B259-7F3C49373A60}"/>
+                <a16:creationId xmlns:a16="http://schemas.microsoft.com/office/drawing/2014/main" id="{D4435A3B-E115-996E-B259-7F3C49373A60}"/>
               </a:ext>
             </a:extLst>
           </p:cNvPr>
@@ -12527,7 +12581,7 @@
           <p:cNvPr id="3" name="TextBox 2">
             <a:extLst>
               <a:ext uri="{FF2B5EF4-FFF2-40B4-BE49-F238E27FC236}">
-                <a16:creationId xmlns="" xmlns:a16="http://schemas.microsoft.com/office/drawing/2014/main" id="{08349145-7051-29A8-0A75-214BB2D3E2B4}"/>
+                <a16:creationId xmlns:a16="http://schemas.microsoft.com/office/drawing/2014/main" id="{08349145-7051-29A8-0A75-214BB2D3E2B4}"/>
               </a:ext>
             </a:extLst>
           </p:cNvPr>
@@ -12569,7 +12623,7 @@
           <p:cNvPr id="4" name="TextBox 3">
             <a:extLst>
               <a:ext uri="{FF2B5EF4-FFF2-40B4-BE49-F238E27FC236}">
-                <a16:creationId xmlns="" xmlns:a16="http://schemas.microsoft.com/office/drawing/2014/main" id="{E4422D6A-A063-B376-C637-4548A5062AA4}"/>
+                <a16:creationId xmlns:a16="http://schemas.microsoft.com/office/drawing/2014/main" id="{E4422D6A-A063-B376-C637-4548A5062AA4}"/>
               </a:ext>
             </a:extLst>
           </p:cNvPr>
@@ -12648,7 +12702,7 @@
           <p:cNvPr id="2" name="Title 1">
             <a:extLst>
               <a:ext uri="{FF2B5EF4-FFF2-40B4-BE49-F238E27FC236}">
-                <a16:creationId xmlns="" xmlns:a16="http://schemas.microsoft.com/office/drawing/2014/main" id="{1CCFE0DD-504B-9956-73D2-AE8E22F42BBA}"/>
+                <a16:creationId xmlns:a16="http://schemas.microsoft.com/office/drawing/2014/main" id="{1CCFE0DD-504B-9956-73D2-AE8E22F42BBA}"/>
               </a:ext>
             </a:extLst>
           </p:cNvPr>
@@ -12689,7 +12743,7 @@
           <p:cNvPr id="3" name="Subtitle 2">
             <a:extLst>
               <a:ext uri="{FF2B5EF4-FFF2-40B4-BE49-F238E27FC236}">
-                <a16:creationId xmlns="" xmlns:a16="http://schemas.microsoft.com/office/drawing/2014/main" id="{B7B0CC6B-EACB-C870-0DE4-529B7E18CFBB}"/>
+                <a16:creationId xmlns:a16="http://schemas.microsoft.com/office/drawing/2014/main" id="{B7B0CC6B-EACB-C870-0DE4-529B7E18CFBB}"/>
               </a:ext>
             </a:extLst>
           </p:cNvPr>
@@ -12770,7 +12824,7 @@
           <p:cNvPr id="2" name="Table 1">
             <a:extLst>
               <a:ext uri="{FF2B5EF4-FFF2-40B4-BE49-F238E27FC236}">
-                <a16:creationId xmlns="" xmlns:a16="http://schemas.microsoft.com/office/drawing/2014/main" id="{67853703-313B-CC92-C869-2563E123A89B}"/>
+                <a16:creationId xmlns:a16="http://schemas.microsoft.com/office/drawing/2014/main" id="{67853703-313B-CC92-C869-2563E123A89B}"/>
               </a:ext>
             </a:extLst>
           </p:cNvPr>
@@ -12799,21 +12853,21 @@
                 <a:gridCol w="3999345">
                   <a:extLst>
                     <a:ext uri="{9D8B030D-6E8A-4147-A177-3AD203B41FA5}">
-                      <a16:colId xmlns="" xmlns:a16="http://schemas.microsoft.com/office/drawing/2014/main" val="1478528284"/>
+                      <a16:colId xmlns:a16="http://schemas.microsoft.com/office/drawing/2014/main" val="1478528284"/>
                     </a:ext>
                   </a:extLst>
                 </a:gridCol>
                 <a:gridCol w="3868262">
                   <a:extLst>
                     <a:ext uri="{9D8B030D-6E8A-4147-A177-3AD203B41FA5}">
-                      <a16:colId xmlns="" xmlns:a16="http://schemas.microsoft.com/office/drawing/2014/main" val="3423982594"/>
+                      <a16:colId xmlns:a16="http://schemas.microsoft.com/office/drawing/2014/main" val="3423982594"/>
                     </a:ext>
                   </a:extLst>
                 </a:gridCol>
                 <a:gridCol w="4130428">
                   <a:extLst>
                     <a:ext uri="{9D8B030D-6E8A-4147-A177-3AD203B41FA5}">
-                      <a16:colId xmlns="" xmlns:a16="http://schemas.microsoft.com/office/drawing/2014/main" val="2262541887"/>
+                      <a16:colId xmlns:a16="http://schemas.microsoft.com/office/drawing/2014/main" val="2262541887"/>
                     </a:ext>
                   </a:extLst>
                 </a:gridCol>
@@ -13524,7 +13578,7 @@
                 </a:tc>
                 <a:extLst>
                   <a:ext uri="{0D108BD9-81ED-4DB2-BD59-A6C34878D82A}">
-                    <a16:rowId xmlns="" xmlns:a16="http://schemas.microsoft.com/office/drawing/2014/main" val="607781800"/>
+                    <a16:rowId xmlns:a16="http://schemas.microsoft.com/office/drawing/2014/main" val="607781800"/>
                   </a:ext>
                 </a:extLst>
               </a:tr>
@@ -13537,7 +13591,7 @@
           <p:cNvPr id="7" name="Title 1">
             <a:extLst>
               <a:ext uri="{FF2B5EF4-FFF2-40B4-BE49-F238E27FC236}">
-                <a16:creationId xmlns="" xmlns:a16="http://schemas.microsoft.com/office/drawing/2014/main" id="{885ABC7C-0460-3360-615A-EDDF492749A6}"/>
+                <a16:creationId xmlns:a16="http://schemas.microsoft.com/office/drawing/2014/main" id="{885ABC7C-0460-3360-615A-EDDF492749A6}"/>
               </a:ext>
             </a:extLst>
           </p:cNvPr>
@@ -13602,7 +13656,7 @@
           <p:cNvPr id="8" name="Title 1">
             <a:extLst>
               <a:ext uri="{FF2B5EF4-FFF2-40B4-BE49-F238E27FC236}">
-                <a16:creationId xmlns="" xmlns:a16="http://schemas.microsoft.com/office/drawing/2014/main" id="{1F6DABF6-CE26-807D-DBD9-B8DFC146D632}"/>
+                <a16:creationId xmlns:a16="http://schemas.microsoft.com/office/drawing/2014/main" id="{1F6DABF6-CE26-807D-DBD9-B8DFC146D632}"/>
               </a:ext>
             </a:extLst>
           </p:cNvPr>
@@ -13667,7 +13721,7 @@
           <p:cNvPr id="9" name="Title 1">
             <a:extLst>
               <a:ext uri="{FF2B5EF4-FFF2-40B4-BE49-F238E27FC236}">
-                <a16:creationId xmlns="" xmlns:a16="http://schemas.microsoft.com/office/drawing/2014/main" id="{FD346D38-EDFD-9CB1-EA45-355625792E4B}"/>
+                <a16:creationId xmlns:a16="http://schemas.microsoft.com/office/drawing/2014/main" id="{FD346D38-EDFD-9CB1-EA45-355625792E4B}"/>
               </a:ext>
             </a:extLst>
           </p:cNvPr>
@@ -13732,7 +13786,7 @@
           <p:cNvPr id="10" name="Title 1">
             <a:extLst>
               <a:ext uri="{FF2B5EF4-FFF2-40B4-BE49-F238E27FC236}">
-                <a16:creationId xmlns="" xmlns:a16="http://schemas.microsoft.com/office/drawing/2014/main" id="{524BD7F0-A9B5-6B61-A6C8-14E617AC3BB0}"/>
+                <a16:creationId xmlns:a16="http://schemas.microsoft.com/office/drawing/2014/main" id="{524BD7F0-A9B5-6B61-A6C8-14E617AC3BB0}"/>
               </a:ext>
             </a:extLst>
           </p:cNvPr>
@@ -13797,7 +13851,7 @@
           <p:cNvPr id="11" name="Title 1">
             <a:extLst>
               <a:ext uri="{FF2B5EF4-FFF2-40B4-BE49-F238E27FC236}">
-                <a16:creationId xmlns="" xmlns:a16="http://schemas.microsoft.com/office/drawing/2014/main" id="{7AFE8C67-E924-BF79-CE89-7A559CC8D4B9}"/>
+                <a16:creationId xmlns:a16="http://schemas.microsoft.com/office/drawing/2014/main" id="{7AFE8C67-E924-BF79-CE89-7A559CC8D4B9}"/>
               </a:ext>
             </a:extLst>
           </p:cNvPr>
@@ -13913,7 +13967,7 @@
           <p:cNvPr id="12" name="Picture 11">
             <a:extLst>
               <a:ext uri="{FF2B5EF4-FFF2-40B4-BE49-F238E27FC236}">
-                <a16:creationId xmlns="" xmlns:a16="http://schemas.microsoft.com/office/drawing/2014/main" id="{3AF672EF-53CB-C070-C03F-D449C0994BD8}"/>
+                <a16:creationId xmlns:a16="http://schemas.microsoft.com/office/drawing/2014/main" id="{3AF672EF-53CB-C070-C03F-D449C0994BD8}"/>
               </a:ext>
             </a:extLst>
           </p:cNvPr>
@@ -13956,7 +14010,7 @@
           <p:cNvPr id="13" name="Picture 12">
             <a:extLst>
               <a:ext uri="{FF2B5EF4-FFF2-40B4-BE49-F238E27FC236}">
-                <a16:creationId xmlns="" xmlns:a16="http://schemas.microsoft.com/office/drawing/2014/main" id="{01DBA5A6-55E0-D975-B0DB-BDE26839F70A}"/>
+                <a16:creationId xmlns:a16="http://schemas.microsoft.com/office/drawing/2014/main" id="{01DBA5A6-55E0-D975-B0DB-BDE26839F70A}"/>
               </a:ext>
             </a:extLst>
           </p:cNvPr>
@@ -13999,7 +14053,7 @@
           <p:cNvPr id="14" name="Picture 13">
             <a:extLst>
               <a:ext uri="{FF2B5EF4-FFF2-40B4-BE49-F238E27FC236}">
-                <a16:creationId xmlns="" xmlns:a16="http://schemas.microsoft.com/office/drawing/2014/main" id="{7E0B2E39-6C08-6CA2-2E7E-09EE4F62A3CF}"/>
+                <a16:creationId xmlns:a16="http://schemas.microsoft.com/office/drawing/2014/main" id="{7E0B2E39-6C08-6CA2-2E7E-09EE4F62A3CF}"/>
               </a:ext>
             </a:extLst>
           </p:cNvPr>
@@ -14042,7 +14096,7 @@
           <p:cNvPr id="15" name="Picture 14">
             <a:extLst>
               <a:ext uri="{FF2B5EF4-FFF2-40B4-BE49-F238E27FC236}">
-                <a16:creationId xmlns="" xmlns:a16="http://schemas.microsoft.com/office/drawing/2014/main" id="{49C4E92D-7AE8-4B45-694B-4B88D87A174F}"/>
+                <a16:creationId xmlns:a16="http://schemas.microsoft.com/office/drawing/2014/main" id="{49C4E92D-7AE8-4B45-694B-4B88D87A174F}"/>
               </a:ext>
             </a:extLst>
           </p:cNvPr>
@@ -14122,7 +14176,7 @@
           <p:cNvPr id="7" name="TextBox 6">
             <a:extLst>
               <a:ext uri="{FF2B5EF4-FFF2-40B4-BE49-F238E27FC236}">
-                <a16:creationId xmlns="" xmlns:a16="http://schemas.microsoft.com/office/drawing/2014/main" id="{D88F0BA7-7B30-0EEE-A379-03D27CD5CBB1}"/>
+                <a16:creationId xmlns:a16="http://schemas.microsoft.com/office/drawing/2014/main" id="{D88F0BA7-7B30-0EEE-A379-03D27CD5CBB1}"/>
               </a:ext>
             </a:extLst>
           </p:cNvPr>
@@ -14213,7 +14267,7 @@
           <p:cNvPr id="8" name="TextBox 7">
             <a:extLst>
               <a:ext uri="{FF2B5EF4-FFF2-40B4-BE49-F238E27FC236}">
-                <a16:creationId xmlns="" xmlns:a16="http://schemas.microsoft.com/office/drawing/2014/main" id="{D88F0BA7-7B30-0EEE-A379-03D27CD5CBB1}"/>
+                <a16:creationId xmlns:a16="http://schemas.microsoft.com/office/drawing/2014/main" id="{D88F0BA7-7B30-0EEE-A379-03D27CD5CBB1}"/>
               </a:ext>
             </a:extLst>
           </p:cNvPr>
@@ -14255,7 +14309,7 @@
           <p:cNvPr id="4" name="Picture 3">
             <a:extLst>
               <a:ext uri="{FF2B5EF4-FFF2-40B4-BE49-F238E27FC236}">
-                <a16:creationId xmlns="" xmlns:a16="http://schemas.microsoft.com/office/drawing/2014/main" id="{4BD003B3-49C1-25F3-4583-7EE521FB2B45}"/>
+                <a16:creationId xmlns:a16="http://schemas.microsoft.com/office/drawing/2014/main" id="{4BD003B3-49C1-25F3-4583-7EE521FB2B45}"/>
               </a:ext>
             </a:extLst>
           </p:cNvPr>
@@ -14298,7 +14352,7 @@
           <p:cNvPr id="10" name="Picture 9">
             <a:extLst>
               <a:ext uri="{FF2B5EF4-FFF2-40B4-BE49-F238E27FC236}">
-                <a16:creationId xmlns="" xmlns:a16="http://schemas.microsoft.com/office/drawing/2014/main" id="{39E48BF7-818F-0A58-475A-352BDC15D327}"/>
+                <a16:creationId xmlns:a16="http://schemas.microsoft.com/office/drawing/2014/main" id="{39E48BF7-818F-0A58-475A-352BDC15D327}"/>
               </a:ext>
             </a:extLst>
           </p:cNvPr>
@@ -14341,7 +14395,7 @@
           <p:cNvPr id="11" name="Title 1">
             <a:extLst>
               <a:ext uri="{FF2B5EF4-FFF2-40B4-BE49-F238E27FC236}">
-                <a16:creationId xmlns="" xmlns:a16="http://schemas.microsoft.com/office/drawing/2014/main" id="{7EE8AF80-0205-AAA2-9FFC-BDF1D503333F}"/>
+                <a16:creationId xmlns:a16="http://schemas.microsoft.com/office/drawing/2014/main" id="{7EE8AF80-0205-AAA2-9FFC-BDF1D503333F}"/>
               </a:ext>
             </a:extLst>
           </p:cNvPr>
@@ -14457,7 +14511,7 @@
           <p:cNvPr id="2" name="TextBox 1">
             <a:extLst>
               <a:ext uri="{FF2B5EF4-FFF2-40B4-BE49-F238E27FC236}">
-                <a16:creationId xmlns="" xmlns:a16="http://schemas.microsoft.com/office/drawing/2014/main" id="{188752EE-273A-1572-9D42-52C676EE19E9}"/>
+                <a16:creationId xmlns:a16="http://schemas.microsoft.com/office/drawing/2014/main" id="{188752EE-273A-1572-9D42-52C676EE19E9}"/>
               </a:ext>
             </a:extLst>
           </p:cNvPr>
@@ -14499,7 +14553,7 @@
           <p:cNvPr id="3" name="TextBox 2">
             <a:extLst>
               <a:ext uri="{FF2B5EF4-FFF2-40B4-BE49-F238E27FC236}">
-                <a16:creationId xmlns="" xmlns:a16="http://schemas.microsoft.com/office/drawing/2014/main" id="{DA863497-F97C-4557-3F93-B3F9892C96C0}"/>
+                <a16:creationId xmlns:a16="http://schemas.microsoft.com/office/drawing/2014/main" id="{DA863497-F97C-4557-3F93-B3F9892C96C0}"/>
               </a:ext>
             </a:extLst>
           </p:cNvPr>
@@ -14578,7 +14632,7 @@
           <p:cNvPr id="2" name="Title 1">
             <a:extLst>
               <a:ext uri="{FF2B5EF4-FFF2-40B4-BE49-F238E27FC236}">
-                <a16:creationId xmlns="" xmlns:a16="http://schemas.microsoft.com/office/drawing/2014/main" id="{C6B1C7A4-D918-EF61-FF3D-D4994F68D94F}"/>
+                <a16:creationId xmlns:a16="http://schemas.microsoft.com/office/drawing/2014/main" id="{C6B1C7A4-D918-EF61-FF3D-D4994F68D94F}"/>
               </a:ext>
             </a:extLst>
           </p:cNvPr>
@@ -14619,7 +14673,7 @@
           <p:cNvPr id="3" name="Subtitle 2">
             <a:extLst>
               <a:ext uri="{FF2B5EF4-FFF2-40B4-BE49-F238E27FC236}">
-                <a16:creationId xmlns="" xmlns:a16="http://schemas.microsoft.com/office/drawing/2014/main" id="{9A3D0BCF-92E4-62CD-4316-DD61915980BD}"/>
+                <a16:creationId xmlns:a16="http://schemas.microsoft.com/office/drawing/2014/main" id="{9A3D0BCF-92E4-62CD-4316-DD61915980BD}"/>
               </a:ext>
             </a:extLst>
           </p:cNvPr>
@@ -14697,7 +14751,7 @@
           <p:cNvPr id="2" name="Table 1">
             <a:extLst>
               <a:ext uri="{FF2B5EF4-FFF2-40B4-BE49-F238E27FC236}">
-                <a16:creationId xmlns="" xmlns:a16="http://schemas.microsoft.com/office/drawing/2014/main" id="{C82D2A65-4C58-2152-4EE6-67431DEBD2DB}"/>
+                <a16:creationId xmlns:a16="http://schemas.microsoft.com/office/drawing/2014/main" id="{C82D2A65-4C58-2152-4EE6-67431DEBD2DB}"/>
               </a:ext>
             </a:extLst>
           </p:cNvPr>
@@ -14726,21 +14780,21 @@
                 <a:gridCol w="3999345">
                   <a:extLst>
                     <a:ext uri="{9D8B030D-6E8A-4147-A177-3AD203B41FA5}">
-                      <a16:colId xmlns="" xmlns:a16="http://schemas.microsoft.com/office/drawing/2014/main" val="1478528284"/>
+                      <a16:colId xmlns:a16="http://schemas.microsoft.com/office/drawing/2014/main" val="1478528284"/>
                     </a:ext>
                   </a:extLst>
                 </a:gridCol>
                 <a:gridCol w="3868262">
                   <a:extLst>
                     <a:ext uri="{9D8B030D-6E8A-4147-A177-3AD203B41FA5}">
-                      <a16:colId xmlns="" xmlns:a16="http://schemas.microsoft.com/office/drawing/2014/main" val="3423982594"/>
+                      <a16:colId xmlns:a16="http://schemas.microsoft.com/office/drawing/2014/main" val="3423982594"/>
                     </a:ext>
                   </a:extLst>
                 </a:gridCol>
                 <a:gridCol w="4130428">
                   <a:extLst>
                     <a:ext uri="{9D8B030D-6E8A-4147-A177-3AD203B41FA5}">
-                      <a16:colId xmlns="" xmlns:a16="http://schemas.microsoft.com/office/drawing/2014/main" val="2262541887"/>
+                      <a16:colId xmlns:a16="http://schemas.microsoft.com/office/drawing/2014/main" val="2262541887"/>
                     </a:ext>
                   </a:extLst>
                 </a:gridCol>
@@ -15489,7 +15543,7 @@
                 </a:tc>
                 <a:extLst>
                   <a:ext uri="{0D108BD9-81ED-4DB2-BD59-A6C34878D82A}">
-                    <a16:rowId xmlns="" xmlns:a16="http://schemas.microsoft.com/office/drawing/2014/main" val="607781800"/>
+                    <a16:rowId xmlns:a16="http://schemas.microsoft.com/office/drawing/2014/main" val="607781800"/>
                   </a:ext>
                 </a:extLst>
               </a:tr>
@@ -15502,7 +15556,7 @@
           <p:cNvPr id="3" name="Title 1">
             <a:extLst>
               <a:ext uri="{FF2B5EF4-FFF2-40B4-BE49-F238E27FC236}">
-                <a16:creationId xmlns="" xmlns:a16="http://schemas.microsoft.com/office/drawing/2014/main" id="{3CF22254-C33E-75BE-6DAB-C7A74554D89A}"/>
+                <a16:creationId xmlns:a16="http://schemas.microsoft.com/office/drawing/2014/main" id="{3CF22254-C33E-75BE-6DAB-C7A74554D89A}"/>
               </a:ext>
             </a:extLst>
           </p:cNvPr>
@@ -15567,7 +15621,7 @@
           <p:cNvPr id="4" name="Title 1">
             <a:extLst>
               <a:ext uri="{FF2B5EF4-FFF2-40B4-BE49-F238E27FC236}">
-                <a16:creationId xmlns="" xmlns:a16="http://schemas.microsoft.com/office/drawing/2014/main" id="{3BE4F8B3-A64A-0D95-EF2A-00A5CE14F6C4}"/>
+                <a16:creationId xmlns:a16="http://schemas.microsoft.com/office/drawing/2014/main" id="{3BE4F8B3-A64A-0D95-EF2A-00A5CE14F6C4}"/>
               </a:ext>
             </a:extLst>
           </p:cNvPr>
@@ -15632,7 +15686,7 @@
           <p:cNvPr id="5" name="Title 1">
             <a:extLst>
               <a:ext uri="{FF2B5EF4-FFF2-40B4-BE49-F238E27FC236}">
-                <a16:creationId xmlns="" xmlns:a16="http://schemas.microsoft.com/office/drawing/2014/main" id="{DC67CE63-7811-1A27-DD38-084A856BD037}"/>
+                <a16:creationId xmlns:a16="http://schemas.microsoft.com/office/drawing/2014/main" id="{DC67CE63-7811-1A27-DD38-084A856BD037}"/>
               </a:ext>
             </a:extLst>
           </p:cNvPr>
@@ -15697,7 +15751,7 @@
           <p:cNvPr id="6" name="Title 1">
             <a:extLst>
               <a:ext uri="{FF2B5EF4-FFF2-40B4-BE49-F238E27FC236}">
-                <a16:creationId xmlns="" xmlns:a16="http://schemas.microsoft.com/office/drawing/2014/main" id="{F57027B8-9D68-62DA-CE72-60CFA0C1E3FB}"/>
+                <a16:creationId xmlns:a16="http://schemas.microsoft.com/office/drawing/2014/main" id="{F57027B8-9D68-62DA-CE72-60CFA0C1E3FB}"/>
               </a:ext>
             </a:extLst>
           </p:cNvPr>
@@ -15762,7 +15816,7 @@
           <p:cNvPr id="7" name="Title 1">
             <a:extLst>
               <a:ext uri="{FF2B5EF4-FFF2-40B4-BE49-F238E27FC236}">
-                <a16:creationId xmlns="" xmlns:a16="http://schemas.microsoft.com/office/drawing/2014/main" id="{7B33BDFA-5E4D-2697-5F17-7C3BD2B6D1CD}"/>
+                <a16:creationId xmlns:a16="http://schemas.microsoft.com/office/drawing/2014/main" id="{7B33BDFA-5E4D-2697-5F17-7C3BD2B6D1CD}"/>
               </a:ext>
             </a:extLst>
           </p:cNvPr>
@@ -15878,7 +15932,7 @@
           <p:cNvPr id="12" name="Picture 11">
             <a:extLst>
               <a:ext uri="{FF2B5EF4-FFF2-40B4-BE49-F238E27FC236}">
-                <a16:creationId xmlns="" xmlns:a16="http://schemas.microsoft.com/office/drawing/2014/main" id="{8559FBEC-0676-B3CC-053B-03FEAF378733}"/>
+                <a16:creationId xmlns:a16="http://schemas.microsoft.com/office/drawing/2014/main" id="{8559FBEC-0676-B3CC-053B-03FEAF378733}"/>
               </a:ext>
             </a:extLst>
           </p:cNvPr>
@@ -15921,7 +15975,7 @@
           <p:cNvPr id="13" name="Picture 12">
             <a:extLst>
               <a:ext uri="{FF2B5EF4-FFF2-40B4-BE49-F238E27FC236}">
-                <a16:creationId xmlns="" xmlns:a16="http://schemas.microsoft.com/office/drawing/2014/main" id="{BCC1C694-6D8A-D8A4-66F9-AE0F8B66A033}"/>
+                <a16:creationId xmlns:a16="http://schemas.microsoft.com/office/drawing/2014/main" id="{BCC1C694-6D8A-D8A4-66F9-AE0F8B66A033}"/>
               </a:ext>
             </a:extLst>
           </p:cNvPr>
@@ -15964,7 +16018,7 @@
           <p:cNvPr id="14" name="Picture 13">
             <a:extLst>
               <a:ext uri="{FF2B5EF4-FFF2-40B4-BE49-F238E27FC236}">
-                <a16:creationId xmlns="" xmlns:a16="http://schemas.microsoft.com/office/drawing/2014/main" id="{E26E6D49-634F-1DFB-3ACB-D00C7EA422B4}"/>
+                <a16:creationId xmlns:a16="http://schemas.microsoft.com/office/drawing/2014/main" id="{E26E6D49-634F-1DFB-3ACB-D00C7EA422B4}"/>
               </a:ext>
             </a:extLst>
           </p:cNvPr>
@@ -16007,7 +16061,7 @@
           <p:cNvPr id="15" name="Picture 14">
             <a:extLst>
               <a:ext uri="{FF2B5EF4-FFF2-40B4-BE49-F238E27FC236}">
-                <a16:creationId xmlns="" xmlns:a16="http://schemas.microsoft.com/office/drawing/2014/main" id="{9D669D71-8A19-AA93-E55E-D29EF9E139B6}"/>
+                <a16:creationId xmlns:a16="http://schemas.microsoft.com/office/drawing/2014/main" id="{9D669D71-8A19-AA93-E55E-D29EF9E139B6}"/>
               </a:ext>
             </a:extLst>
           </p:cNvPr>
@@ -16087,7 +16141,7 @@
           <p:cNvPr id="7" name="TextBox 6">
             <a:extLst>
               <a:ext uri="{FF2B5EF4-FFF2-40B4-BE49-F238E27FC236}">
-                <a16:creationId xmlns="" xmlns:a16="http://schemas.microsoft.com/office/drawing/2014/main" id="{D88F0BA7-7B30-0EEE-A379-03D27CD5CBB1}"/>
+                <a16:creationId xmlns:a16="http://schemas.microsoft.com/office/drawing/2014/main" id="{D88F0BA7-7B30-0EEE-A379-03D27CD5CBB1}"/>
               </a:ext>
             </a:extLst>
           </p:cNvPr>
@@ -16178,7 +16232,7 @@
           <p:cNvPr id="8" name="TextBox 7">
             <a:extLst>
               <a:ext uri="{FF2B5EF4-FFF2-40B4-BE49-F238E27FC236}">
-                <a16:creationId xmlns="" xmlns:a16="http://schemas.microsoft.com/office/drawing/2014/main" id="{D88F0BA7-7B30-0EEE-A379-03D27CD5CBB1}"/>
+                <a16:creationId xmlns:a16="http://schemas.microsoft.com/office/drawing/2014/main" id="{D88F0BA7-7B30-0EEE-A379-03D27CD5CBB1}"/>
               </a:ext>
             </a:extLst>
           </p:cNvPr>
@@ -16220,7 +16274,7 @@
           <p:cNvPr id="3" name="Title 1">
             <a:extLst>
               <a:ext uri="{FF2B5EF4-FFF2-40B4-BE49-F238E27FC236}">
-                <a16:creationId xmlns="" xmlns:a16="http://schemas.microsoft.com/office/drawing/2014/main" id="{75D35DB2-5C55-AFBA-B3A9-8143D33A6CEF}"/>
+                <a16:creationId xmlns:a16="http://schemas.microsoft.com/office/drawing/2014/main" id="{75D35DB2-5C55-AFBA-B3A9-8143D33A6CEF}"/>
               </a:ext>
             </a:extLst>
           </p:cNvPr>
@@ -16336,7 +16390,7 @@
           <p:cNvPr id="9" name="Picture 8">
             <a:extLst>
               <a:ext uri="{FF2B5EF4-FFF2-40B4-BE49-F238E27FC236}">
-                <a16:creationId xmlns="" xmlns:a16="http://schemas.microsoft.com/office/drawing/2014/main" id="{DA8B2240-8F39-87D9-7DB2-3B884A3FBD4C}"/>
+                <a16:creationId xmlns:a16="http://schemas.microsoft.com/office/drawing/2014/main" id="{DA8B2240-8F39-87D9-7DB2-3B884A3FBD4C}"/>
               </a:ext>
             </a:extLst>
           </p:cNvPr>
@@ -16379,7 +16433,7 @@
           <p:cNvPr id="11" name="Picture 10">
             <a:extLst>
               <a:ext uri="{FF2B5EF4-FFF2-40B4-BE49-F238E27FC236}">
-                <a16:creationId xmlns="" xmlns:a16="http://schemas.microsoft.com/office/drawing/2014/main" id="{6BF6B19B-0A6B-BD96-42AC-7097B9DB8B47}"/>
+                <a16:creationId xmlns:a16="http://schemas.microsoft.com/office/drawing/2014/main" id="{6BF6B19B-0A6B-BD96-42AC-7097B9DB8B47}"/>
               </a:ext>
             </a:extLst>
           </p:cNvPr>
@@ -16422,7 +16476,7 @@
           <p:cNvPr id="2" name="TextBox 1">
             <a:extLst>
               <a:ext uri="{FF2B5EF4-FFF2-40B4-BE49-F238E27FC236}">
-                <a16:creationId xmlns="" xmlns:a16="http://schemas.microsoft.com/office/drawing/2014/main" id="{E03CE875-3088-E4A9-3F08-1F1FFF7F4A91}"/>
+                <a16:creationId xmlns:a16="http://schemas.microsoft.com/office/drawing/2014/main" id="{E03CE875-3088-E4A9-3F08-1F1FFF7F4A91}"/>
               </a:ext>
             </a:extLst>
           </p:cNvPr>
@@ -16464,7 +16518,7 @@
           <p:cNvPr id="4" name="TextBox 3">
             <a:extLst>
               <a:ext uri="{FF2B5EF4-FFF2-40B4-BE49-F238E27FC236}">
-                <a16:creationId xmlns="" xmlns:a16="http://schemas.microsoft.com/office/drawing/2014/main" id="{8F095557-0EBC-9E0B-3206-7D0FB13E13A6}"/>
+                <a16:creationId xmlns:a16="http://schemas.microsoft.com/office/drawing/2014/main" id="{8F095557-0EBC-9E0B-3206-7D0FB13E13A6}"/>
               </a:ext>
             </a:extLst>
           </p:cNvPr>
@@ -16609,7 +16663,7 @@
           <p:cNvPr id="30" name="Title 1">
             <a:extLst>
               <a:ext uri="{FF2B5EF4-FFF2-40B4-BE49-F238E27FC236}">
-                <a16:creationId xmlns="" xmlns:a16="http://schemas.microsoft.com/office/drawing/2014/main" id="{5725ABAE-40D3-A701-D415-2824ABB55D84}"/>
+                <a16:creationId xmlns:a16="http://schemas.microsoft.com/office/drawing/2014/main" id="{5725ABAE-40D3-A701-D415-2824ABB55D84}"/>
               </a:ext>
             </a:extLst>
           </p:cNvPr>
@@ -16836,8 +16890,8 @@
         </p:nvSpPr>
         <p:spPr>
           <a:xfrm>
-            <a:off x="785090" y="1246909"/>
-            <a:ext cx="11305310" cy="5611091"/>
+            <a:off x="439615" y="1246909"/>
+            <a:ext cx="11650785" cy="5320945"/>
           </a:xfrm>
           <a:prstGeom prst="rect">
             <a:avLst/>
@@ -16845,7 +16899,7 @@
         </p:spPr>
         <p:txBody>
           <a:bodyPr>
-            <a:normAutofit lnSpcReduction="10000"/>
+            <a:normAutofit/>
           </a:bodyPr>
           <a:lstStyle>
             <a:lvl1pPr marL="342900" indent="-342900" algn="l" defTabSz="457200" rtl="0" eaLnBrk="1" latinLnBrk="0" hangingPunct="1">
@@ -17066,7 +17120,7 @@
             </a:lvl9pPr>
           </a:lstStyle>
           <a:p>
-            <a:pPr marR="0" lvl="0" fontAlgn="base">
+            <a:pPr marR="0" lvl="0" algn="just" fontAlgn="base">
               <a:lnSpc>
                 <a:spcPct val="90000"/>
               </a:lnSpc>
@@ -17115,7 +17169,7 @@
             </a:r>
           </a:p>
           <a:p>
-            <a:pPr marR="0" lvl="0" fontAlgn="base">
+            <a:pPr marR="0" lvl="0" algn="just" fontAlgn="base">
               <a:lnSpc>
                 <a:spcPct val="90000"/>
               </a:lnSpc>
@@ -17144,7 +17198,7 @@
             </a:r>
           </a:p>
           <a:p>
-            <a:pPr marR="0" lvl="0" fontAlgn="base">
+            <a:pPr marR="0" lvl="0" algn="just" fontAlgn="base">
               <a:lnSpc>
                 <a:spcPct val="90000"/>
               </a:lnSpc>
@@ -17173,7 +17227,7 @@
             </a:r>
           </a:p>
           <a:p>
-            <a:pPr marR="0" lvl="0" fontAlgn="base">
+            <a:pPr marR="0" lvl="0" algn="just" fontAlgn="base">
               <a:lnSpc>
                 <a:spcPct val="90000"/>
               </a:lnSpc>
@@ -17198,41 +17252,31 @@
                   </a:schemeClr>
                 </a:solidFill>
               </a:rPr>
-              <a:t>Training image captioning models is compute-intensive, raising GPU costs. </a:t>
-            </a:r>
-            <a:r>
-              <a:rPr lang="en-US" altLang="en-US" dirty="0">
+              <a:t>Training image captioning models is compute-intensive, raising GPU costs. To mitigate this, image </a:t>
+            </a:r>
+            <a:r>
+              <a:rPr lang="en-US" altLang="en-US" dirty="0" smtClean="0">
                 <a:solidFill>
                   <a:schemeClr val="accent6">
                     <a:lumMod val="50000"/>
                   </a:schemeClr>
                 </a:solidFill>
               </a:rPr>
-              <a:t>To mitigate this, image </a:t>
-            </a:r>
-            <a:r>
-              <a:rPr lang="en-US" altLang="en-US" dirty="0" smtClean="0">
+              <a:t>embedding </a:t>
+            </a:r>
+            <a:r>
+              <a:rPr lang="en-US" altLang="en-US" dirty="0">
                 <a:solidFill>
                   <a:schemeClr val="accent6">
                     <a:lumMod val="50000"/>
                   </a:schemeClr>
                 </a:solidFill>
               </a:rPr>
-              <a:t>embedding </a:t>
-            </a:r>
-            <a:r>
-              <a:rPr lang="en-US" altLang="en-US" dirty="0">
-                <a:solidFill>
-                  <a:schemeClr val="accent6">
-                    <a:lumMod val="50000"/>
-                  </a:schemeClr>
-                </a:solidFill>
-              </a:rPr>
               <a:t>were pre-processed and stored in a pickle file for faster training and validation.</a:t>
             </a:r>
           </a:p>
           <a:p>
-            <a:pPr marR="0" lvl="0" fontAlgn="base">
+            <a:pPr marR="0" lvl="0" algn="just" fontAlgn="base">
               <a:lnSpc>
                 <a:spcPct val="90000"/>
               </a:lnSpc>
@@ -17240,43 +17284,51 @@
               <a:tabLst/>
             </a:pPr>
             <a:r>
-              <a:rPr lang="en-US" altLang="en-US" b="1" dirty="0">
+              <a:rPr lang="en-US" altLang="en-US" b="1" dirty="0" smtClean="0">
                 <a:solidFill>
                   <a:schemeClr val="accent6">
                     <a:lumMod val="50000"/>
                   </a:schemeClr>
                 </a:solidFill>
               </a:rPr>
-              <a:t>BLEU Score Limitation: </a:t>
-            </a:r>
-            <a:r>
-              <a:rPr lang="en-US" altLang="en-US" dirty="0">
+              <a:t>BLEU </a:t>
+            </a:r>
+            <a:r>
+              <a:rPr lang="en-US" altLang="en-US" b="1" dirty="0">
                 <a:solidFill>
                   <a:schemeClr val="accent6">
                     <a:lumMod val="50000"/>
                   </a:schemeClr>
                 </a:solidFill>
               </a:rPr>
+              <a:t>Score Observations : </a:t>
+            </a:r>
+            <a:r>
+              <a:rPr lang="en-US" altLang="en-US" dirty="0">
+                <a:solidFill>
+                  <a:schemeClr val="accent6">
+                    <a:lumMod val="50000"/>
+                  </a:schemeClr>
+                </a:solidFill>
+              </a:rPr>
               <a:t>BLEU-3 and BLEU-4 scores were lower due to exact word sequence mismatches in some captions, which led to zero scores. However, BERT scores were higher, indicating that many captions were still of high quality.</a:t>
             </a:r>
           </a:p>
           <a:p>
-            <a:pPr marR="0" lvl="0" fontAlgn="base">
+            <a:pPr lvl="1" algn="just" fontAlgn="base">
               <a:lnSpc>
                 <a:spcPct val="90000"/>
               </a:lnSpc>
-              <a:buSzTx/>
-              <a:tabLst/>
             </a:pPr>
             <a:r>
-              <a:rPr lang="en-US" altLang="en-US" b="1" dirty="0">
+              <a:rPr lang="en-US" altLang="en-US" dirty="0" smtClean="0">
                 <a:solidFill>
                   <a:schemeClr val="accent6">
                     <a:lumMod val="50000"/>
                   </a:schemeClr>
                 </a:solidFill>
               </a:rPr>
-              <a:t>BLEU4 Zero Score Observations: </a:t>
+              <a:t>Out </a:t>
             </a:r>
             <a:r>
               <a:rPr lang="en-US" altLang="en-US" dirty="0">
@@ -17286,26 +17338,24 @@
                   </a:schemeClr>
                 </a:solidFill>
               </a:rPr>
-              <a:t>Out of 1618 observations, 1121 had BLEU4 scores of zero, but the average similarity score was 0.73, with 720 observations achieving a similarity score above 0.70.</a:t>
-            </a:r>
-          </a:p>
-          <a:p>
-            <a:pPr marR="0" lvl="0" fontAlgn="base">
+              <a:t>of 1618 observations, 1121 had BLEU4 scores of zero, but the average similarity score was 0.73, with 720 observations achieving a similarity score above 0.70.</a:t>
+            </a:r>
+          </a:p>
+          <a:p>
+            <a:pPr lvl="1" algn="just" fontAlgn="base">
               <a:lnSpc>
                 <a:spcPct val="90000"/>
               </a:lnSpc>
-              <a:buSzTx/>
-              <a:tabLst/>
             </a:pPr>
             <a:r>
-              <a:rPr lang="en-US" altLang="en-US" b="1" dirty="0">
+              <a:rPr lang="en-US" altLang="en-US" dirty="0" smtClean="0">
                 <a:solidFill>
                   <a:schemeClr val="accent6">
                     <a:lumMod val="50000"/>
                   </a:schemeClr>
                 </a:solidFill>
               </a:rPr>
-              <a:t>Example of Mismatch: </a:t>
+              <a:t>An </a:t>
             </a:r>
             <a:r>
               <a:rPr lang="en-US" altLang="en-US" dirty="0">
@@ -17315,55 +17365,9 @@
                   </a:schemeClr>
                 </a:solidFill>
               </a:rPr>
-              <a:t>An example mismatch includes the predicted caption "a group of dogs are running in a field" and actual captions like "A man with four running dogs in nature" and others, reflecting context but not exact word matches. </a:t>
+              <a:t>example mismatch includes the predicted caption "a group of dogs are running in a field" and actual captions like "A man with four running dogs in nature" and others, reflecting context but not exact word matches. </a:t>
             </a:r>
             <a:endParaRPr lang="en-US" altLang="en-US" dirty="0" smtClean="0">
-              <a:solidFill>
-                <a:schemeClr val="accent6">
-                  <a:lumMod val="50000"/>
-                </a:schemeClr>
-              </a:solidFill>
-            </a:endParaRPr>
-          </a:p>
-          <a:p>
-            <a:pPr marR="0" lvl="0" fontAlgn="base">
-              <a:lnSpc>
-                <a:spcPct val="90000"/>
-              </a:lnSpc>
-              <a:buSzTx/>
-              <a:tabLst/>
-            </a:pPr>
-            <a:r>
-              <a:rPr lang="en-GB" altLang="en-US" b="1" dirty="0" smtClean="0">
-                <a:solidFill>
-                  <a:schemeClr val="accent6">
-                    <a:lumMod val="50000"/>
-                  </a:schemeClr>
-                </a:solidFill>
-              </a:rPr>
-              <a:t>Baselining:</a:t>
-            </a:r>
-            <a:r>
-              <a:rPr lang="en-GB" altLang="en-US" dirty="0" smtClean="0">
-                <a:solidFill>
-                  <a:schemeClr val="accent6">
-                    <a:lumMod val="50000"/>
-                  </a:schemeClr>
-                </a:solidFill>
-              </a:rPr>
-              <a:t> Based </a:t>
-            </a:r>
-            <a:r>
-              <a:rPr lang="en-GB" altLang="en-US" dirty="0">
-                <a:solidFill>
-                  <a:schemeClr val="accent6">
-                    <a:lumMod val="50000"/>
-                  </a:schemeClr>
-                </a:solidFill>
-              </a:rPr>
-              <a:t>on above results both 8K and 30K CLIP-LSTM with Attention network model performing better. This can be used for further improvements.</a:t>
-            </a:r>
-            <a:endParaRPr lang="en-US" altLang="en-US" dirty="0">
               <a:solidFill>
                 <a:schemeClr val="accent6">
                   <a:lumMod val="50000"/>
@@ -17412,10 +17416,879 @@
       </p:grpSpPr>
       <p:sp>
         <p:nvSpPr>
+          <p:cNvPr id="2" name="Title 1"/>
+          <p:cNvSpPr>
+            <a:spLocks noGrp="1"/>
+          </p:cNvSpPr>
+          <p:nvPr>
+            <p:ph type="title"/>
+          </p:nvPr>
+        </p:nvSpPr>
+        <p:spPr>
+          <a:xfrm>
+            <a:off x="192625" y="0"/>
+            <a:ext cx="8911687" cy="659567"/>
+          </a:xfrm>
+        </p:spPr>
+        <p:txBody>
+          <a:bodyPr/>
+          <a:lstStyle/>
+          <a:p>
+            <a:r>
+              <a:rPr lang="en-GB" b="1" dirty="0" smtClean="0">
+                <a:solidFill>
+                  <a:schemeClr val="accent6">
+                    <a:lumMod val="50000"/>
+                  </a:schemeClr>
+                </a:solidFill>
+              </a:rPr>
+              <a:t>Discussions and Model Baselining</a:t>
+            </a:r>
+            <a:endParaRPr lang="en-GB" b="1" dirty="0">
+              <a:solidFill>
+                <a:schemeClr val="accent6">
+                  <a:lumMod val="50000"/>
+                </a:schemeClr>
+              </a:solidFill>
+            </a:endParaRPr>
+          </a:p>
+        </p:txBody>
+      </p:sp>
+      <p:sp>
+        <p:nvSpPr>
+          <p:cNvPr id="6" name="Content Placeholder 2"/>
+          <p:cNvSpPr txBox="1">
+            <a:spLocks/>
+          </p:cNvSpPr>
+          <p:nvPr/>
+        </p:nvSpPr>
+        <p:spPr>
+          <a:xfrm>
+            <a:off x="785090" y="1246909"/>
+            <a:ext cx="11305310" cy="5611091"/>
+          </a:xfrm>
+          <a:prstGeom prst="rect">
+            <a:avLst/>
+          </a:prstGeom>
+        </p:spPr>
+        <p:txBody>
+          <a:bodyPr>
+            <a:normAutofit/>
+          </a:bodyPr>
+          <a:lstStyle>
+            <a:lvl1pPr marL="342900" indent="-342900" algn="l" defTabSz="457200" rtl="0" eaLnBrk="1" latinLnBrk="0" hangingPunct="1">
+              <a:spcBef>
+                <a:spcPts val="1000"/>
+              </a:spcBef>
+              <a:spcAft>
+                <a:spcPts val="0"/>
+              </a:spcAft>
+              <a:buClr>
+                <a:schemeClr val="accent1"/>
+              </a:buClr>
+              <a:buFont typeface="Wingdings 3" charset="2"/>
+              <a:buChar char=""/>
+              <a:defRPr sz="1800" kern="1200">
+                <a:solidFill>
+                  <a:schemeClr val="tx1">
+                    <a:lumMod val="75000"/>
+                    <a:lumOff val="25000"/>
+                  </a:schemeClr>
+                </a:solidFill>
+                <a:latin typeface="+mn-lt"/>
+                <a:ea typeface="+mn-ea"/>
+                <a:cs typeface="+mn-cs"/>
+              </a:defRPr>
+            </a:lvl1pPr>
+            <a:lvl2pPr marL="742950" indent="-285750" algn="l" defTabSz="457200" rtl="0" eaLnBrk="1" latinLnBrk="0" hangingPunct="1">
+              <a:spcBef>
+                <a:spcPts val="1000"/>
+              </a:spcBef>
+              <a:spcAft>
+                <a:spcPts val="0"/>
+              </a:spcAft>
+              <a:buClr>
+                <a:schemeClr val="accent1"/>
+              </a:buClr>
+              <a:buFont typeface="Wingdings 3" charset="2"/>
+              <a:buChar char=""/>
+              <a:defRPr sz="1600" kern="1200">
+                <a:solidFill>
+                  <a:schemeClr val="tx1">
+                    <a:lumMod val="75000"/>
+                    <a:lumOff val="25000"/>
+                  </a:schemeClr>
+                </a:solidFill>
+                <a:latin typeface="+mn-lt"/>
+                <a:ea typeface="+mn-ea"/>
+                <a:cs typeface="+mn-cs"/>
+              </a:defRPr>
+            </a:lvl2pPr>
+            <a:lvl3pPr marL="1143000" indent="-228600" algn="l" defTabSz="457200" rtl="0" eaLnBrk="1" latinLnBrk="0" hangingPunct="1">
+              <a:spcBef>
+                <a:spcPts val="1000"/>
+              </a:spcBef>
+              <a:spcAft>
+                <a:spcPts val="0"/>
+              </a:spcAft>
+              <a:buClr>
+                <a:schemeClr val="accent1"/>
+              </a:buClr>
+              <a:buFont typeface="Wingdings 3" charset="2"/>
+              <a:buChar char=""/>
+              <a:defRPr sz="1400" kern="1200">
+                <a:solidFill>
+                  <a:schemeClr val="tx1">
+                    <a:lumMod val="75000"/>
+                    <a:lumOff val="25000"/>
+                  </a:schemeClr>
+                </a:solidFill>
+                <a:latin typeface="+mn-lt"/>
+                <a:ea typeface="+mn-ea"/>
+                <a:cs typeface="+mn-cs"/>
+              </a:defRPr>
+            </a:lvl3pPr>
+            <a:lvl4pPr marL="1600200" indent="-228600" algn="l" defTabSz="457200" rtl="0" eaLnBrk="1" latinLnBrk="0" hangingPunct="1">
+              <a:spcBef>
+                <a:spcPts val="1000"/>
+              </a:spcBef>
+              <a:spcAft>
+                <a:spcPts val="0"/>
+              </a:spcAft>
+              <a:buClr>
+                <a:schemeClr val="accent1"/>
+              </a:buClr>
+              <a:buFont typeface="Wingdings 3" charset="2"/>
+              <a:buChar char=""/>
+              <a:defRPr sz="1200" kern="1200">
+                <a:solidFill>
+                  <a:schemeClr val="tx1">
+                    <a:lumMod val="75000"/>
+                    <a:lumOff val="25000"/>
+                  </a:schemeClr>
+                </a:solidFill>
+                <a:latin typeface="+mn-lt"/>
+                <a:ea typeface="+mn-ea"/>
+                <a:cs typeface="+mn-cs"/>
+              </a:defRPr>
+            </a:lvl4pPr>
+            <a:lvl5pPr marL="2057400" indent="-228600" algn="l" defTabSz="457200" rtl="0" eaLnBrk="1" latinLnBrk="0" hangingPunct="1">
+              <a:spcBef>
+                <a:spcPts val="1000"/>
+              </a:spcBef>
+              <a:spcAft>
+                <a:spcPts val="0"/>
+              </a:spcAft>
+              <a:buClr>
+                <a:schemeClr val="accent1"/>
+              </a:buClr>
+              <a:buFont typeface="Wingdings 3" charset="2"/>
+              <a:buChar char=""/>
+              <a:defRPr sz="1200" kern="1200">
+                <a:solidFill>
+                  <a:schemeClr val="tx1">
+                    <a:lumMod val="75000"/>
+                    <a:lumOff val="25000"/>
+                  </a:schemeClr>
+                </a:solidFill>
+                <a:latin typeface="+mn-lt"/>
+                <a:ea typeface="+mn-ea"/>
+                <a:cs typeface="+mn-cs"/>
+              </a:defRPr>
+            </a:lvl5pPr>
+            <a:lvl6pPr marL="2514600" indent="-228600" algn="l" defTabSz="457200" rtl="0" eaLnBrk="1" latinLnBrk="0" hangingPunct="1">
+              <a:spcBef>
+                <a:spcPts val="1000"/>
+              </a:spcBef>
+              <a:spcAft>
+                <a:spcPts val="0"/>
+              </a:spcAft>
+              <a:buClr>
+                <a:schemeClr val="accent1"/>
+              </a:buClr>
+              <a:buFont typeface="Wingdings 3" charset="2"/>
+              <a:buChar char=""/>
+              <a:defRPr sz="1200" kern="1200">
+                <a:solidFill>
+                  <a:schemeClr val="tx1">
+                    <a:lumMod val="75000"/>
+                    <a:lumOff val="25000"/>
+                  </a:schemeClr>
+                </a:solidFill>
+                <a:latin typeface="+mn-lt"/>
+                <a:ea typeface="+mn-ea"/>
+                <a:cs typeface="+mn-cs"/>
+              </a:defRPr>
+            </a:lvl6pPr>
+            <a:lvl7pPr marL="2971800" indent="-228600" algn="l" defTabSz="457200" rtl="0" eaLnBrk="1" latinLnBrk="0" hangingPunct="1">
+              <a:spcBef>
+                <a:spcPts val="1000"/>
+              </a:spcBef>
+              <a:spcAft>
+                <a:spcPts val="0"/>
+              </a:spcAft>
+              <a:buClr>
+                <a:schemeClr val="accent1"/>
+              </a:buClr>
+              <a:buFont typeface="Wingdings 3" charset="2"/>
+              <a:buChar char=""/>
+              <a:defRPr sz="1200" kern="1200">
+                <a:solidFill>
+                  <a:schemeClr val="tx1">
+                    <a:lumMod val="75000"/>
+                    <a:lumOff val="25000"/>
+                  </a:schemeClr>
+                </a:solidFill>
+                <a:latin typeface="+mn-lt"/>
+                <a:ea typeface="+mn-ea"/>
+                <a:cs typeface="+mn-cs"/>
+              </a:defRPr>
+            </a:lvl7pPr>
+            <a:lvl8pPr marL="3429000" indent="-228600" algn="l" defTabSz="457200" rtl="0" eaLnBrk="1" latinLnBrk="0" hangingPunct="1">
+              <a:spcBef>
+                <a:spcPts val="1000"/>
+              </a:spcBef>
+              <a:spcAft>
+                <a:spcPts val="0"/>
+              </a:spcAft>
+              <a:buClr>
+                <a:schemeClr val="accent1"/>
+              </a:buClr>
+              <a:buFont typeface="Wingdings 3" charset="2"/>
+              <a:buChar char=""/>
+              <a:defRPr sz="1200" kern="1200">
+                <a:solidFill>
+                  <a:schemeClr val="tx1">
+                    <a:lumMod val="75000"/>
+                    <a:lumOff val="25000"/>
+                  </a:schemeClr>
+                </a:solidFill>
+                <a:latin typeface="+mn-lt"/>
+                <a:ea typeface="+mn-ea"/>
+                <a:cs typeface="+mn-cs"/>
+              </a:defRPr>
+            </a:lvl8pPr>
+            <a:lvl9pPr marL="3886200" indent="-228600" algn="l" defTabSz="457200" rtl="0" eaLnBrk="1" latinLnBrk="0" hangingPunct="1">
+              <a:spcBef>
+                <a:spcPts val="1000"/>
+              </a:spcBef>
+              <a:spcAft>
+                <a:spcPts val="0"/>
+              </a:spcAft>
+              <a:buClr>
+                <a:schemeClr val="accent1"/>
+              </a:buClr>
+              <a:buFont typeface="Wingdings 3" charset="2"/>
+              <a:buChar char=""/>
+              <a:defRPr sz="1200" kern="1200">
+                <a:solidFill>
+                  <a:schemeClr val="tx1">
+                    <a:lumMod val="75000"/>
+                    <a:lumOff val="25000"/>
+                  </a:schemeClr>
+                </a:solidFill>
+                <a:latin typeface="+mn-lt"/>
+                <a:ea typeface="+mn-ea"/>
+                <a:cs typeface="+mn-cs"/>
+              </a:defRPr>
+            </a:lvl9pPr>
+          </a:lstStyle>
+          <a:p>
+            <a:pPr marR="0" lvl="0" algn="just" fontAlgn="base">
+              <a:lnSpc>
+                <a:spcPct val="90000"/>
+              </a:lnSpc>
+              <a:buSzTx/>
+              <a:tabLst/>
+            </a:pPr>
+            <a:r>
+              <a:rPr lang="en-US" altLang="en-US" b="1" dirty="0" smtClean="0">
+                <a:solidFill>
+                  <a:schemeClr val="accent6">
+                    <a:lumMod val="50000"/>
+                  </a:schemeClr>
+                </a:solidFill>
+              </a:rPr>
+              <a:t>Ambiguity </a:t>
+            </a:r>
+            <a:r>
+              <a:rPr lang="en-US" altLang="en-US" b="1" dirty="0">
+                <a:solidFill>
+                  <a:schemeClr val="accent6">
+                    <a:lumMod val="50000"/>
+                  </a:schemeClr>
+                </a:solidFill>
+              </a:rPr>
+              <a:t>in Actions or Context</a:t>
+            </a:r>
+            <a:r>
+              <a:rPr lang="en-US" altLang="en-US" dirty="0">
+                <a:solidFill>
+                  <a:schemeClr val="accent6">
+                    <a:lumMod val="50000"/>
+                  </a:schemeClr>
+                </a:solidFill>
+              </a:rPr>
+              <a:t>: The model struggles when it comes to capturing the finer details of what’s happening in a scene. For example, if someone is riding a specific type of motorcycle, the model might just say “someone is riding through mud,” missing important context like the type of motorcycle or the precise action. It tends to generalize when the action is more detailed or nuanced</a:t>
+            </a:r>
+            <a:r>
+              <a:rPr lang="en-US" altLang="en-US" dirty="0" smtClean="0">
+                <a:solidFill>
+                  <a:schemeClr val="accent6">
+                    <a:lumMod val="50000"/>
+                  </a:schemeClr>
+                </a:solidFill>
+              </a:rPr>
+              <a:t>.</a:t>
+            </a:r>
+          </a:p>
+          <a:p>
+            <a:pPr marR="0" lvl="0" algn="just" fontAlgn="base">
+              <a:lnSpc>
+                <a:spcPct val="90000"/>
+              </a:lnSpc>
+              <a:buSzTx/>
+              <a:tabLst/>
+            </a:pPr>
+            <a:r>
+              <a:rPr lang="en-US" altLang="en-US" b="1" dirty="0" smtClean="0">
+                <a:solidFill>
+                  <a:schemeClr val="accent6">
+                    <a:lumMod val="50000"/>
+                  </a:schemeClr>
+                </a:solidFill>
+              </a:rPr>
+              <a:t>Object Recognition </a:t>
+            </a:r>
+            <a:r>
+              <a:rPr lang="en-US" altLang="en-US" b="1" dirty="0">
+                <a:solidFill>
+                  <a:schemeClr val="accent6">
+                    <a:lumMod val="50000"/>
+                  </a:schemeClr>
+                </a:solidFill>
+              </a:rPr>
+              <a:t>Errors</a:t>
+            </a:r>
+            <a:r>
+              <a:rPr lang="en-US" altLang="en-US" dirty="0">
+                <a:solidFill>
+                  <a:schemeClr val="accent6">
+                    <a:lumMod val="50000"/>
+                  </a:schemeClr>
+                </a:solidFill>
+              </a:rPr>
+              <a:t>: The model sometimes gets confused when there are multiple or less common objects in the image. For instance, it might describe a camel as a horse or forget to mention something important like a dog carrying a stick. It can miss or misidentify key objects, which makes the caption less accurate</a:t>
+            </a:r>
+            <a:r>
+              <a:rPr lang="en-US" altLang="en-US" dirty="0" smtClean="0">
+                <a:solidFill>
+                  <a:schemeClr val="accent6">
+                    <a:lumMod val="50000"/>
+                  </a:schemeClr>
+                </a:solidFill>
+              </a:rPr>
+              <a:t>.</a:t>
+            </a:r>
+          </a:p>
+          <a:p>
+            <a:pPr marR="0" lvl="0" algn="just" fontAlgn="base">
+              <a:lnSpc>
+                <a:spcPct val="90000"/>
+              </a:lnSpc>
+              <a:buSzTx/>
+              <a:tabLst/>
+            </a:pPr>
+            <a:r>
+              <a:rPr lang="en-US" altLang="en-US" b="1" dirty="0" smtClean="0">
+                <a:solidFill>
+                  <a:schemeClr val="accent6">
+                    <a:lumMod val="50000"/>
+                  </a:schemeClr>
+                </a:solidFill>
+              </a:rPr>
+              <a:t>Simplified </a:t>
+            </a:r>
+            <a:r>
+              <a:rPr lang="en-US" altLang="en-US" b="1" dirty="0">
+                <a:solidFill>
+                  <a:schemeClr val="accent6">
+                    <a:lumMod val="50000"/>
+                  </a:schemeClr>
+                </a:solidFill>
+              </a:rPr>
+              <a:t>Descriptions</a:t>
+            </a:r>
+            <a:r>
+              <a:rPr lang="en-US" altLang="en-US" dirty="0">
+                <a:solidFill>
+                  <a:schemeClr val="accent6">
+                    <a:lumMod val="50000"/>
+                  </a:schemeClr>
+                </a:solidFill>
+              </a:rPr>
+              <a:t>: When there’s a lot happening in a </a:t>
+            </a:r>
+            <a:r>
+              <a:rPr lang="en-US" altLang="en-US" dirty="0" smtClean="0">
+                <a:solidFill>
+                  <a:schemeClr val="accent6">
+                    <a:lumMod val="50000"/>
+                  </a:schemeClr>
+                </a:solidFill>
+              </a:rPr>
+              <a:t>scene </a:t>
+            </a:r>
+            <a:r>
+              <a:rPr lang="en-US" altLang="en-US" dirty="0">
+                <a:solidFill>
+                  <a:schemeClr val="accent6">
+                    <a:lumMod val="50000"/>
+                  </a:schemeClr>
+                </a:solidFill>
+              </a:rPr>
+              <a:t>or multiple subjects in the frame</a:t>
+            </a:r>
+            <a:r>
+              <a:rPr lang="en-US" altLang="en-US" dirty="0" smtClean="0">
+                <a:solidFill>
+                  <a:schemeClr val="accent6">
+                    <a:lumMod val="50000"/>
+                  </a:schemeClr>
+                </a:solidFill>
+              </a:rPr>
+              <a:t>, </a:t>
+            </a:r>
+            <a:r>
+              <a:rPr lang="en-US" altLang="en-US" dirty="0">
+                <a:solidFill>
+                  <a:schemeClr val="accent6">
+                    <a:lumMod val="50000"/>
+                  </a:schemeClr>
+                </a:solidFill>
+              </a:rPr>
+              <a:t>the model often picks up on only the most obvious thing and ignores the rest. It might describe a person standing without mentioning the interaction with other objects or people, making the caption feel incomplete or overly simple</a:t>
+            </a:r>
+            <a:r>
+              <a:rPr lang="en-US" altLang="en-US" dirty="0" smtClean="0">
+                <a:solidFill>
+                  <a:schemeClr val="accent6">
+                    <a:lumMod val="50000"/>
+                  </a:schemeClr>
+                </a:solidFill>
+              </a:rPr>
+              <a:t>.</a:t>
+            </a:r>
+          </a:p>
+          <a:p>
+            <a:pPr marR="0" lvl="0" algn="just" fontAlgn="base">
+              <a:lnSpc>
+                <a:spcPct val="90000"/>
+              </a:lnSpc>
+              <a:buSzTx/>
+              <a:tabLst/>
+            </a:pPr>
+            <a:r>
+              <a:rPr lang="en-US" altLang="en-US" b="1" dirty="0" smtClean="0">
+                <a:solidFill>
+                  <a:schemeClr val="accent6">
+                    <a:lumMod val="50000"/>
+                  </a:schemeClr>
+                </a:solidFill>
+              </a:rPr>
+              <a:t>Incorrect </a:t>
+            </a:r>
+            <a:r>
+              <a:rPr lang="en-US" altLang="en-US" b="1" dirty="0">
+                <a:solidFill>
+                  <a:schemeClr val="accent6">
+                    <a:lumMod val="50000"/>
+                  </a:schemeClr>
+                </a:solidFill>
+              </a:rPr>
+              <a:t>Identifications of Animals or People</a:t>
+            </a:r>
+            <a:r>
+              <a:rPr lang="en-US" altLang="en-US" dirty="0">
+                <a:solidFill>
+                  <a:schemeClr val="accent6">
+                    <a:lumMod val="50000"/>
+                  </a:schemeClr>
+                </a:solidFill>
+              </a:rPr>
+              <a:t>: Sometimes, the model just gets it wrong when describing animals or people. For instance, it might call a “blonde dog digging a hole” a “white dog standing up,” which changes the scene completely. These errors can make the caption feel out of touch with what’s actually happening</a:t>
+            </a:r>
+            <a:r>
+              <a:rPr lang="en-US" altLang="en-US" dirty="0" smtClean="0">
+                <a:solidFill>
+                  <a:schemeClr val="accent6">
+                    <a:lumMod val="50000"/>
+                  </a:schemeClr>
+                </a:solidFill>
+              </a:rPr>
+              <a:t>.</a:t>
+            </a:r>
+          </a:p>
+          <a:p>
+            <a:pPr algn="just" fontAlgn="base">
+              <a:lnSpc>
+                <a:spcPct val="90000"/>
+              </a:lnSpc>
+            </a:pPr>
+            <a:r>
+              <a:rPr lang="en-GB" altLang="en-US" b="1" dirty="0" smtClean="0">
+                <a:solidFill>
+                  <a:schemeClr val="accent6">
+                    <a:lumMod val="50000"/>
+                  </a:schemeClr>
+                </a:solidFill>
+              </a:rPr>
+              <a:t>Baselining</a:t>
+            </a:r>
+            <a:r>
+              <a:rPr lang="en-GB" altLang="en-US" b="1" dirty="0">
+                <a:solidFill>
+                  <a:schemeClr val="accent6">
+                    <a:lumMod val="50000"/>
+                  </a:schemeClr>
+                </a:solidFill>
+              </a:rPr>
+              <a:t>:</a:t>
+            </a:r>
+            <a:r>
+              <a:rPr lang="en-GB" altLang="en-US" dirty="0">
+                <a:solidFill>
+                  <a:schemeClr val="accent6">
+                    <a:lumMod val="50000"/>
+                  </a:schemeClr>
+                </a:solidFill>
+              </a:rPr>
+              <a:t> Based on above results both 8K and 30K CLIP-LSTM with Attention network model performing better. This can be used for further improvements.</a:t>
+            </a:r>
+          </a:p>
+          <a:p>
+            <a:pPr marR="0" lvl="0" algn="just" fontAlgn="base">
+              <a:lnSpc>
+                <a:spcPct val="90000"/>
+              </a:lnSpc>
+              <a:buSzTx/>
+              <a:tabLst/>
+            </a:pPr>
+            <a:endParaRPr lang="en-US" altLang="en-US" dirty="0">
+              <a:solidFill>
+                <a:schemeClr val="accent6">
+                  <a:lumMod val="50000"/>
+                </a:schemeClr>
+              </a:solidFill>
+            </a:endParaRPr>
+          </a:p>
+        </p:txBody>
+      </p:sp>
+    </p:spTree>
+    <p:extLst>
+      <p:ext uri="{BB962C8B-B14F-4D97-AF65-F5344CB8AC3E}">
+        <p14:creationId xmlns:p14="http://schemas.microsoft.com/office/powerpoint/2010/main" val="2820074558"/>
+      </p:ext>
+    </p:extLst>
+  </p:cSld>
+  <p:clrMapOvr>
+    <a:masterClrMapping/>
+  </p:clrMapOvr>
+  <p:timing>
+    <p:tnLst>
+      <p:par>
+        <p:cTn id="1" dur="indefinite" restart="never" nodeType="tmRoot"/>
+      </p:par>
+    </p:tnLst>
+  </p:timing>
+</p:sld>
+</file>
+
+<file path=ppt/slides/slide2.xml><?xml version="1.0" encoding="utf-8"?>
+<p:sld xmlns:a="http://schemas.openxmlformats.org/drawingml/2006/main" xmlns:r="http://schemas.openxmlformats.org/officeDocument/2006/relationships" xmlns:p="http://schemas.openxmlformats.org/presentationml/2006/main">
+  <p:cSld>
+    <p:spTree>
+      <p:nvGrpSpPr>
+        <p:cNvPr id="1" name=""/>
+        <p:cNvGrpSpPr/>
+        <p:nvPr/>
+      </p:nvGrpSpPr>
+      <p:grpSpPr>
+        <a:xfrm>
+          <a:off x="0" y="0"/>
+          <a:ext cx="0" cy="0"/>
+          <a:chOff x="0" y="0"/>
+          <a:chExt cx="0" cy="0"/>
+        </a:xfrm>
+      </p:grpSpPr>
+      <p:sp>
+        <p:nvSpPr>
+          <p:cNvPr id="2" name="Title 1"/>
+          <p:cNvSpPr>
+            <a:spLocks noGrp="1"/>
+          </p:cNvSpPr>
+          <p:nvPr>
+            <p:ph type="title"/>
+          </p:nvPr>
+        </p:nvSpPr>
+        <p:spPr>
+          <a:xfrm>
+            <a:off x="178777" y="0"/>
+            <a:ext cx="10515600" cy="698744"/>
+          </a:xfrm>
+        </p:spPr>
+        <p:txBody>
+          <a:bodyPr/>
+          <a:lstStyle/>
+          <a:p>
+            <a:r>
+              <a:rPr lang="en-IN" b="1" dirty="0">
+                <a:solidFill>
+                  <a:schemeClr val="accent6">
+                    <a:lumMod val="50000"/>
+                  </a:schemeClr>
+                </a:solidFill>
+              </a:rPr>
+              <a:t>Agenda</a:t>
+            </a:r>
+          </a:p>
+        </p:txBody>
+      </p:sp>
+      <p:sp>
+        <p:nvSpPr>
+          <p:cNvPr id="3" name="Content Placeholder 2"/>
+          <p:cNvSpPr>
+            <a:spLocks noGrp="1"/>
+          </p:cNvSpPr>
+          <p:nvPr>
+            <p:ph idx="1"/>
+          </p:nvPr>
+        </p:nvSpPr>
+        <p:spPr>
+          <a:xfrm>
+            <a:off x="838200" y="1487055"/>
+            <a:ext cx="10515600" cy="4689908"/>
+          </a:xfrm>
+        </p:spPr>
+        <p:txBody>
+          <a:bodyPr>
+            <a:normAutofit/>
+          </a:bodyPr>
+          <a:lstStyle/>
+          <a:p>
+            <a:pPr>
+              <a:lnSpc>
+                <a:spcPct val="150000"/>
+              </a:lnSpc>
+            </a:pPr>
+            <a:r>
+              <a:rPr lang="en-IN" dirty="0" smtClean="0">
+                <a:solidFill>
+                  <a:schemeClr val="accent6">
+                    <a:lumMod val="50000"/>
+                  </a:schemeClr>
+                </a:solidFill>
+              </a:rPr>
+              <a:t>Problem </a:t>
+            </a:r>
+            <a:r>
+              <a:rPr lang="en-IN" dirty="0">
+                <a:solidFill>
+                  <a:schemeClr val="accent6">
+                    <a:lumMod val="50000"/>
+                  </a:schemeClr>
+                </a:solidFill>
+              </a:rPr>
+              <a:t>Statement</a:t>
+            </a:r>
+            <a:endParaRPr lang="en-GB" dirty="0">
+              <a:solidFill>
+                <a:schemeClr val="accent6">
+                  <a:lumMod val="50000"/>
+                </a:schemeClr>
+              </a:solidFill>
+            </a:endParaRPr>
+          </a:p>
+          <a:p>
+            <a:pPr>
+              <a:lnSpc>
+                <a:spcPct val="150000"/>
+              </a:lnSpc>
+            </a:pPr>
+            <a:r>
+              <a:rPr lang="en-GB" dirty="0" smtClean="0">
+                <a:solidFill>
+                  <a:schemeClr val="accent6">
+                    <a:lumMod val="50000"/>
+                  </a:schemeClr>
+                </a:solidFill>
+              </a:rPr>
+              <a:t>Data </a:t>
+            </a:r>
+            <a:r>
+              <a:rPr lang="en-GB" dirty="0">
+                <a:solidFill>
+                  <a:schemeClr val="accent6">
+                    <a:lumMod val="50000"/>
+                  </a:schemeClr>
+                </a:solidFill>
+              </a:rPr>
+              <a:t>and Pre-processing</a:t>
+            </a:r>
+          </a:p>
+          <a:p>
+            <a:pPr>
+              <a:lnSpc>
+                <a:spcPct val="150000"/>
+              </a:lnSpc>
+            </a:pPr>
+            <a:r>
+              <a:rPr lang="en-GB" dirty="0" smtClean="0">
+                <a:solidFill>
+                  <a:schemeClr val="accent6">
+                    <a:lumMod val="50000"/>
+                  </a:schemeClr>
+                </a:solidFill>
+              </a:rPr>
+              <a:t>Model </a:t>
+            </a:r>
+            <a:r>
+              <a:rPr lang="en-GB" dirty="0">
+                <a:solidFill>
+                  <a:schemeClr val="accent6">
+                    <a:lumMod val="50000"/>
+                  </a:schemeClr>
+                </a:solidFill>
+              </a:rPr>
+              <a:t>Architecture</a:t>
+            </a:r>
+          </a:p>
+          <a:p>
+            <a:pPr>
+              <a:lnSpc>
+                <a:spcPct val="150000"/>
+              </a:lnSpc>
+            </a:pPr>
+            <a:r>
+              <a:rPr lang="en-GB" dirty="0" smtClean="0">
+                <a:solidFill>
+                  <a:schemeClr val="accent6">
+                    <a:lumMod val="50000"/>
+                  </a:schemeClr>
+                </a:solidFill>
+              </a:rPr>
+              <a:t>Training </a:t>
+            </a:r>
+            <a:r>
+              <a:rPr lang="en-GB" dirty="0">
+                <a:solidFill>
+                  <a:schemeClr val="accent6">
+                    <a:lumMod val="50000"/>
+                  </a:schemeClr>
+                </a:solidFill>
+              </a:rPr>
+              <a:t>and Test Results</a:t>
+            </a:r>
+          </a:p>
+          <a:p>
+            <a:pPr>
+              <a:lnSpc>
+                <a:spcPct val="150000"/>
+              </a:lnSpc>
+            </a:pPr>
+            <a:r>
+              <a:rPr lang="en-GB" dirty="0" smtClean="0">
+                <a:solidFill>
+                  <a:schemeClr val="accent6">
+                    <a:lumMod val="50000"/>
+                  </a:schemeClr>
+                </a:solidFill>
+              </a:rPr>
+              <a:t>Discussions </a:t>
+            </a:r>
+            <a:r>
+              <a:rPr lang="en-GB" dirty="0">
+                <a:solidFill>
+                  <a:schemeClr val="accent6">
+                    <a:lumMod val="50000"/>
+                  </a:schemeClr>
+                </a:solidFill>
+              </a:rPr>
+              <a:t>and Model Baselining</a:t>
+            </a:r>
+          </a:p>
+          <a:p>
+            <a:pPr>
+              <a:lnSpc>
+                <a:spcPct val="150000"/>
+              </a:lnSpc>
+            </a:pPr>
+            <a:r>
+              <a:rPr lang="en-GB" dirty="0" smtClean="0">
+                <a:solidFill>
+                  <a:schemeClr val="accent6">
+                    <a:lumMod val="50000"/>
+                  </a:schemeClr>
+                </a:solidFill>
+              </a:rPr>
+              <a:t>Model </a:t>
+            </a:r>
+            <a:r>
+              <a:rPr lang="en-GB" dirty="0">
+                <a:solidFill>
+                  <a:schemeClr val="accent6">
+                    <a:lumMod val="50000"/>
+                  </a:schemeClr>
+                </a:solidFill>
+              </a:rPr>
+              <a:t>Deployment</a:t>
+            </a:r>
+          </a:p>
+        </p:txBody>
+      </p:sp>
+    </p:spTree>
+    <p:extLst>
+      <p:ext uri="{BB962C8B-B14F-4D97-AF65-F5344CB8AC3E}">
+        <p14:creationId xmlns:p14="http://schemas.microsoft.com/office/powerpoint/2010/main" val="4249072287"/>
+      </p:ext>
+    </p:extLst>
+  </p:cSld>
+  <p:clrMapOvr>
+    <a:masterClrMapping/>
+  </p:clrMapOvr>
+  <p:timing>
+    <p:tnLst>
+      <p:par>
+        <p:cTn id="1" dur="indefinite" restart="never" nodeType="tmRoot"/>
+      </p:par>
+    </p:tnLst>
+  </p:timing>
+</p:sld>
+</file>
+
+<file path=ppt/slides/slide20.xml><?xml version="1.0" encoding="utf-8"?>
+<p:sld xmlns:a="http://schemas.openxmlformats.org/drawingml/2006/main" xmlns:r="http://schemas.openxmlformats.org/officeDocument/2006/relationships" xmlns:p="http://schemas.openxmlformats.org/presentationml/2006/main">
+  <p:cSld>
+    <p:spTree>
+      <p:nvGrpSpPr>
+        <p:cNvPr id="1" name=""/>
+        <p:cNvGrpSpPr/>
+        <p:nvPr/>
+      </p:nvGrpSpPr>
+      <p:grpSpPr>
+        <a:xfrm>
+          <a:off x="0" y="0"/>
+          <a:ext cx="0" cy="0"/>
+          <a:chOff x="0" y="0"/>
+          <a:chExt cx="0" cy="0"/>
+        </a:xfrm>
+      </p:grpSpPr>
+      <p:sp>
+        <p:nvSpPr>
           <p:cNvPr id="2" name="Title 1">
             <a:extLst>
               <a:ext uri="{FF2B5EF4-FFF2-40B4-BE49-F238E27FC236}">
-                <a16:creationId xmlns="" xmlns:a16="http://schemas.microsoft.com/office/drawing/2014/main" id="{4B55A092-7A25-B35A-C235-796CF812831D}"/>
+                <a16:creationId xmlns:a16="http://schemas.microsoft.com/office/drawing/2014/main" id="{4B55A092-7A25-B35A-C235-796CF812831D}"/>
               </a:ext>
             </a:extLst>
           </p:cNvPr>
@@ -17531,7 +18404,7 @@
           <p:cNvPr id="4" name="Content Placeholder 2">
             <a:extLst>
               <a:ext uri="{FF2B5EF4-FFF2-40B4-BE49-F238E27FC236}">
-                <a16:creationId xmlns="" xmlns:a16="http://schemas.microsoft.com/office/drawing/2014/main" id="{C818015B-3DF4-5BD8-0083-6A4024E31563}"/>
+                <a16:creationId xmlns:a16="http://schemas.microsoft.com/office/drawing/2014/main" id="{C818015B-3DF4-5BD8-0083-6A4024E31563}"/>
               </a:ext>
             </a:extLst>
           </p:cNvPr>
@@ -18032,18 +18905,7 @@
                 </a:solidFill>
                 <a:hlinkClick r:id="rId5"/>
               </a:rPr>
-              <a:t>https://</a:t>
-            </a:r>
-            <a:r>
-              <a:rPr lang="en-GB" dirty="0">
-                <a:solidFill>
-                  <a:schemeClr val="accent6">
-                    <a:lumMod val="50000"/>
-                  </a:schemeClr>
-                </a:solidFill>
-                <a:hlinkClick r:id="rId5"/>
-              </a:rPr>
-              <a:t>github.com/RRKBHUVANA/ImageCaptioningIIIT</a:t>
+              <a:t>https://github.com/RRKBHUVANA/ImageCaptioningIIIT</a:t>
             </a:r>
             <a:endParaRPr lang="en-GB" dirty="0">
               <a:solidFill>
@@ -18075,286 +18937,7 @@
 </p:sld>
 </file>
 
-<file path=ppt/slides/slide2.xml><?xml version="1.0" encoding="utf-8"?>
-<p:sld xmlns:a="http://schemas.openxmlformats.org/drawingml/2006/main" xmlns:r="http://schemas.openxmlformats.org/officeDocument/2006/relationships" xmlns:p="http://schemas.openxmlformats.org/presentationml/2006/main">
-  <p:cSld>
-    <p:spTree>
-      <p:nvGrpSpPr>
-        <p:cNvPr id="1" name=""/>
-        <p:cNvGrpSpPr/>
-        <p:nvPr/>
-      </p:nvGrpSpPr>
-      <p:grpSpPr>
-        <a:xfrm>
-          <a:off x="0" y="0"/>
-          <a:ext cx="0" cy="0"/>
-          <a:chOff x="0" y="0"/>
-          <a:chExt cx="0" cy="0"/>
-        </a:xfrm>
-      </p:grpSpPr>
-      <p:sp>
-        <p:nvSpPr>
-          <p:cNvPr id="2" name="Title 1"/>
-          <p:cNvSpPr>
-            <a:spLocks noGrp="1"/>
-          </p:cNvSpPr>
-          <p:nvPr>
-            <p:ph type="title"/>
-          </p:nvPr>
-        </p:nvSpPr>
-        <p:spPr>
-          <a:xfrm>
-            <a:off x="178777" y="0"/>
-            <a:ext cx="10515600" cy="698744"/>
-          </a:xfrm>
-        </p:spPr>
-        <p:txBody>
-          <a:bodyPr/>
-          <a:lstStyle/>
-          <a:p>
-            <a:r>
-              <a:rPr lang="en-IN" b="1" dirty="0">
-                <a:solidFill>
-                  <a:schemeClr val="accent6">
-                    <a:lumMod val="50000"/>
-                  </a:schemeClr>
-                </a:solidFill>
-              </a:rPr>
-              <a:t>Agenda</a:t>
-            </a:r>
-          </a:p>
-        </p:txBody>
-      </p:sp>
-      <p:sp>
-        <p:nvSpPr>
-          <p:cNvPr id="3" name="Content Placeholder 2"/>
-          <p:cNvSpPr>
-            <a:spLocks noGrp="1"/>
-          </p:cNvSpPr>
-          <p:nvPr>
-            <p:ph idx="1"/>
-          </p:nvPr>
-        </p:nvSpPr>
-        <p:spPr>
-          <a:xfrm>
-            <a:off x="838200" y="1487055"/>
-            <a:ext cx="10515600" cy="4689908"/>
-          </a:xfrm>
-        </p:spPr>
-        <p:txBody>
-          <a:bodyPr>
-            <a:normAutofit/>
-          </a:bodyPr>
-          <a:lstStyle/>
-          <a:p>
-            <a:pPr>
-              <a:lnSpc>
-                <a:spcPct val="150000"/>
-              </a:lnSpc>
-            </a:pPr>
-            <a:r>
-              <a:rPr lang="en-IN" dirty="0" smtClean="0">
-                <a:solidFill>
-                  <a:schemeClr val="accent6">
-                    <a:lumMod val="50000"/>
-                  </a:schemeClr>
-                </a:solidFill>
-              </a:rPr>
-              <a:t>Problem </a:t>
-            </a:r>
-            <a:r>
-              <a:rPr lang="en-IN" dirty="0">
-                <a:solidFill>
-                  <a:schemeClr val="accent6">
-                    <a:lumMod val="50000"/>
-                  </a:schemeClr>
-                </a:solidFill>
-              </a:rPr>
-              <a:t>Statement</a:t>
-            </a:r>
-            <a:endParaRPr lang="en-GB" dirty="0">
-              <a:solidFill>
-                <a:schemeClr val="accent6">
-                  <a:lumMod val="50000"/>
-                </a:schemeClr>
-              </a:solidFill>
-            </a:endParaRPr>
-          </a:p>
-          <a:p>
-            <a:pPr>
-              <a:lnSpc>
-                <a:spcPct val="150000"/>
-              </a:lnSpc>
-            </a:pPr>
-            <a:r>
-              <a:rPr lang="en-GB" dirty="0" smtClean="0">
-                <a:solidFill>
-                  <a:schemeClr val="accent6">
-                    <a:lumMod val="50000"/>
-                  </a:schemeClr>
-                </a:solidFill>
-              </a:rPr>
-              <a:t>Data </a:t>
-            </a:r>
-            <a:r>
-              <a:rPr lang="en-GB" dirty="0">
-                <a:solidFill>
-                  <a:schemeClr val="accent6">
-                    <a:lumMod val="50000"/>
-                  </a:schemeClr>
-                </a:solidFill>
-              </a:rPr>
-              <a:t>and Pre-processing</a:t>
-            </a:r>
-          </a:p>
-          <a:p>
-            <a:pPr>
-              <a:lnSpc>
-                <a:spcPct val="150000"/>
-              </a:lnSpc>
-            </a:pPr>
-            <a:r>
-              <a:rPr lang="en-GB" dirty="0" smtClean="0">
-                <a:solidFill>
-                  <a:schemeClr val="accent6">
-                    <a:lumMod val="50000"/>
-                  </a:schemeClr>
-                </a:solidFill>
-              </a:rPr>
-              <a:t>Model </a:t>
-            </a:r>
-            <a:r>
-              <a:rPr lang="en-GB" dirty="0">
-                <a:solidFill>
-                  <a:schemeClr val="accent6">
-                    <a:lumMod val="50000"/>
-                  </a:schemeClr>
-                </a:solidFill>
-              </a:rPr>
-              <a:t>Architecture</a:t>
-            </a:r>
-          </a:p>
-          <a:p>
-            <a:pPr>
-              <a:lnSpc>
-                <a:spcPct val="150000"/>
-              </a:lnSpc>
-            </a:pPr>
-            <a:r>
-              <a:rPr lang="en-GB" dirty="0" smtClean="0">
-                <a:solidFill>
-                  <a:schemeClr val="accent6">
-                    <a:lumMod val="50000"/>
-                  </a:schemeClr>
-                </a:solidFill>
-              </a:rPr>
-              <a:t>Training </a:t>
-            </a:r>
-            <a:r>
-              <a:rPr lang="en-GB" dirty="0">
-                <a:solidFill>
-                  <a:schemeClr val="accent6">
-                    <a:lumMod val="50000"/>
-                  </a:schemeClr>
-                </a:solidFill>
-              </a:rPr>
-              <a:t>and Test </a:t>
-            </a:r>
-            <a:r>
-              <a:rPr lang="en-GB" dirty="0">
-                <a:solidFill>
-                  <a:schemeClr val="accent6">
-                    <a:lumMod val="50000"/>
-                  </a:schemeClr>
-                </a:solidFill>
-              </a:rPr>
-              <a:t>Results</a:t>
-            </a:r>
-          </a:p>
-          <a:p>
-            <a:pPr>
-              <a:lnSpc>
-                <a:spcPct val="150000"/>
-              </a:lnSpc>
-            </a:pPr>
-            <a:r>
-              <a:rPr lang="en-GB" dirty="0" smtClean="0">
-                <a:solidFill>
-                  <a:schemeClr val="accent6">
-                    <a:lumMod val="50000"/>
-                  </a:schemeClr>
-                </a:solidFill>
-              </a:rPr>
-              <a:t>Discussions </a:t>
-            </a:r>
-            <a:r>
-              <a:rPr lang="en-GB" dirty="0">
-                <a:solidFill>
-                  <a:schemeClr val="accent6">
-                    <a:lumMod val="50000"/>
-                  </a:schemeClr>
-                </a:solidFill>
-              </a:rPr>
-              <a:t>and Model Baselining</a:t>
-            </a:r>
-          </a:p>
-          <a:p>
-            <a:pPr>
-              <a:lnSpc>
-                <a:spcPct val="150000"/>
-              </a:lnSpc>
-            </a:pPr>
-            <a:r>
-              <a:rPr lang="en-GB" dirty="0" smtClean="0">
-                <a:solidFill>
-                  <a:schemeClr val="accent6">
-                    <a:lumMod val="50000"/>
-                  </a:schemeClr>
-                </a:solidFill>
-              </a:rPr>
-              <a:t>Model </a:t>
-            </a:r>
-            <a:r>
-              <a:rPr lang="en-GB" dirty="0">
-                <a:solidFill>
-                  <a:schemeClr val="accent6">
-                    <a:lumMod val="50000"/>
-                  </a:schemeClr>
-                </a:solidFill>
-              </a:rPr>
-              <a:t>Deployment</a:t>
-            </a:r>
-            <a:endParaRPr lang="en-GB" dirty="0">
-              <a:solidFill>
-                <a:schemeClr val="accent6">
-                  <a:lumMod val="50000"/>
-                </a:schemeClr>
-              </a:solidFill>
-            </a:endParaRPr>
-          </a:p>
-        </p:txBody>
-      </p:sp>
-    </p:spTree>
-    <p:extLst>
-      <p:ext uri="{BB962C8B-B14F-4D97-AF65-F5344CB8AC3E}">
-        <p14:creationId xmlns:p14="http://schemas.microsoft.com/office/powerpoint/2010/main" val="4249072287"/>
-      </p:ext>
-    </p:extLst>
-  </p:cSld>
-  <p:clrMapOvr>
-    <a:masterClrMapping/>
-  </p:clrMapOvr>
-  <p:timing>
-    <p:tnLst>
-      <p:par>
-        <p:cTn id="1" dur="indefinite" restart="never" nodeType="tmRoot"/>
-      </p:par>
-    </p:tnLst>
-  </p:timing>
-</p:sld>
-</file>
-
-<file path=ppt/slides/slide20.xml><?xml version="1.0" encoding="utf-8"?>
+<file path=ppt/slides/slide21.xml><?xml version="1.0" encoding="utf-8"?>
 <p:sld xmlns:a="http://schemas.openxmlformats.org/drawingml/2006/main" xmlns:r="http://schemas.openxmlformats.org/officeDocument/2006/relationships" xmlns:p="http://schemas.openxmlformats.org/presentationml/2006/main">
   <p:cSld>
     <p:bg>
@@ -18391,7 +18974,7 @@
           <p:cNvPr id="2" name="Content Placeholder 2">
             <a:extLst>
               <a:ext uri="{FF2B5EF4-FFF2-40B4-BE49-F238E27FC236}">
-                <a16:creationId xmlns="" xmlns:a16="http://schemas.microsoft.com/office/drawing/2014/main" id="{41038E8F-F90D-5F45-CB9F-FBA2E7B31BCC}"/>
+                <a16:creationId xmlns:a16="http://schemas.microsoft.com/office/drawing/2014/main" id="{41038E8F-F90D-5F45-CB9F-FBA2E7B31BCC}"/>
               </a:ext>
             </a:extLst>
           </p:cNvPr>
@@ -18670,7 +19253,7 @@
           <p:cNvPr id="3" name="Title 1">
             <a:extLst>
               <a:ext uri="{FF2B5EF4-FFF2-40B4-BE49-F238E27FC236}">
-                <a16:creationId xmlns="" xmlns:a16="http://schemas.microsoft.com/office/drawing/2014/main" id="{DED27152-F9F2-3883-DF4E-D421DA8CC9C1}"/>
+                <a16:creationId xmlns:a16="http://schemas.microsoft.com/office/drawing/2014/main" id="{DED27152-F9F2-3883-DF4E-D421DA8CC9C1}"/>
               </a:ext>
             </a:extLst>
           </p:cNvPr>
@@ -19077,8 +19660,8 @@
         </p:blipFill>
         <p:spPr>
           <a:xfrm>
-            <a:off x="627062" y="2851348"/>
-            <a:ext cx="11098213" cy="3635177"/>
+            <a:off x="2589213" y="3048306"/>
+            <a:ext cx="4313237" cy="1948837"/>
           </a:xfrm>
           <a:prstGeom prst="rect">
             <a:avLst/>
@@ -20313,7 +20896,7 @@
           <p:cNvPr id="6" name="Picture 5">
             <a:extLst>
               <a:ext uri="{FF2B5EF4-FFF2-40B4-BE49-F238E27FC236}">
-                <a16:creationId xmlns="" xmlns:a16="http://schemas.microsoft.com/office/drawing/2014/main" id="{68F0B61A-F791-2188-110D-2A4EA7561D90}"/>
+                <a16:creationId xmlns:a16="http://schemas.microsoft.com/office/drawing/2014/main" id="{68F0B61A-F791-2188-110D-2A4EA7561D90}"/>
               </a:ext>
             </a:extLst>
           </p:cNvPr>
@@ -21388,7 +21971,7 @@
           <p:cNvPr id="2" name="Title 1">
             <a:extLst>
               <a:ext uri="{FF2B5EF4-FFF2-40B4-BE49-F238E27FC236}">
-                <a16:creationId xmlns="" xmlns:a16="http://schemas.microsoft.com/office/drawing/2014/main" id="{365C6615-A863-47A8-31CF-677818391DA5}"/>
+                <a16:creationId xmlns:a16="http://schemas.microsoft.com/office/drawing/2014/main" id="{365C6615-A863-47A8-31CF-677818391DA5}"/>
               </a:ext>
             </a:extLst>
           </p:cNvPr>
@@ -21433,7 +22016,7 @@
           <p:cNvPr id="3" name="Subtitle 2">
             <a:extLst>
               <a:ext uri="{FF2B5EF4-FFF2-40B4-BE49-F238E27FC236}">
-                <a16:creationId xmlns="" xmlns:a16="http://schemas.microsoft.com/office/drawing/2014/main" id="{17ECCB29-D02C-257A-3824-7C425237225E}"/>
+                <a16:creationId xmlns:a16="http://schemas.microsoft.com/office/drawing/2014/main" id="{17ECCB29-D02C-257A-3824-7C425237225E}"/>
               </a:ext>
             </a:extLst>
           </p:cNvPr>
@@ -21511,7 +22094,7 @@
           <p:cNvPr id="15" name="Table 14">
             <a:extLst>
               <a:ext uri="{FF2B5EF4-FFF2-40B4-BE49-F238E27FC236}">
-                <a16:creationId xmlns="" xmlns:a16="http://schemas.microsoft.com/office/drawing/2014/main" id="{F83478A9-D417-DDE1-82FE-67BB0B605C76}"/>
+                <a16:creationId xmlns:a16="http://schemas.microsoft.com/office/drawing/2014/main" id="{F83478A9-D417-DDE1-82FE-67BB0B605C76}"/>
               </a:ext>
             </a:extLst>
           </p:cNvPr>
@@ -21540,21 +22123,21 @@
                 <a:gridCol w="3999345">
                   <a:extLst>
                     <a:ext uri="{9D8B030D-6E8A-4147-A177-3AD203B41FA5}">
-                      <a16:colId xmlns="" xmlns:a16="http://schemas.microsoft.com/office/drawing/2014/main" val="1478528284"/>
+                      <a16:colId xmlns:a16="http://schemas.microsoft.com/office/drawing/2014/main" val="1478528284"/>
                     </a:ext>
                   </a:extLst>
                 </a:gridCol>
                 <a:gridCol w="3868262">
                   <a:extLst>
                     <a:ext uri="{9D8B030D-6E8A-4147-A177-3AD203B41FA5}">
-                      <a16:colId xmlns="" xmlns:a16="http://schemas.microsoft.com/office/drawing/2014/main" val="3423982594"/>
+                      <a16:colId xmlns:a16="http://schemas.microsoft.com/office/drawing/2014/main" val="3423982594"/>
                     </a:ext>
                   </a:extLst>
                 </a:gridCol>
                 <a:gridCol w="4130428">
                   <a:extLst>
                     <a:ext uri="{9D8B030D-6E8A-4147-A177-3AD203B41FA5}">
-                      <a16:colId xmlns="" xmlns:a16="http://schemas.microsoft.com/office/drawing/2014/main" val="2262541887"/>
+                      <a16:colId xmlns:a16="http://schemas.microsoft.com/office/drawing/2014/main" val="2262541887"/>
                     </a:ext>
                   </a:extLst>
                 </a:gridCol>
@@ -22296,7 +22879,7 @@
                 </a:tc>
                 <a:extLst>
                   <a:ext uri="{0D108BD9-81ED-4DB2-BD59-A6C34878D82A}">
-                    <a16:rowId xmlns="" xmlns:a16="http://schemas.microsoft.com/office/drawing/2014/main" val="607781800"/>
+                    <a16:rowId xmlns:a16="http://schemas.microsoft.com/office/drawing/2014/main" val="607781800"/>
                   </a:ext>
                 </a:extLst>
               </a:tr>
@@ -22309,7 +22892,7 @@
           <p:cNvPr id="16" name="Picture 15">
             <a:extLst>
               <a:ext uri="{FF2B5EF4-FFF2-40B4-BE49-F238E27FC236}">
-                <a16:creationId xmlns="" xmlns:a16="http://schemas.microsoft.com/office/drawing/2014/main" id="{2824784F-60B8-8108-2296-8A3AD9A0A892}"/>
+                <a16:creationId xmlns:a16="http://schemas.microsoft.com/office/drawing/2014/main" id="{2824784F-60B8-8108-2296-8A3AD9A0A892}"/>
               </a:ext>
             </a:extLst>
           </p:cNvPr>
@@ -22352,7 +22935,7 @@
           <p:cNvPr id="17" name="Picture 16">
             <a:extLst>
               <a:ext uri="{FF2B5EF4-FFF2-40B4-BE49-F238E27FC236}">
-                <a16:creationId xmlns="" xmlns:a16="http://schemas.microsoft.com/office/drawing/2014/main" id="{310DFEDC-DC39-6A30-71A3-D5BE35EB45A3}"/>
+                <a16:creationId xmlns:a16="http://schemas.microsoft.com/office/drawing/2014/main" id="{310DFEDC-DC39-6A30-71A3-D5BE35EB45A3}"/>
               </a:ext>
             </a:extLst>
           </p:cNvPr>
@@ -22395,7 +22978,7 @@
           <p:cNvPr id="18" name="Picture 17">
             <a:extLst>
               <a:ext uri="{FF2B5EF4-FFF2-40B4-BE49-F238E27FC236}">
-                <a16:creationId xmlns="" xmlns:a16="http://schemas.microsoft.com/office/drawing/2014/main" id="{0DC4DAD8-D94F-F538-14E0-AE9B81B6A821}"/>
+                <a16:creationId xmlns:a16="http://schemas.microsoft.com/office/drawing/2014/main" id="{0DC4DAD8-D94F-F538-14E0-AE9B81B6A821}"/>
               </a:ext>
             </a:extLst>
           </p:cNvPr>
@@ -22438,7 +23021,7 @@
           <p:cNvPr id="19" name="Picture 18">
             <a:extLst>
               <a:ext uri="{FF2B5EF4-FFF2-40B4-BE49-F238E27FC236}">
-                <a16:creationId xmlns="" xmlns:a16="http://schemas.microsoft.com/office/drawing/2014/main" id="{EE3CFD0A-73A7-3882-0F0F-5AFD3DF8B8A1}"/>
+                <a16:creationId xmlns:a16="http://schemas.microsoft.com/office/drawing/2014/main" id="{EE3CFD0A-73A7-3882-0F0F-5AFD3DF8B8A1}"/>
               </a:ext>
             </a:extLst>
           </p:cNvPr>
@@ -22481,7 +23064,7 @@
           <p:cNvPr id="20" name="Title 1">
             <a:extLst>
               <a:ext uri="{FF2B5EF4-FFF2-40B4-BE49-F238E27FC236}">
-                <a16:creationId xmlns="" xmlns:a16="http://schemas.microsoft.com/office/drawing/2014/main" id="{C28C4876-CAFC-B67E-2F1A-C9B18E81B2F5}"/>
+                <a16:creationId xmlns:a16="http://schemas.microsoft.com/office/drawing/2014/main" id="{C28C4876-CAFC-B67E-2F1A-C9B18E81B2F5}"/>
               </a:ext>
             </a:extLst>
           </p:cNvPr>
@@ -22546,7 +23129,7 @@
           <p:cNvPr id="21" name="Title 1">
             <a:extLst>
               <a:ext uri="{FF2B5EF4-FFF2-40B4-BE49-F238E27FC236}">
-                <a16:creationId xmlns="" xmlns:a16="http://schemas.microsoft.com/office/drawing/2014/main" id="{0FBED09A-139A-ED6D-39A8-C7022607782C}"/>
+                <a16:creationId xmlns:a16="http://schemas.microsoft.com/office/drawing/2014/main" id="{0FBED09A-139A-ED6D-39A8-C7022607782C}"/>
               </a:ext>
             </a:extLst>
           </p:cNvPr>
@@ -22611,7 +23194,7 @@
           <p:cNvPr id="22" name="Title 1">
             <a:extLst>
               <a:ext uri="{FF2B5EF4-FFF2-40B4-BE49-F238E27FC236}">
-                <a16:creationId xmlns="" xmlns:a16="http://schemas.microsoft.com/office/drawing/2014/main" id="{678DDE49-8CD0-B734-DF46-38B0B261B694}"/>
+                <a16:creationId xmlns:a16="http://schemas.microsoft.com/office/drawing/2014/main" id="{678DDE49-8CD0-B734-DF46-38B0B261B694}"/>
               </a:ext>
             </a:extLst>
           </p:cNvPr>
@@ -22676,7 +23259,7 @@
           <p:cNvPr id="23" name="Title 1">
             <a:extLst>
               <a:ext uri="{FF2B5EF4-FFF2-40B4-BE49-F238E27FC236}">
-                <a16:creationId xmlns="" xmlns:a16="http://schemas.microsoft.com/office/drawing/2014/main" id="{BB5EE582-AC68-1A0D-8C02-9AE38207340F}"/>
+                <a16:creationId xmlns:a16="http://schemas.microsoft.com/office/drawing/2014/main" id="{BB5EE582-AC68-1A0D-8C02-9AE38207340F}"/>
               </a:ext>
             </a:extLst>
           </p:cNvPr>
@@ -22741,7 +23324,7 @@
           <p:cNvPr id="24" name="Title 1">
             <a:extLst>
               <a:ext uri="{FF2B5EF4-FFF2-40B4-BE49-F238E27FC236}">
-                <a16:creationId xmlns="" xmlns:a16="http://schemas.microsoft.com/office/drawing/2014/main" id="{E0FD9951-58F4-F710-A49A-E654180DA4FE}"/>
+                <a16:creationId xmlns:a16="http://schemas.microsoft.com/office/drawing/2014/main" id="{E0FD9951-58F4-F710-A49A-E654180DA4FE}"/>
               </a:ext>
             </a:extLst>
           </p:cNvPr>

--- a/Automatic Image Captioning_v3.pptx
+++ b/Automatic Image Captioning_v3.pptx
@@ -133,7 +133,7 @@
 </file>
 
 <file path=ppt/charts/chart1.xml><?xml version="1.0" encoding="utf-8"?>
-<c:chartSpace xmlns:c="http://schemas.openxmlformats.org/drawingml/2006/chart" xmlns:a="http://schemas.openxmlformats.org/drawingml/2006/main" xmlns:r="http://schemas.openxmlformats.org/officeDocument/2006/relationships" xmlns:c16r2="http://schemas.microsoft.com/office/drawing/2015/06/chart">
+<c:chartSpace xmlns:c="http://schemas.openxmlformats.org/drawingml/2006/chart" xmlns:a="http://schemas.openxmlformats.org/drawingml/2006/main" xmlns:r="http://schemas.openxmlformats.org/officeDocument/2006/relationships">
   <c:date1904 val="0"/>
   <c:lang val="en-US"/>
   <c:roundedCorners val="0"/>
@@ -171,6 +171,7 @@
           </a:p>
         </c:rich>
       </c:tx>
+      <c:layout/>
       <c:overlay val="0"/>
       <c:spPr>
         <a:noFill/>
@@ -271,7 +272,7 @@
               </c:numCache>
             </c:numRef>
           </c:val>
-          <c:extLst>
+          <c:extLst xmlns:c16r2="http://schemas.microsoft.com/office/drawing/2015/06/chart">
             <c:ext xmlns:c16="http://schemas.microsoft.com/office/drawing/2014/chart" uri="{C3380CC4-5D6E-409C-BE32-E72D297353CC}">
               <c16:uniqueId val="{00000000-11D4-4B2C-A574-6180C0B99F08}"/>
             </c:ext>
@@ -342,7 +343,7 @@
               </c:numCache>
             </c:numRef>
           </c:val>
-          <c:extLst>
+          <c:extLst xmlns:c16r2="http://schemas.microsoft.com/office/drawing/2015/06/chart">
             <c:ext xmlns:c16="http://schemas.microsoft.com/office/drawing/2014/chart" uri="{C3380CC4-5D6E-409C-BE32-E72D297353CC}">
               <c16:uniqueId val="{00000001-11D4-4B2C-A574-6180C0B99F08}"/>
             </c:ext>
@@ -413,7 +414,7 @@
               </c:numCache>
             </c:numRef>
           </c:val>
-          <c:extLst>
+          <c:extLst xmlns:c16r2="http://schemas.microsoft.com/office/drawing/2015/06/chart">
             <c:ext xmlns:c16="http://schemas.microsoft.com/office/drawing/2014/chart" uri="{C3380CC4-5D6E-409C-BE32-E72D297353CC}">
               <c16:uniqueId val="{00000002-11D4-4B2C-A574-6180C0B99F08}"/>
             </c:ext>
@@ -428,11 +429,11 @@
           <c:showBubbleSize val="0"/>
         </c:dLbls>
         <c:gapWidth val="182"/>
-        <c:axId val="106836560"/>
-        <c:axId val="106831120"/>
+        <c:axId val="553275904"/>
+        <c:axId val="553281344"/>
       </c:barChart>
       <c:catAx>
-        <c:axId val="106836560"/>
+        <c:axId val="553275904"/>
         <c:scaling>
           <c:orientation val="minMax"/>
         </c:scaling>
@@ -474,7 +475,7 @@
             <a:endParaRPr lang="en-US"/>
           </a:p>
         </c:txPr>
-        <c:crossAx val="106831120"/>
+        <c:crossAx val="553281344"/>
         <c:crosses val="autoZero"/>
         <c:auto val="1"/>
         <c:lblAlgn val="ctr"/>
@@ -482,7 +483,7 @@
         <c:noMultiLvlLbl val="0"/>
       </c:catAx>
       <c:valAx>
-        <c:axId val="106831120"/>
+        <c:axId val="553281344"/>
         <c:scaling>
           <c:orientation val="minMax"/>
         </c:scaling>
@@ -532,7 +533,7 @@
             <a:endParaRPr lang="en-US"/>
           </a:p>
         </c:txPr>
-        <c:crossAx val="106836560"/>
+        <c:crossAx val="553275904"/>
         <c:crosses val="autoZero"/>
         <c:crossBetween val="between"/>
       </c:valAx>
@@ -546,6 +547,7 @@
     </c:plotArea>
     <c:legend>
       <c:legendPos val="b"/>
+      <c:layout/>
       <c:overlay val="0"/>
       <c:spPr>
         <a:noFill/>
@@ -611,7 +613,7 @@
 </file>
 
 <file path=ppt/charts/chart2.xml><?xml version="1.0" encoding="utf-8"?>
-<c:chartSpace xmlns:c="http://schemas.openxmlformats.org/drawingml/2006/chart" xmlns:a="http://schemas.openxmlformats.org/drawingml/2006/main" xmlns:r="http://schemas.openxmlformats.org/officeDocument/2006/relationships" xmlns:c16r2="http://schemas.microsoft.com/office/drawing/2015/06/chart">
+<c:chartSpace xmlns:c="http://schemas.openxmlformats.org/drawingml/2006/chart" xmlns:a="http://schemas.openxmlformats.org/drawingml/2006/main" xmlns:r="http://schemas.openxmlformats.org/officeDocument/2006/relationships">
   <c:date1904 val="0"/>
   <c:lang val="en-US"/>
   <c:roundedCorners val="0"/>
@@ -649,6 +651,7 @@
           </a:p>
         </c:rich>
       </c:tx>
+      <c:layout/>
       <c:overlay val="0"/>
       <c:spPr>
         <a:noFill/>
@@ -749,7 +752,7 @@
               </c:numCache>
             </c:numRef>
           </c:val>
-          <c:extLst>
+          <c:extLst xmlns:c16r2="http://schemas.microsoft.com/office/drawing/2015/06/chart">
             <c:ext xmlns:c16="http://schemas.microsoft.com/office/drawing/2014/chart" uri="{C3380CC4-5D6E-409C-BE32-E72D297353CC}">
               <c16:uniqueId val="{00000000-FC58-4DFA-ADBD-E4279458AAC5}"/>
             </c:ext>
@@ -820,7 +823,7 @@
               </c:numCache>
             </c:numRef>
           </c:val>
-          <c:extLst>
+          <c:extLst xmlns:c16r2="http://schemas.microsoft.com/office/drawing/2015/06/chart">
             <c:ext xmlns:c16="http://schemas.microsoft.com/office/drawing/2014/chart" uri="{C3380CC4-5D6E-409C-BE32-E72D297353CC}">
               <c16:uniqueId val="{00000001-FC58-4DFA-ADBD-E4279458AAC5}"/>
             </c:ext>
@@ -891,7 +894,7 @@
               </c:numCache>
             </c:numRef>
           </c:val>
-          <c:extLst>
+          <c:extLst xmlns:c16r2="http://schemas.microsoft.com/office/drawing/2015/06/chart">
             <c:ext xmlns:c16="http://schemas.microsoft.com/office/drawing/2014/chart" uri="{C3380CC4-5D6E-409C-BE32-E72D297353CC}">
               <c16:uniqueId val="{00000002-FC58-4DFA-ADBD-E4279458AAC5}"/>
             </c:ext>
@@ -906,11 +909,11 @@
           <c:showBubbleSize val="0"/>
         </c:dLbls>
         <c:gapWidth val="182"/>
-        <c:axId val="106842000"/>
-        <c:axId val="106836016"/>
+        <c:axId val="553278624"/>
+        <c:axId val="553281888"/>
       </c:barChart>
       <c:catAx>
-        <c:axId val="106842000"/>
+        <c:axId val="553278624"/>
         <c:scaling>
           <c:orientation val="minMax"/>
         </c:scaling>
@@ -952,7 +955,7 @@
             <a:endParaRPr lang="en-US"/>
           </a:p>
         </c:txPr>
-        <c:crossAx val="106836016"/>
+        <c:crossAx val="553281888"/>
         <c:crosses val="autoZero"/>
         <c:auto val="1"/>
         <c:lblAlgn val="ctr"/>
@@ -960,7 +963,7 @@
         <c:noMultiLvlLbl val="0"/>
       </c:catAx>
       <c:valAx>
-        <c:axId val="106836016"/>
+        <c:axId val="553281888"/>
         <c:scaling>
           <c:orientation val="minMax"/>
         </c:scaling>
@@ -1010,7 +1013,7 @@
             <a:endParaRPr lang="en-US"/>
           </a:p>
         </c:txPr>
-        <c:crossAx val="106842000"/>
+        <c:crossAx val="553278624"/>
         <c:crosses val="autoZero"/>
         <c:crossBetween val="between"/>
       </c:valAx>
@@ -1024,6 +1027,7 @@
     </c:plotArea>
     <c:legend>
       <c:legendPos val="b"/>
+      <c:layout/>
       <c:overlay val="0"/>
       <c:spPr>
         <a:noFill/>
@@ -1089,7 +1093,7 @@
 </file>
 
 <file path=ppt/charts/chart3.xml><?xml version="1.0" encoding="utf-8"?>
-<c:chartSpace xmlns:c="http://schemas.openxmlformats.org/drawingml/2006/chart" xmlns:a="http://schemas.openxmlformats.org/drawingml/2006/main" xmlns:r="http://schemas.openxmlformats.org/officeDocument/2006/relationships" xmlns:c16r2="http://schemas.microsoft.com/office/drawing/2015/06/chart">
+<c:chartSpace xmlns:c="http://schemas.openxmlformats.org/drawingml/2006/chart" xmlns:a="http://schemas.openxmlformats.org/drawingml/2006/main" xmlns:r="http://schemas.openxmlformats.org/officeDocument/2006/relationships">
   <c:date1904 val="0"/>
   <c:lang val="en-US"/>
   <c:roundedCorners val="0"/>
@@ -1235,7 +1239,7 @@
               </c:numCache>
             </c:numRef>
           </c:val>
-          <c:extLst>
+          <c:extLst xmlns:c16r2="http://schemas.microsoft.com/office/drawing/2015/06/chart">
             <c:ext xmlns:c16="http://schemas.microsoft.com/office/drawing/2014/chart" uri="{C3380CC4-5D6E-409C-BE32-E72D297353CC}">
               <c16:uniqueId val="{00000000-EAA3-47F4-B17A-1D63B225CEFA}"/>
             </c:ext>
@@ -1306,7 +1310,7 @@
               </c:numCache>
             </c:numRef>
           </c:val>
-          <c:extLst>
+          <c:extLst xmlns:c16r2="http://schemas.microsoft.com/office/drawing/2015/06/chart">
             <c:ext xmlns:c16="http://schemas.microsoft.com/office/drawing/2014/chart" uri="{C3380CC4-5D6E-409C-BE32-E72D297353CC}">
               <c16:uniqueId val="{00000001-EAA3-47F4-B17A-1D63B225CEFA}"/>
             </c:ext>
@@ -1377,7 +1381,7 @@
               </c:numCache>
             </c:numRef>
           </c:val>
-          <c:extLst>
+          <c:extLst xmlns:c16r2="http://schemas.microsoft.com/office/drawing/2015/06/chart">
             <c:ext xmlns:c16="http://schemas.microsoft.com/office/drawing/2014/chart" uri="{C3380CC4-5D6E-409C-BE32-E72D297353CC}">
               <c16:uniqueId val="{00000002-EAA3-47F4-B17A-1D63B225CEFA}"/>
             </c:ext>
@@ -1392,11 +1396,11 @@
           <c:showBubbleSize val="0"/>
         </c:dLbls>
         <c:gapWidth val="182"/>
-        <c:axId val="106842544"/>
-        <c:axId val="106830576"/>
+        <c:axId val="553280256"/>
+        <c:axId val="553276992"/>
       </c:barChart>
       <c:catAx>
-        <c:axId val="106842544"/>
+        <c:axId val="553280256"/>
         <c:scaling>
           <c:orientation val="minMax"/>
         </c:scaling>
@@ -1438,7 +1442,7 @@
             <a:endParaRPr lang="en-US"/>
           </a:p>
         </c:txPr>
-        <c:crossAx val="106830576"/>
+        <c:crossAx val="553276992"/>
         <c:crosses val="autoZero"/>
         <c:auto val="1"/>
         <c:lblAlgn val="ctr"/>
@@ -1446,7 +1450,7 @@
         <c:noMultiLvlLbl val="0"/>
       </c:catAx>
       <c:valAx>
-        <c:axId val="106830576"/>
+        <c:axId val="553276992"/>
         <c:scaling>
           <c:orientation val="minMax"/>
         </c:scaling>
@@ -1496,7 +1500,7 @@
             <a:endParaRPr lang="en-US"/>
           </a:p>
         </c:txPr>
-        <c:crossAx val="106842544"/>
+        <c:crossAx val="553280256"/>
         <c:crosses val="autoZero"/>
         <c:crossBetween val="between"/>
       </c:valAx>
@@ -1510,6 +1514,7 @@
     </c:plotArea>
     <c:legend>
       <c:legendPos val="b"/>
+      <c:layout/>
       <c:overlay val="0"/>
       <c:spPr>
         <a:noFill/>
@@ -1575,7 +1580,7 @@
 </file>
 
 <file path=ppt/charts/chart4.xml><?xml version="1.0" encoding="utf-8"?>
-<c:chartSpace xmlns:c="http://schemas.openxmlformats.org/drawingml/2006/chart" xmlns:a="http://schemas.openxmlformats.org/drawingml/2006/main" xmlns:r="http://schemas.openxmlformats.org/officeDocument/2006/relationships" xmlns:c16r2="http://schemas.microsoft.com/office/drawing/2015/06/chart">
+<c:chartSpace xmlns:c="http://schemas.openxmlformats.org/drawingml/2006/chart" xmlns:a="http://schemas.openxmlformats.org/drawingml/2006/main" xmlns:r="http://schemas.openxmlformats.org/officeDocument/2006/relationships">
   <c:date1904 val="0"/>
   <c:lang val="en-US"/>
   <c:roundedCorners val="0"/>
@@ -1629,6 +1634,7 @@
           </a:p>
         </c:rich>
       </c:tx>
+      <c:layout/>
       <c:overlay val="0"/>
       <c:spPr>
         <a:noFill/>
@@ -1736,7 +1742,7 @@
               </c:numCache>
             </c:numRef>
           </c:val>
-          <c:extLst>
+          <c:extLst xmlns:c16r2="http://schemas.microsoft.com/office/drawing/2015/06/chart">
             <c:ext xmlns:c16="http://schemas.microsoft.com/office/drawing/2014/chart" uri="{C3380CC4-5D6E-409C-BE32-E72D297353CC}">
               <c16:uniqueId val="{00000000-2EBC-4B81-A084-73CD15C79965}"/>
             </c:ext>
@@ -1807,7 +1813,7 @@
               </c:numCache>
             </c:numRef>
           </c:val>
-          <c:extLst>
+          <c:extLst xmlns:c16r2="http://schemas.microsoft.com/office/drawing/2015/06/chart">
             <c:ext xmlns:c16="http://schemas.microsoft.com/office/drawing/2014/chart" uri="{C3380CC4-5D6E-409C-BE32-E72D297353CC}">
               <c16:uniqueId val="{00000001-2EBC-4B81-A084-73CD15C79965}"/>
             </c:ext>
@@ -1878,7 +1884,7 @@
               </c:numCache>
             </c:numRef>
           </c:val>
-          <c:extLst>
+          <c:extLst xmlns:c16r2="http://schemas.microsoft.com/office/drawing/2015/06/chart">
             <c:ext xmlns:c16="http://schemas.microsoft.com/office/drawing/2014/chart" uri="{C3380CC4-5D6E-409C-BE32-E72D297353CC}">
               <c16:uniqueId val="{00000002-2EBC-4B81-A084-73CD15C79965}"/>
             </c:ext>
@@ -1893,11 +1899,11 @@
           <c:showBubbleSize val="0"/>
         </c:dLbls>
         <c:gapWidth val="182"/>
-        <c:axId val="106832752"/>
-        <c:axId val="106834928"/>
+        <c:axId val="553277536"/>
+        <c:axId val="553279168"/>
       </c:barChart>
       <c:catAx>
-        <c:axId val="106832752"/>
+        <c:axId val="553277536"/>
         <c:scaling>
           <c:orientation val="minMax"/>
         </c:scaling>
@@ -1939,7 +1945,7 @@
             <a:endParaRPr lang="en-US"/>
           </a:p>
         </c:txPr>
-        <c:crossAx val="106834928"/>
+        <c:crossAx val="553279168"/>
         <c:crosses val="autoZero"/>
         <c:auto val="1"/>
         <c:lblAlgn val="ctr"/>
@@ -1947,7 +1953,7 @@
         <c:noMultiLvlLbl val="0"/>
       </c:catAx>
       <c:valAx>
-        <c:axId val="106834928"/>
+        <c:axId val="553279168"/>
         <c:scaling>
           <c:orientation val="minMax"/>
         </c:scaling>
@@ -1998,7 +2004,7 @@
             <a:endParaRPr lang="en-US"/>
           </a:p>
         </c:txPr>
-        <c:crossAx val="106832752"/>
+        <c:crossAx val="553277536"/>
         <c:crosses val="autoZero"/>
         <c:crossBetween val="between"/>
       </c:valAx>
@@ -2012,6 +2018,7 @@
     </c:plotArea>
     <c:legend>
       <c:legendPos val="b"/>
+      <c:layout/>
       <c:overlay val="0"/>
       <c:spPr>
         <a:noFill/>
@@ -11831,7 +11838,7 @@
           <p:cNvPr id="2" name="Title 1">
             <a:extLst>
               <a:ext uri="{FF2B5EF4-FFF2-40B4-BE49-F238E27FC236}">
-                <a16:creationId xmlns:a16="http://schemas.microsoft.com/office/drawing/2014/main" id="{1E4DADB1-9473-823C-366F-860D53BE1D64}"/>
+                <a16:creationId xmlns:a16="http://schemas.microsoft.com/office/drawing/2014/main" xmlns="" id="{1E4DADB1-9473-823C-366F-860D53BE1D64}"/>
               </a:ext>
             </a:extLst>
           </p:cNvPr>
@@ -11902,7 +11909,7 @@
           <p:cNvPr id="3" name="Content Placeholder 2">
             <a:extLst>
               <a:ext uri="{FF2B5EF4-FFF2-40B4-BE49-F238E27FC236}">
-                <a16:creationId xmlns:a16="http://schemas.microsoft.com/office/drawing/2014/main" id="{8214A746-69E6-6923-5362-4FEF635E05C8}"/>
+                <a16:creationId xmlns:a16="http://schemas.microsoft.com/office/drawing/2014/main" xmlns="" id="{8214A746-69E6-6923-5362-4FEF635E05C8}"/>
               </a:ext>
             </a:extLst>
           </p:cNvPr>
@@ -12252,7 +12259,7 @@
           <p:cNvPr id="7" name="TextBox 6">
             <a:extLst>
               <a:ext uri="{FF2B5EF4-FFF2-40B4-BE49-F238E27FC236}">
-                <a16:creationId xmlns:a16="http://schemas.microsoft.com/office/drawing/2014/main" id="{D88F0BA7-7B30-0EEE-A379-03D27CD5CBB1}"/>
+                <a16:creationId xmlns:a16="http://schemas.microsoft.com/office/drawing/2014/main" xmlns="" id="{D88F0BA7-7B30-0EEE-A379-03D27CD5CBB1}"/>
               </a:ext>
             </a:extLst>
           </p:cNvPr>
@@ -12343,7 +12350,7 @@
           <p:cNvPr id="8" name="TextBox 7">
             <a:extLst>
               <a:ext uri="{FF2B5EF4-FFF2-40B4-BE49-F238E27FC236}">
-                <a16:creationId xmlns:a16="http://schemas.microsoft.com/office/drawing/2014/main" id="{D88F0BA7-7B30-0EEE-A379-03D27CD5CBB1}"/>
+                <a16:creationId xmlns:a16="http://schemas.microsoft.com/office/drawing/2014/main" xmlns="" id="{D88F0BA7-7B30-0EEE-A379-03D27CD5CBB1}"/>
               </a:ext>
             </a:extLst>
           </p:cNvPr>
@@ -12422,7 +12429,7 @@
           <p:cNvPr id="11" name="Picture 10">
             <a:extLst>
               <a:ext uri="{FF2B5EF4-FFF2-40B4-BE49-F238E27FC236}">
-                <a16:creationId xmlns:a16="http://schemas.microsoft.com/office/drawing/2014/main" id="{9F7E2828-65A4-1269-68E8-74240671ADB8}"/>
+                <a16:creationId xmlns:a16="http://schemas.microsoft.com/office/drawing/2014/main" xmlns="" id="{9F7E2828-65A4-1269-68E8-74240671ADB8}"/>
               </a:ext>
             </a:extLst>
           </p:cNvPr>
@@ -12465,7 +12472,7 @@
           <p:cNvPr id="13" name="Title 1">
             <a:extLst>
               <a:ext uri="{FF2B5EF4-FFF2-40B4-BE49-F238E27FC236}">
-                <a16:creationId xmlns:a16="http://schemas.microsoft.com/office/drawing/2014/main" id="{D4435A3B-E115-996E-B259-7F3C49373A60}"/>
+                <a16:creationId xmlns:a16="http://schemas.microsoft.com/office/drawing/2014/main" xmlns="" id="{D4435A3B-E115-996E-B259-7F3C49373A60}"/>
               </a:ext>
             </a:extLst>
           </p:cNvPr>
@@ -12581,7 +12588,7 @@
           <p:cNvPr id="3" name="TextBox 2">
             <a:extLst>
               <a:ext uri="{FF2B5EF4-FFF2-40B4-BE49-F238E27FC236}">
-                <a16:creationId xmlns:a16="http://schemas.microsoft.com/office/drawing/2014/main" id="{08349145-7051-29A8-0A75-214BB2D3E2B4}"/>
+                <a16:creationId xmlns:a16="http://schemas.microsoft.com/office/drawing/2014/main" xmlns="" id="{08349145-7051-29A8-0A75-214BB2D3E2B4}"/>
               </a:ext>
             </a:extLst>
           </p:cNvPr>
@@ -12623,7 +12630,7 @@
           <p:cNvPr id="4" name="TextBox 3">
             <a:extLst>
               <a:ext uri="{FF2B5EF4-FFF2-40B4-BE49-F238E27FC236}">
-                <a16:creationId xmlns:a16="http://schemas.microsoft.com/office/drawing/2014/main" id="{E4422D6A-A063-B376-C637-4548A5062AA4}"/>
+                <a16:creationId xmlns:a16="http://schemas.microsoft.com/office/drawing/2014/main" xmlns="" id="{E4422D6A-A063-B376-C637-4548A5062AA4}"/>
               </a:ext>
             </a:extLst>
           </p:cNvPr>
@@ -12702,7 +12709,7 @@
           <p:cNvPr id="2" name="Title 1">
             <a:extLst>
               <a:ext uri="{FF2B5EF4-FFF2-40B4-BE49-F238E27FC236}">
-                <a16:creationId xmlns:a16="http://schemas.microsoft.com/office/drawing/2014/main" id="{1CCFE0DD-504B-9956-73D2-AE8E22F42BBA}"/>
+                <a16:creationId xmlns:a16="http://schemas.microsoft.com/office/drawing/2014/main" xmlns="" id="{1CCFE0DD-504B-9956-73D2-AE8E22F42BBA}"/>
               </a:ext>
             </a:extLst>
           </p:cNvPr>
@@ -12743,7 +12750,7 @@
           <p:cNvPr id="3" name="Subtitle 2">
             <a:extLst>
               <a:ext uri="{FF2B5EF4-FFF2-40B4-BE49-F238E27FC236}">
-                <a16:creationId xmlns:a16="http://schemas.microsoft.com/office/drawing/2014/main" id="{B7B0CC6B-EACB-C870-0DE4-529B7E18CFBB}"/>
+                <a16:creationId xmlns:a16="http://schemas.microsoft.com/office/drawing/2014/main" xmlns="" id="{B7B0CC6B-EACB-C870-0DE4-529B7E18CFBB}"/>
               </a:ext>
             </a:extLst>
           </p:cNvPr>
@@ -12824,7 +12831,7 @@
           <p:cNvPr id="2" name="Table 1">
             <a:extLst>
               <a:ext uri="{FF2B5EF4-FFF2-40B4-BE49-F238E27FC236}">
-                <a16:creationId xmlns:a16="http://schemas.microsoft.com/office/drawing/2014/main" id="{67853703-313B-CC92-C869-2563E123A89B}"/>
+                <a16:creationId xmlns:a16="http://schemas.microsoft.com/office/drawing/2014/main" xmlns="" id="{67853703-313B-CC92-C869-2563E123A89B}"/>
               </a:ext>
             </a:extLst>
           </p:cNvPr>
@@ -12853,21 +12860,21 @@
                 <a:gridCol w="3999345">
                   <a:extLst>
                     <a:ext uri="{9D8B030D-6E8A-4147-A177-3AD203B41FA5}">
-                      <a16:colId xmlns:a16="http://schemas.microsoft.com/office/drawing/2014/main" val="1478528284"/>
+                      <a16:colId xmlns:a16="http://schemas.microsoft.com/office/drawing/2014/main" xmlns="" val="1478528284"/>
                     </a:ext>
                   </a:extLst>
                 </a:gridCol>
                 <a:gridCol w="3868262">
                   <a:extLst>
                     <a:ext uri="{9D8B030D-6E8A-4147-A177-3AD203B41FA5}">
-                      <a16:colId xmlns:a16="http://schemas.microsoft.com/office/drawing/2014/main" val="3423982594"/>
+                      <a16:colId xmlns:a16="http://schemas.microsoft.com/office/drawing/2014/main" xmlns="" val="3423982594"/>
                     </a:ext>
                   </a:extLst>
                 </a:gridCol>
                 <a:gridCol w="4130428">
                   <a:extLst>
                     <a:ext uri="{9D8B030D-6E8A-4147-A177-3AD203B41FA5}">
-                      <a16:colId xmlns:a16="http://schemas.microsoft.com/office/drawing/2014/main" val="2262541887"/>
+                      <a16:colId xmlns:a16="http://schemas.microsoft.com/office/drawing/2014/main" xmlns="" val="2262541887"/>
                     </a:ext>
                   </a:extLst>
                 </a:gridCol>
@@ -13578,7 +13585,7 @@
                 </a:tc>
                 <a:extLst>
                   <a:ext uri="{0D108BD9-81ED-4DB2-BD59-A6C34878D82A}">
-                    <a16:rowId xmlns:a16="http://schemas.microsoft.com/office/drawing/2014/main" val="607781800"/>
+                    <a16:rowId xmlns:a16="http://schemas.microsoft.com/office/drawing/2014/main" xmlns="" val="607781800"/>
                   </a:ext>
                 </a:extLst>
               </a:tr>
@@ -13591,7 +13598,7 @@
           <p:cNvPr id="7" name="Title 1">
             <a:extLst>
               <a:ext uri="{FF2B5EF4-FFF2-40B4-BE49-F238E27FC236}">
-                <a16:creationId xmlns:a16="http://schemas.microsoft.com/office/drawing/2014/main" id="{885ABC7C-0460-3360-615A-EDDF492749A6}"/>
+                <a16:creationId xmlns:a16="http://schemas.microsoft.com/office/drawing/2014/main" xmlns="" id="{885ABC7C-0460-3360-615A-EDDF492749A6}"/>
               </a:ext>
             </a:extLst>
           </p:cNvPr>
@@ -13656,7 +13663,7 @@
           <p:cNvPr id="8" name="Title 1">
             <a:extLst>
               <a:ext uri="{FF2B5EF4-FFF2-40B4-BE49-F238E27FC236}">
-                <a16:creationId xmlns:a16="http://schemas.microsoft.com/office/drawing/2014/main" id="{1F6DABF6-CE26-807D-DBD9-B8DFC146D632}"/>
+                <a16:creationId xmlns:a16="http://schemas.microsoft.com/office/drawing/2014/main" xmlns="" id="{1F6DABF6-CE26-807D-DBD9-B8DFC146D632}"/>
               </a:ext>
             </a:extLst>
           </p:cNvPr>
@@ -13721,7 +13728,7 @@
           <p:cNvPr id="9" name="Title 1">
             <a:extLst>
               <a:ext uri="{FF2B5EF4-FFF2-40B4-BE49-F238E27FC236}">
-                <a16:creationId xmlns:a16="http://schemas.microsoft.com/office/drawing/2014/main" id="{FD346D38-EDFD-9CB1-EA45-355625792E4B}"/>
+                <a16:creationId xmlns:a16="http://schemas.microsoft.com/office/drawing/2014/main" xmlns="" id="{FD346D38-EDFD-9CB1-EA45-355625792E4B}"/>
               </a:ext>
             </a:extLst>
           </p:cNvPr>
@@ -13786,7 +13793,7 @@
           <p:cNvPr id="10" name="Title 1">
             <a:extLst>
               <a:ext uri="{FF2B5EF4-FFF2-40B4-BE49-F238E27FC236}">
-                <a16:creationId xmlns:a16="http://schemas.microsoft.com/office/drawing/2014/main" id="{524BD7F0-A9B5-6B61-A6C8-14E617AC3BB0}"/>
+                <a16:creationId xmlns:a16="http://schemas.microsoft.com/office/drawing/2014/main" xmlns="" id="{524BD7F0-A9B5-6B61-A6C8-14E617AC3BB0}"/>
               </a:ext>
             </a:extLst>
           </p:cNvPr>
@@ -13851,7 +13858,7 @@
           <p:cNvPr id="11" name="Title 1">
             <a:extLst>
               <a:ext uri="{FF2B5EF4-FFF2-40B4-BE49-F238E27FC236}">
-                <a16:creationId xmlns:a16="http://schemas.microsoft.com/office/drawing/2014/main" id="{7AFE8C67-E924-BF79-CE89-7A559CC8D4B9}"/>
+                <a16:creationId xmlns:a16="http://schemas.microsoft.com/office/drawing/2014/main" xmlns="" id="{7AFE8C67-E924-BF79-CE89-7A559CC8D4B9}"/>
               </a:ext>
             </a:extLst>
           </p:cNvPr>
@@ -13967,7 +13974,7 @@
           <p:cNvPr id="12" name="Picture 11">
             <a:extLst>
               <a:ext uri="{FF2B5EF4-FFF2-40B4-BE49-F238E27FC236}">
-                <a16:creationId xmlns:a16="http://schemas.microsoft.com/office/drawing/2014/main" id="{3AF672EF-53CB-C070-C03F-D449C0994BD8}"/>
+                <a16:creationId xmlns:a16="http://schemas.microsoft.com/office/drawing/2014/main" xmlns="" id="{3AF672EF-53CB-C070-C03F-D449C0994BD8}"/>
               </a:ext>
             </a:extLst>
           </p:cNvPr>
@@ -14010,7 +14017,7 @@
           <p:cNvPr id="13" name="Picture 12">
             <a:extLst>
               <a:ext uri="{FF2B5EF4-FFF2-40B4-BE49-F238E27FC236}">
-                <a16:creationId xmlns:a16="http://schemas.microsoft.com/office/drawing/2014/main" id="{01DBA5A6-55E0-D975-B0DB-BDE26839F70A}"/>
+                <a16:creationId xmlns:a16="http://schemas.microsoft.com/office/drawing/2014/main" xmlns="" id="{01DBA5A6-55E0-D975-B0DB-BDE26839F70A}"/>
               </a:ext>
             </a:extLst>
           </p:cNvPr>
@@ -14053,7 +14060,7 @@
           <p:cNvPr id="14" name="Picture 13">
             <a:extLst>
               <a:ext uri="{FF2B5EF4-FFF2-40B4-BE49-F238E27FC236}">
-                <a16:creationId xmlns:a16="http://schemas.microsoft.com/office/drawing/2014/main" id="{7E0B2E39-6C08-6CA2-2E7E-09EE4F62A3CF}"/>
+                <a16:creationId xmlns:a16="http://schemas.microsoft.com/office/drawing/2014/main" xmlns="" id="{7E0B2E39-6C08-6CA2-2E7E-09EE4F62A3CF}"/>
               </a:ext>
             </a:extLst>
           </p:cNvPr>
@@ -14096,7 +14103,7 @@
           <p:cNvPr id="15" name="Picture 14">
             <a:extLst>
               <a:ext uri="{FF2B5EF4-FFF2-40B4-BE49-F238E27FC236}">
-                <a16:creationId xmlns:a16="http://schemas.microsoft.com/office/drawing/2014/main" id="{49C4E92D-7AE8-4B45-694B-4B88D87A174F}"/>
+                <a16:creationId xmlns:a16="http://schemas.microsoft.com/office/drawing/2014/main" xmlns="" id="{49C4E92D-7AE8-4B45-694B-4B88D87A174F}"/>
               </a:ext>
             </a:extLst>
           </p:cNvPr>
@@ -14176,7 +14183,7 @@
           <p:cNvPr id="7" name="TextBox 6">
             <a:extLst>
               <a:ext uri="{FF2B5EF4-FFF2-40B4-BE49-F238E27FC236}">
-                <a16:creationId xmlns:a16="http://schemas.microsoft.com/office/drawing/2014/main" id="{D88F0BA7-7B30-0EEE-A379-03D27CD5CBB1}"/>
+                <a16:creationId xmlns:a16="http://schemas.microsoft.com/office/drawing/2014/main" xmlns="" id="{D88F0BA7-7B30-0EEE-A379-03D27CD5CBB1}"/>
               </a:ext>
             </a:extLst>
           </p:cNvPr>
@@ -14267,7 +14274,7 @@
           <p:cNvPr id="8" name="TextBox 7">
             <a:extLst>
               <a:ext uri="{FF2B5EF4-FFF2-40B4-BE49-F238E27FC236}">
-                <a16:creationId xmlns:a16="http://schemas.microsoft.com/office/drawing/2014/main" id="{D88F0BA7-7B30-0EEE-A379-03D27CD5CBB1}"/>
+                <a16:creationId xmlns:a16="http://schemas.microsoft.com/office/drawing/2014/main" xmlns="" id="{D88F0BA7-7B30-0EEE-A379-03D27CD5CBB1}"/>
               </a:ext>
             </a:extLst>
           </p:cNvPr>
@@ -14309,7 +14316,7 @@
           <p:cNvPr id="4" name="Picture 3">
             <a:extLst>
               <a:ext uri="{FF2B5EF4-FFF2-40B4-BE49-F238E27FC236}">
-                <a16:creationId xmlns:a16="http://schemas.microsoft.com/office/drawing/2014/main" id="{4BD003B3-49C1-25F3-4583-7EE521FB2B45}"/>
+                <a16:creationId xmlns:a16="http://schemas.microsoft.com/office/drawing/2014/main" xmlns="" id="{4BD003B3-49C1-25F3-4583-7EE521FB2B45}"/>
               </a:ext>
             </a:extLst>
           </p:cNvPr>
@@ -14352,7 +14359,7 @@
           <p:cNvPr id="10" name="Picture 9">
             <a:extLst>
               <a:ext uri="{FF2B5EF4-FFF2-40B4-BE49-F238E27FC236}">
-                <a16:creationId xmlns:a16="http://schemas.microsoft.com/office/drawing/2014/main" id="{39E48BF7-818F-0A58-475A-352BDC15D327}"/>
+                <a16:creationId xmlns:a16="http://schemas.microsoft.com/office/drawing/2014/main" xmlns="" id="{39E48BF7-818F-0A58-475A-352BDC15D327}"/>
               </a:ext>
             </a:extLst>
           </p:cNvPr>
@@ -14395,7 +14402,7 @@
           <p:cNvPr id="11" name="Title 1">
             <a:extLst>
               <a:ext uri="{FF2B5EF4-FFF2-40B4-BE49-F238E27FC236}">
-                <a16:creationId xmlns:a16="http://schemas.microsoft.com/office/drawing/2014/main" id="{7EE8AF80-0205-AAA2-9FFC-BDF1D503333F}"/>
+                <a16:creationId xmlns:a16="http://schemas.microsoft.com/office/drawing/2014/main" xmlns="" id="{7EE8AF80-0205-AAA2-9FFC-BDF1D503333F}"/>
               </a:ext>
             </a:extLst>
           </p:cNvPr>
@@ -14511,7 +14518,7 @@
           <p:cNvPr id="2" name="TextBox 1">
             <a:extLst>
               <a:ext uri="{FF2B5EF4-FFF2-40B4-BE49-F238E27FC236}">
-                <a16:creationId xmlns:a16="http://schemas.microsoft.com/office/drawing/2014/main" id="{188752EE-273A-1572-9D42-52C676EE19E9}"/>
+                <a16:creationId xmlns:a16="http://schemas.microsoft.com/office/drawing/2014/main" xmlns="" id="{188752EE-273A-1572-9D42-52C676EE19E9}"/>
               </a:ext>
             </a:extLst>
           </p:cNvPr>
@@ -14553,7 +14560,7 @@
           <p:cNvPr id="3" name="TextBox 2">
             <a:extLst>
               <a:ext uri="{FF2B5EF4-FFF2-40B4-BE49-F238E27FC236}">
-                <a16:creationId xmlns:a16="http://schemas.microsoft.com/office/drawing/2014/main" id="{DA863497-F97C-4557-3F93-B3F9892C96C0}"/>
+                <a16:creationId xmlns:a16="http://schemas.microsoft.com/office/drawing/2014/main" xmlns="" id="{DA863497-F97C-4557-3F93-B3F9892C96C0}"/>
               </a:ext>
             </a:extLst>
           </p:cNvPr>
@@ -14632,7 +14639,7 @@
           <p:cNvPr id="2" name="Title 1">
             <a:extLst>
               <a:ext uri="{FF2B5EF4-FFF2-40B4-BE49-F238E27FC236}">
-                <a16:creationId xmlns:a16="http://schemas.microsoft.com/office/drawing/2014/main" id="{C6B1C7A4-D918-EF61-FF3D-D4994F68D94F}"/>
+                <a16:creationId xmlns:a16="http://schemas.microsoft.com/office/drawing/2014/main" xmlns="" id="{C6B1C7A4-D918-EF61-FF3D-D4994F68D94F}"/>
               </a:ext>
             </a:extLst>
           </p:cNvPr>
@@ -14673,7 +14680,7 @@
           <p:cNvPr id="3" name="Subtitle 2">
             <a:extLst>
               <a:ext uri="{FF2B5EF4-FFF2-40B4-BE49-F238E27FC236}">
-                <a16:creationId xmlns:a16="http://schemas.microsoft.com/office/drawing/2014/main" id="{9A3D0BCF-92E4-62CD-4316-DD61915980BD}"/>
+                <a16:creationId xmlns:a16="http://schemas.microsoft.com/office/drawing/2014/main" xmlns="" id="{9A3D0BCF-92E4-62CD-4316-DD61915980BD}"/>
               </a:ext>
             </a:extLst>
           </p:cNvPr>
@@ -14751,7 +14758,7 @@
           <p:cNvPr id="2" name="Table 1">
             <a:extLst>
               <a:ext uri="{FF2B5EF4-FFF2-40B4-BE49-F238E27FC236}">
-                <a16:creationId xmlns:a16="http://schemas.microsoft.com/office/drawing/2014/main" id="{C82D2A65-4C58-2152-4EE6-67431DEBD2DB}"/>
+                <a16:creationId xmlns:a16="http://schemas.microsoft.com/office/drawing/2014/main" xmlns="" id="{C82D2A65-4C58-2152-4EE6-67431DEBD2DB}"/>
               </a:ext>
             </a:extLst>
           </p:cNvPr>
@@ -14780,21 +14787,21 @@
                 <a:gridCol w="3999345">
                   <a:extLst>
                     <a:ext uri="{9D8B030D-6E8A-4147-A177-3AD203B41FA5}">
-                      <a16:colId xmlns:a16="http://schemas.microsoft.com/office/drawing/2014/main" val="1478528284"/>
+                      <a16:colId xmlns:a16="http://schemas.microsoft.com/office/drawing/2014/main" xmlns="" val="1478528284"/>
                     </a:ext>
                   </a:extLst>
                 </a:gridCol>
                 <a:gridCol w="3868262">
                   <a:extLst>
                     <a:ext uri="{9D8B030D-6E8A-4147-A177-3AD203B41FA5}">
-                      <a16:colId xmlns:a16="http://schemas.microsoft.com/office/drawing/2014/main" val="3423982594"/>
+                      <a16:colId xmlns:a16="http://schemas.microsoft.com/office/drawing/2014/main" xmlns="" val="3423982594"/>
                     </a:ext>
                   </a:extLst>
                 </a:gridCol>
                 <a:gridCol w="4130428">
                   <a:extLst>
                     <a:ext uri="{9D8B030D-6E8A-4147-A177-3AD203B41FA5}">
-                      <a16:colId xmlns:a16="http://schemas.microsoft.com/office/drawing/2014/main" val="2262541887"/>
+                      <a16:colId xmlns:a16="http://schemas.microsoft.com/office/drawing/2014/main" xmlns="" val="2262541887"/>
                     </a:ext>
                   </a:extLst>
                 </a:gridCol>
@@ -15543,7 +15550,7 @@
                 </a:tc>
                 <a:extLst>
                   <a:ext uri="{0D108BD9-81ED-4DB2-BD59-A6C34878D82A}">
-                    <a16:rowId xmlns:a16="http://schemas.microsoft.com/office/drawing/2014/main" val="607781800"/>
+                    <a16:rowId xmlns:a16="http://schemas.microsoft.com/office/drawing/2014/main" xmlns="" val="607781800"/>
                   </a:ext>
                 </a:extLst>
               </a:tr>
@@ -15556,7 +15563,7 @@
           <p:cNvPr id="3" name="Title 1">
             <a:extLst>
               <a:ext uri="{FF2B5EF4-FFF2-40B4-BE49-F238E27FC236}">
-                <a16:creationId xmlns:a16="http://schemas.microsoft.com/office/drawing/2014/main" id="{3CF22254-C33E-75BE-6DAB-C7A74554D89A}"/>
+                <a16:creationId xmlns:a16="http://schemas.microsoft.com/office/drawing/2014/main" xmlns="" id="{3CF22254-C33E-75BE-6DAB-C7A74554D89A}"/>
               </a:ext>
             </a:extLst>
           </p:cNvPr>
@@ -15621,7 +15628,7 @@
           <p:cNvPr id="4" name="Title 1">
             <a:extLst>
               <a:ext uri="{FF2B5EF4-FFF2-40B4-BE49-F238E27FC236}">
-                <a16:creationId xmlns:a16="http://schemas.microsoft.com/office/drawing/2014/main" id="{3BE4F8B3-A64A-0D95-EF2A-00A5CE14F6C4}"/>
+                <a16:creationId xmlns:a16="http://schemas.microsoft.com/office/drawing/2014/main" xmlns="" id="{3BE4F8B3-A64A-0D95-EF2A-00A5CE14F6C4}"/>
               </a:ext>
             </a:extLst>
           </p:cNvPr>
@@ -15686,7 +15693,7 @@
           <p:cNvPr id="5" name="Title 1">
             <a:extLst>
               <a:ext uri="{FF2B5EF4-FFF2-40B4-BE49-F238E27FC236}">
-                <a16:creationId xmlns:a16="http://schemas.microsoft.com/office/drawing/2014/main" id="{DC67CE63-7811-1A27-DD38-084A856BD037}"/>
+                <a16:creationId xmlns:a16="http://schemas.microsoft.com/office/drawing/2014/main" xmlns="" id="{DC67CE63-7811-1A27-DD38-084A856BD037}"/>
               </a:ext>
             </a:extLst>
           </p:cNvPr>
@@ -15751,7 +15758,7 @@
           <p:cNvPr id="6" name="Title 1">
             <a:extLst>
               <a:ext uri="{FF2B5EF4-FFF2-40B4-BE49-F238E27FC236}">
-                <a16:creationId xmlns:a16="http://schemas.microsoft.com/office/drawing/2014/main" id="{F57027B8-9D68-62DA-CE72-60CFA0C1E3FB}"/>
+                <a16:creationId xmlns:a16="http://schemas.microsoft.com/office/drawing/2014/main" xmlns="" id="{F57027B8-9D68-62DA-CE72-60CFA0C1E3FB}"/>
               </a:ext>
             </a:extLst>
           </p:cNvPr>
@@ -15816,7 +15823,7 @@
           <p:cNvPr id="7" name="Title 1">
             <a:extLst>
               <a:ext uri="{FF2B5EF4-FFF2-40B4-BE49-F238E27FC236}">
-                <a16:creationId xmlns:a16="http://schemas.microsoft.com/office/drawing/2014/main" id="{7B33BDFA-5E4D-2697-5F17-7C3BD2B6D1CD}"/>
+                <a16:creationId xmlns:a16="http://schemas.microsoft.com/office/drawing/2014/main" xmlns="" id="{7B33BDFA-5E4D-2697-5F17-7C3BD2B6D1CD}"/>
               </a:ext>
             </a:extLst>
           </p:cNvPr>
@@ -15932,7 +15939,7 @@
           <p:cNvPr id="12" name="Picture 11">
             <a:extLst>
               <a:ext uri="{FF2B5EF4-FFF2-40B4-BE49-F238E27FC236}">
-                <a16:creationId xmlns:a16="http://schemas.microsoft.com/office/drawing/2014/main" id="{8559FBEC-0676-B3CC-053B-03FEAF378733}"/>
+                <a16:creationId xmlns:a16="http://schemas.microsoft.com/office/drawing/2014/main" xmlns="" id="{8559FBEC-0676-B3CC-053B-03FEAF378733}"/>
               </a:ext>
             </a:extLst>
           </p:cNvPr>
@@ -15975,7 +15982,7 @@
           <p:cNvPr id="13" name="Picture 12">
             <a:extLst>
               <a:ext uri="{FF2B5EF4-FFF2-40B4-BE49-F238E27FC236}">
-                <a16:creationId xmlns:a16="http://schemas.microsoft.com/office/drawing/2014/main" id="{BCC1C694-6D8A-D8A4-66F9-AE0F8B66A033}"/>
+                <a16:creationId xmlns:a16="http://schemas.microsoft.com/office/drawing/2014/main" xmlns="" id="{BCC1C694-6D8A-D8A4-66F9-AE0F8B66A033}"/>
               </a:ext>
             </a:extLst>
           </p:cNvPr>
@@ -16018,7 +16025,7 @@
           <p:cNvPr id="14" name="Picture 13">
             <a:extLst>
               <a:ext uri="{FF2B5EF4-FFF2-40B4-BE49-F238E27FC236}">
-                <a16:creationId xmlns:a16="http://schemas.microsoft.com/office/drawing/2014/main" id="{E26E6D49-634F-1DFB-3ACB-D00C7EA422B4}"/>
+                <a16:creationId xmlns:a16="http://schemas.microsoft.com/office/drawing/2014/main" xmlns="" id="{E26E6D49-634F-1DFB-3ACB-D00C7EA422B4}"/>
               </a:ext>
             </a:extLst>
           </p:cNvPr>
@@ -16061,7 +16068,7 @@
           <p:cNvPr id="15" name="Picture 14">
             <a:extLst>
               <a:ext uri="{FF2B5EF4-FFF2-40B4-BE49-F238E27FC236}">
-                <a16:creationId xmlns:a16="http://schemas.microsoft.com/office/drawing/2014/main" id="{9D669D71-8A19-AA93-E55E-D29EF9E139B6}"/>
+                <a16:creationId xmlns:a16="http://schemas.microsoft.com/office/drawing/2014/main" xmlns="" id="{9D669D71-8A19-AA93-E55E-D29EF9E139B6}"/>
               </a:ext>
             </a:extLst>
           </p:cNvPr>
@@ -16141,7 +16148,7 @@
           <p:cNvPr id="7" name="TextBox 6">
             <a:extLst>
               <a:ext uri="{FF2B5EF4-FFF2-40B4-BE49-F238E27FC236}">
-                <a16:creationId xmlns:a16="http://schemas.microsoft.com/office/drawing/2014/main" id="{D88F0BA7-7B30-0EEE-A379-03D27CD5CBB1}"/>
+                <a16:creationId xmlns:a16="http://schemas.microsoft.com/office/drawing/2014/main" xmlns="" id="{D88F0BA7-7B30-0EEE-A379-03D27CD5CBB1}"/>
               </a:ext>
             </a:extLst>
           </p:cNvPr>
@@ -16232,7 +16239,7 @@
           <p:cNvPr id="8" name="TextBox 7">
             <a:extLst>
               <a:ext uri="{FF2B5EF4-FFF2-40B4-BE49-F238E27FC236}">
-                <a16:creationId xmlns:a16="http://schemas.microsoft.com/office/drawing/2014/main" id="{D88F0BA7-7B30-0EEE-A379-03D27CD5CBB1}"/>
+                <a16:creationId xmlns:a16="http://schemas.microsoft.com/office/drawing/2014/main" xmlns="" id="{D88F0BA7-7B30-0EEE-A379-03D27CD5CBB1}"/>
               </a:ext>
             </a:extLst>
           </p:cNvPr>
@@ -16274,7 +16281,7 @@
           <p:cNvPr id="3" name="Title 1">
             <a:extLst>
               <a:ext uri="{FF2B5EF4-FFF2-40B4-BE49-F238E27FC236}">
-                <a16:creationId xmlns:a16="http://schemas.microsoft.com/office/drawing/2014/main" id="{75D35DB2-5C55-AFBA-B3A9-8143D33A6CEF}"/>
+                <a16:creationId xmlns:a16="http://schemas.microsoft.com/office/drawing/2014/main" xmlns="" id="{75D35DB2-5C55-AFBA-B3A9-8143D33A6CEF}"/>
               </a:ext>
             </a:extLst>
           </p:cNvPr>
@@ -16390,7 +16397,7 @@
           <p:cNvPr id="9" name="Picture 8">
             <a:extLst>
               <a:ext uri="{FF2B5EF4-FFF2-40B4-BE49-F238E27FC236}">
-                <a16:creationId xmlns:a16="http://schemas.microsoft.com/office/drawing/2014/main" id="{DA8B2240-8F39-87D9-7DB2-3B884A3FBD4C}"/>
+                <a16:creationId xmlns:a16="http://schemas.microsoft.com/office/drawing/2014/main" xmlns="" id="{DA8B2240-8F39-87D9-7DB2-3B884A3FBD4C}"/>
               </a:ext>
             </a:extLst>
           </p:cNvPr>
@@ -16433,7 +16440,7 @@
           <p:cNvPr id="11" name="Picture 10">
             <a:extLst>
               <a:ext uri="{FF2B5EF4-FFF2-40B4-BE49-F238E27FC236}">
-                <a16:creationId xmlns:a16="http://schemas.microsoft.com/office/drawing/2014/main" id="{6BF6B19B-0A6B-BD96-42AC-7097B9DB8B47}"/>
+                <a16:creationId xmlns:a16="http://schemas.microsoft.com/office/drawing/2014/main" xmlns="" id="{6BF6B19B-0A6B-BD96-42AC-7097B9DB8B47}"/>
               </a:ext>
             </a:extLst>
           </p:cNvPr>
@@ -16476,7 +16483,7 @@
           <p:cNvPr id="2" name="TextBox 1">
             <a:extLst>
               <a:ext uri="{FF2B5EF4-FFF2-40B4-BE49-F238E27FC236}">
-                <a16:creationId xmlns:a16="http://schemas.microsoft.com/office/drawing/2014/main" id="{E03CE875-3088-E4A9-3F08-1F1FFF7F4A91}"/>
+                <a16:creationId xmlns:a16="http://schemas.microsoft.com/office/drawing/2014/main" xmlns="" id="{E03CE875-3088-E4A9-3F08-1F1FFF7F4A91}"/>
               </a:ext>
             </a:extLst>
           </p:cNvPr>
@@ -16518,7 +16525,7 @@
           <p:cNvPr id="4" name="TextBox 3">
             <a:extLst>
               <a:ext uri="{FF2B5EF4-FFF2-40B4-BE49-F238E27FC236}">
-                <a16:creationId xmlns:a16="http://schemas.microsoft.com/office/drawing/2014/main" id="{8F095557-0EBC-9E0B-3206-7D0FB13E13A6}"/>
+                <a16:creationId xmlns:a16="http://schemas.microsoft.com/office/drawing/2014/main" xmlns="" id="{8F095557-0EBC-9E0B-3206-7D0FB13E13A6}"/>
               </a:ext>
             </a:extLst>
           </p:cNvPr>
@@ -16663,7 +16670,7 @@
           <p:cNvPr id="30" name="Title 1">
             <a:extLst>
               <a:ext uri="{FF2B5EF4-FFF2-40B4-BE49-F238E27FC236}">
-                <a16:creationId xmlns:a16="http://schemas.microsoft.com/office/drawing/2014/main" id="{5725ABAE-40D3-A701-D415-2824ABB55D84}"/>
+                <a16:creationId xmlns:a16="http://schemas.microsoft.com/office/drawing/2014/main" xmlns="" id="{5725ABAE-40D3-A701-D415-2824ABB55D84}"/>
               </a:ext>
             </a:extLst>
           </p:cNvPr>
@@ -18288,7 +18295,7 @@
           <p:cNvPr id="2" name="Title 1">
             <a:extLst>
               <a:ext uri="{FF2B5EF4-FFF2-40B4-BE49-F238E27FC236}">
-                <a16:creationId xmlns:a16="http://schemas.microsoft.com/office/drawing/2014/main" id="{4B55A092-7A25-B35A-C235-796CF812831D}"/>
+                <a16:creationId xmlns:a16="http://schemas.microsoft.com/office/drawing/2014/main" xmlns="" id="{4B55A092-7A25-B35A-C235-796CF812831D}"/>
               </a:ext>
             </a:extLst>
           </p:cNvPr>
@@ -18404,7 +18411,7 @@
           <p:cNvPr id="4" name="Content Placeholder 2">
             <a:extLst>
               <a:ext uri="{FF2B5EF4-FFF2-40B4-BE49-F238E27FC236}">
-                <a16:creationId xmlns:a16="http://schemas.microsoft.com/office/drawing/2014/main" id="{C818015B-3DF4-5BD8-0083-6A4024E31563}"/>
+                <a16:creationId xmlns:a16="http://schemas.microsoft.com/office/drawing/2014/main" xmlns="" id="{C818015B-3DF4-5BD8-0083-6A4024E31563}"/>
               </a:ext>
             </a:extLst>
           </p:cNvPr>
@@ -18974,7 +18981,7 @@
           <p:cNvPr id="2" name="Content Placeholder 2">
             <a:extLst>
               <a:ext uri="{FF2B5EF4-FFF2-40B4-BE49-F238E27FC236}">
-                <a16:creationId xmlns:a16="http://schemas.microsoft.com/office/drawing/2014/main" id="{41038E8F-F90D-5F45-CB9F-FBA2E7B31BCC}"/>
+                <a16:creationId xmlns:a16="http://schemas.microsoft.com/office/drawing/2014/main" xmlns="" id="{41038E8F-F90D-5F45-CB9F-FBA2E7B31BCC}"/>
               </a:ext>
             </a:extLst>
           </p:cNvPr>
@@ -19253,7 +19260,7 @@
           <p:cNvPr id="3" name="Title 1">
             <a:extLst>
               <a:ext uri="{FF2B5EF4-FFF2-40B4-BE49-F238E27FC236}">
-                <a16:creationId xmlns:a16="http://schemas.microsoft.com/office/drawing/2014/main" id="{DED27152-F9F2-3883-DF4E-D421DA8CC9C1}"/>
+                <a16:creationId xmlns:a16="http://schemas.microsoft.com/office/drawing/2014/main" xmlns="" id="{DED27152-F9F2-3883-DF4E-D421DA8CC9C1}"/>
               </a:ext>
             </a:extLst>
           </p:cNvPr>
@@ -19660,8 +19667,8 @@
         </p:blipFill>
         <p:spPr>
           <a:xfrm>
-            <a:off x="2589213" y="3048306"/>
-            <a:ext cx="4313237" cy="1948837"/>
+            <a:off x="627062" y="2725611"/>
+            <a:ext cx="10677669" cy="3994767"/>
           </a:xfrm>
           <a:prstGeom prst="rect">
             <a:avLst/>
@@ -20896,7 +20903,7 @@
           <p:cNvPr id="6" name="Picture 5">
             <a:extLst>
               <a:ext uri="{FF2B5EF4-FFF2-40B4-BE49-F238E27FC236}">
-                <a16:creationId xmlns:a16="http://schemas.microsoft.com/office/drawing/2014/main" id="{68F0B61A-F791-2188-110D-2A4EA7561D90}"/>
+                <a16:creationId xmlns:a16="http://schemas.microsoft.com/office/drawing/2014/main" xmlns="" id="{68F0B61A-F791-2188-110D-2A4EA7561D90}"/>
               </a:ext>
             </a:extLst>
           </p:cNvPr>
@@ -21971,7 +21978,7 @@
           <p:cNvPr id="2" name="Title 1">
             <a:extLst>
               <a:ext uri="{FF2B5EF4-FFF2-40B4-BE49-F238E27FC236}">
-                <a16:creationId xmlns:a16="http://schemas.microsoft.com/office/drawing/2014/main" id="{365C6615-A863-47A8-31CF-677818391DA5}"/>
+                <a16:creationId xmlns:a16="http://schemas.microsoft.com/office/drawing/2014/main" xmlns="" id="{365C6615-A863-47A8-31CF-677818391DA5}"/>
               </a:ext>
             </a:extLst>
           </p:cNvPr>
@@ -22016,7 +22023,7 @@
           <p:cNvPr id="3" name="Subtitle 2">
             <a:extLst>
               <a:ext uri="{FF2B5EF4-FFF2-40B4-BE49-F238E27FC236}">
-                <a16:creationId xmlns:a16="http://schemas.microsoft.com/office/drawing/2014/main" id="{17ECCB29-D02C-257A-3824-7C425237225E}"/>
+                <a16:creationId xmlns:a16="http://schemas.microsoft.com/office/drawing/2014/main" xmlns="" id="{17ECCB29-D02C-257A-3824-7C425237225E}"/>
               </a:ext>
             </a:extLst>
           </p:cNvPr>
@@ -22094,7 +22101,7 @@
           <p:cNvPr id="15" name="Table 14">
             <a:extLst>
               <a:ext uri="{FF2B5EF4-FFF2-40B4-BE49-F238E27FC236}">
-                <a16:creationId xmlns:a16="http://schemas.microsoft.com/office/drawing/2014/main" id="{F83478A9-D417-DDE1-82FE-67BB0B605C76}"/>
+                <a16:creationId xmlns:a16="http://schemas.microsoft.com/office/drawing/2014/main" xmlns="" id="{F83478A9-D417-DDE1-82FE-67BB0B605C76}"/>
               </a:ext>
             </a:extLst>
           </p:cNvPr>
@@ -22123,21 +22130,21 @@
                 <a:gridCol w="3999345">
                   <a:extLst>
                     <a:ext uri="{9D8B030D-6E8A-4147-A177-3AD203B41FA5}">
-                      <a16:colId xmlns:a16="http://schemas.microsoft.com/office/drawing/2014/main" val="1478528284"/>
+                      <a16:colId xmlns:a16="http://schemas.microsoft.com/office/drawing/2014/main" xmlns="" val="1478528284"/>
                     </a:ext>
                   </a:extLst>
                 </a:gridCol>
                 <a:gridCol w="3868262">
                   <a:extLst>
                     <a:ext uri="{9D8B030D-6E8A-4147-A177-3AD203B41FA5}">
-                      <a16:colId xmlns:a16="http://schemas.microsoft.com/office/drawing/2014/main" val="3423982594"/>
+                      <a16:colId xmlns:a16="http://schemas.microsoft.com/office/drawing/2014/main" xmlns="" val="3423982594"/>
                     </a:ext>
                   </a:extLst>
                 </a:gridCol>
                 <a:gridCol w="4130428">
                   <a:extLst>
                     <a:ext uri="{9D8B030D-6E8A-4147-A177-3AD203B41FA5}">
-                      <a16:colId xmlns:a16="http://schemas.microsoft.com/office/drawing/2014/main" val="2262541887"/>
+                      <a16:colId xmlns:a16="http://schemas.microsoft.com/office/drawing/2014/main" xmlns="" val="2262541887"/>
                     </a:ext>
                   </a:extLst>
                 </a:gridCol>
@@ -22879,7 +22886,7 @@
                 </a:tc>
                 <a:extLst>
                   <a:ext uri="{0D108BD9-81ED-4DB2-BD59-A6C34878D82A}">
-                    <a16:rowId xmlns:a16="http://schemas.microsoft.com/office/drawing/2014/main" val="607781800"/>
+                    <a16:rowId xmlns:a16="http://schemas.microsoft.com/office/drawing/2014/main" xmlns="" val="607781800"/>
                   </a:ext>
                 </a:extLst>
               </a:tr>
@@ -22892,7 +22899,7 @@
           <p:cNvPr id="16" name="Picture 15">
             <a:extLst>
               <a:ext uri="{FF2B5EF4-FFF2-40B4-BE49-F238E27FC236}">
-                <a16:creationId xmlns:a16="http://schemas.microsoft.com/office/drawing/2014/main" id="{2824784F-60B8-8108-2296-8A3AD9A0A892}"/>
+                <a16:creationId xmlns:a16="http://schemas.microsoft.com/office/drawing/2014/main" xmlns="" id="{2824784F-60B8-8108-2296-8A3AD9A0A892}"/>
               </a:ext>
             </a:extLst>
           </p:cNvPr>
@@ -22935,7 +22942,7 @@
           <p:cNvPr id="17" name="Picture 16">
             <a:extLst>
               <a:ext uri="{FF2B5EF4-FFF2-40B4-BE49-F238E27FC236}">
-                <a16:creationId xmlns:a16="http://schemas.microsoft.com/office/drawing/2014/main" id="{310DFEDC-DC39-6A30-71A3-D5BE35EB45A3}"/>
+                <a16:creationId xmlns:a16="http://schemas.microsoft.com/office/drawing/2014/main" xmlns="" id="{310DFEDC-DC39-6A30-71A3-D5BE35EB45A3}"/>
               </a:ext>
             </a:extLst>
           </p:cNvPr>
@@ -22978,7 +22985,7 @@
           <p:cNvPr id="18" name="Picture 17">
             <a:extLst>
               <a:ext uri="{FF2B5EF4-FFF2-40B4-BE49-F238E27FC236}">
-                <a16:creationId xmlns:a16="http://schemas.microsoft.com/office/drawing/2014/main" id="{0DC4DAD8-D94F-F538-14E0-AE9B81B6A821}"/>
+                <a16:creationId xmlns:a16="http://schemas.microsoft.com/office/drawing/2014/main" xmlns="" id="{0DC4DAD8-D94F-F538-14E0-AE9B81B6A821}"/>
               </a:ext>
             </a:extLst>
           </p:cNvPr>
@@ -23021,7 +23028,7 @@
           <p:cNvPr id="19" name="Picture 18">
             <a:extLst>
               <a:ext uri="{FF2B5EF4-FFF2-40B4-BE49-F238E27FC236}">
-                <a16:creationId xmlns:a16="http://schemas.microsoft.com/office/drawing/2014/main" id="{EE3CFD0A-73A7-3882-0F0F-5AFD3DF8B8A1}"/>
+                <a16:creationId xmlns:a16="http://schemas.microsoft.com/office/drawing/2014/main" xmlns="" id="{EE3CFD0A-73A7-3882-0F0F-5AFD3DF8B8A1}"/>
               </a:ext>
             </a:extLst>
           </p:cNvPr>
@@ -23064,7 +23071,7 @@
           <p:cNvPr id="20" name="Title 1">
             <a:extLst>
               <a:ext uri="{FF2B5EF4-FFF2-40B4-BE49-F238E27FC236}">
-                <a16:creationId xmlns:a16="http://schemas.microsoft.com/office/drawing/2014/main" id="{C28C4876-CAFC-B67E-2F1A-C9B18E81B2F5}"/>
+                <a16:creationId xmlns:a16="http://schemas.microsoft.com/office/drawing/2014/main" xmlns="" id="{C28C4876-CAFC-B67E-2F1A-C9B18E81B2F5}"/>
               </a:ext>
             </a:extLst>
           </p:cNvPr>
@@ -23129,7 +23136,7 @@
           <p:cNvPr id="21" name="Title 1">
             <a:extLst>
               <a:ext uri="{FF2B5EF4-FFF2-40B4-BE49-F238E27FC236}">
-                <a16:creationId xmlns:a16="http://schemas.microsoft.com/office/drawing/2014/main" id="{0FBED09A-139A-ED6D-39A8-C7022607782C}"/>
+                <a16:creationId xmlns:a16="http://schemas.microsoft.com/office/drawing/2014/main" xmlns="" id="{0FBED09A-139A-ED6D-39A8-C7022607782C}"/>
               </a:ext>
             </a:extLst>
           </p:cNvPr>
@@ -23194,7 +23201,7 @@
           <p:cNvPr id="22" name="Title 1">
             <a:extLst>
               <a:ext uri="{FF2B5EF4-FFF2-40B4-BE49-F238E27FC236}">
-                <a16:creationId xmlns:a16="http://schemas.microsoft.com/office/drawing/2014/main" id="{678DDE49-8CD0-B734-DF46-38B0B261B694}"/>
+                <a16:creationId xmlns:a16="http://schemas.microsoft.com/office/drawing/2014/main" xmlns="" id="{678DDE49-8CD0-B734-DF46-38B0B261B694}"/>
               </a:ext>
             </a:extLst>
           </p:cNvPr>
@@ -23259,7 +23266,7 @@
           <p:cNvPr id="23" name="Title 1">
             <a:extLst>
               <a:ext uri="{FF2B5EF4-FFF2-40B4-BE49-F238E27FC236}">
-                <a16:creationId xmlns:a16="http://schemas.microsoft.com/office/drawing/2014/main" id="{BB5EE582-AC68-1A0D-8C02-9AE38207340F}"/>
+                <a16:creationId xmlns:a16="http://schemas.microsoft.com/office/drawing/2014/main" xmlns="" id="{BB5EE582-AC68-1A0D-8C02-9AE38207340F}"/>
               </a:ext>
             </a:extLst>
           </p:cNvPr>
@@ -23324,7 +23331,7 @@
           <p:cNvPr id="24" name="Title 1">
             <a:extLst>
               <a:ext uri="{FF2B5EF4-FFF2-40B4-BE49-F238E27FC236}">
-                <a16:creationId xmlns:a16="http://schemas.microsoft.com/office/drawing/2014/main" id="{E0FD9951-58F4-F710-A49A-E654180DA4FE}"/>
+                <a16:creationId xmlns:a16="http://schemas.microsoft.com/office/drawing/2014/main" xmlns="" id="{E0FD9951-58F4-F710-A49A-E654180DA4FE}"/>
               </a:ext>
             </a:extLst>
           </p:cNvPr>
